--- a/Presentations/5. Advanced C#/AdvancedTopics.pptx
+++ b/Presentations/5. Advanced C#/AdvancedTopics.pptx
@@ -5,10 +5,10 @@
     <p:sldMasterId id="2147483660" r:id="rId4"/>
   </p:sldMasterIdLst>
   <p:notesMasterIdLst>
-    <p:notesMasterId r:id="rId41"/>
+    <p:notesMasterId r:id="rId48"/>
   </p:notesMasterIdLst>
   <p:handoutMasterIdLst>
-    <p:handoutMasterId r:id="rId42"/>
+    <p:handoutMasterId r:id="rId49"/>
   </p:handoutMasterIdLst>
   <p:sldIdLst>
     <p:sldId id="257" r:id="rId5"/>
@@ -43,10 +43,17 @@
     <p:sldId id="296" r:id="rId34"/>
     <p:sldId id="297" r:id="rId35"/>
     <p:sldId id="298" r:id="rId36"/>
-    <p:sldId id="299" r:id="rId37"/>
-    <p:sldId id="300" r:id="rId38"/>
-    <p:sldId id="301" r:id="rId39"/>
-    <p:sldId id="267" r:id="rId40"/>
+    <p:sldId id="304" r:id="rId37"/>
+    <p:sldId id="299" r:id="rId38"/>
+    <p:sldId id="300" r:id="rId39"/>
+    <p:sldId id="303" r:id="rId40"/>
+    <p:sldId id="302" r:id="rId41"/>
+    <p:sldId id="305" r:id="rId42"/>
+    <p:sldId id="306" r:id="rId43"/>
+    <p:sldId id="307" r:id="rId44"/>
+    <p:sldId id="308" r:id="rId45"/>
+    <p:sldId id="301" r:id="rId46"/>
+    <p:sldId id="267" r:id="rId47"/>
   </p:sldIdLst>
   <p:sldSz cx="12188825" cy="6858000"/>
   <p:notesSz cx="6858000" cy="9144000"/>
@@ -260,7 +267,7 @@
           <a:p>
             <a:fld id="{FE5B4EDC-59C0-49C7-8ADA-5A781B329E02}" type="datetimeFigureOut">
               <a:rPr lang="en-US"/>
-              <a:t>3/31/2017</a:t>
+              <a:t>4/6/2017</a:t>
             </a:fld>
             <a:endParaRPr/>
           </a:p>
@@ -425,7 +432,7 @@
           <a:p>
             <a:fld id="{F2D8D46A-B586-417D-BFBD-8C8FE0AAF762}" type="datetimeFigureOut">
               <a:rPr lang="en-US"/>
-              <a:t>3/31/2017</a:t>
+              <a:t>4/6/2017</a:t>
             </a:fld>
             <a:endParaRPr/>
           </a:p>
@@ -1611,7 +1618,7 @@
           <a:p>
             <a:fld id="{F0DFD029-FB74-4578-B929-F66AA97659CA}" type="datetimeFigureOut">
               <a:rPr lang="en-US"/>
-              <a:t>3/31/2017</a:t>
+              <a:t>4/6/2017</a:t>
             </a:fld>
             <a:endParaRPr/>
           </a:p>
@@ -1809,7 +1816,7 @@
           <a:p>
             <a:fld id="{F0DFD029-FB74-4578-B929-F66AA97659CA}" type="datetimeFigureOut">
               <a:rPr lang="en-US"/>
-              <a:t>3/31/2017</a:t>
+              <a:t>4/6/2017</a:t>
             </a:fld>
             <a:endParaRPr/>
           </a:p>
@@ -2017,7 +2024,7 @@
           <a:p>
             <a:fld id="{F0DFD029-FB74-4578-B929-F66AA97659CA}" type="datetimeFigureOut">
               <a:rPr lang="en-US"/>
-              <a:t>3/31/2017</a:t>
+              <a:t>4/6/2017</a:t>
             </a:fld>
             <a:endParaRPr/>
           </a:p>
@@ -2215,7 +2222,7 @@
           <a:p>
             <a:fld id="{F0DFD029-FB74-4578-B929-F66AA97659CA}" type="datetimeFigureOut">
               <a:rPr lang="en-US"/>
-              <a:t>3/31/2017</a:t>
+              <a:t>4/6/2017</a:t>
             </a:fld>
             <a:endParaRPr/>
           </a:p>
@@ -2647,7 +2654,7 @@
           <a:p>
             <a:fld id="{F0DFD029-FB74-4578-B929-F66AA97659CA}" type="datetimeFigureOut">
               <a:rPr lang="en-US"/>
-              <a:t>3/31/2017</a:t>
+              <a:t>4/6/2017</a:t>
             </a:fld>
             <a:endParaRPr/>
           </a:p>
@@ -2951,7 +2958,7 @@
           <a:p>
             <a:fld id="{F0DFD029-FB74-4578-B929-F66AA97659CA}" type="datetimeFigureOut">
               <a:rPr lang="en-US"/>
-              <a:t>3/31/2017</a:t>
+              <a:t>4/6/2017</a:t>
             </a:fld>
             <a:endParaRPr/>
           </a:p>
@@ -3407,7 +3414,7 @@
           <a:p>
             <a:fld id="{F0DFD029-FB74-4578-B929-F66AA97659CA}" type="datetimeFigureOut">
               <a:rPr lang="en-US"/>
-              <a:t>3/31/2017</a:t>
+              <a:t>4/6/2017</a:t>
             </a:fld>
             <a:endParaRPr/>
           </a:p>
@@ -3537,7 +3544,7 @@
           <a:p>
             <a:fld id="{F0DFD029-FB74-4578-B929-F66AA97659CA}" type="datetimeFigureOut">
               <a:rPr lang="en-US"/>
-              <a:t>3/31/2017</a:t>
+              <a:t>4/6/2017</a:t>
             </a:fld>
             <a:endParaRPr/>
           </a:p>
@@ -3644,7 +3651,7 @@
           <a:p>
             <a:fld id="{F0DFD029-FB74-4578-B929-F66AA97659CA}" type="datetimeFigureOut">
               <a:rPr lang="en-US"/>
-              <a:t>3/31/2017</a:t>
+              <a:t>4/6/2017</a:t>
             </a:fld>
             <a:endParaRPr/>
           </a:p>
@@ -3943,7 +3950,7 @@
           <a:p>
             <a:fld id="{F0DFD029-FB74-4578-B929-F66AA97659CA}" type="datetimeFigureOut">
               <a:rPr lang="en-US"/>
-              <a:t>3/31/2017</a:t>
+              <a:t>4/6/2017</a:t>
             </a:fld>
             <a:endParaRPr/>
           </a:p>
@@ -4231,7 +4238,7 @@
           <a:p>
             <a:fld id="{F0DFD029-FB74-4578-B929-F66AA97659CA}" type="datetimeFigureOut">
               <a:rPr lang="en-US"/>
-              <a:t>3/31/2017</a:t>
+              <a:t>4/6/2017</a:t>
             </a:fld>
             <a:endParaRPr/>
           </a:p>
@@ -4854,7 +4861,7 @@
             <a:fld id="{F0DFD029-FB74-4578-B929-F66AA97659CA}" type="datetimeFigureOut">
               <a:rPr lang="en-US"/>
               <a:pPr/>
-              <a:t>3/31/2017</a:t>
+              <a:t>4/6/2017</a:t>
             </a:fld>
             <a:endParaRPr/>
           </a:p>
@@ -13743,16 +13750,20 @@
             <p:ph type="title"/>
           </p:nvPr>
         </p:nvSpPr>
-        <p:spPr/>
+        <p:spPr>
+          <a:xfrm>
+            <a:off x="1218883" y="274637"/>
+            <a:ext cx="10360501" cy="922115"/>
+          </a:xfrm>
+        </p:spPr>
         <p:txBody>
           <a:bodyPr/>
           <a:lstStyle/>
           <a:p>
             <a:r>
               <a:rPr lang="en-US" dirty="0"/>
-              <a:t>Advantages of LINQ</a:t>
-            </a:r>
-            <a:endParaRPr lang="bg-BG" dirty="0"/>
+              <a:t>Anonymous types</a:t>
+            </a:r>
           </a:p>
         </p:txBody>
       </p:sp>
@@ -13766,140 +13777,497 @@
             <p:ph idx="1"/>
           </p:nvPr>
         </p:nvSpPr>
-        <p:spPr/>
+        <p:spPr>
+          <a:xfrm>
+            <a:off x="1218883" y="1268760"/>
+            <a:ext cx="10360501" cy="5112568"/>
+          </a:xfrm>
+        </p:spPr>
         <p:txBody>
           <a:bodyPr>
-            <a:normAutofit fontScale="85000" lnSpcReduction="20000"/>
+            <a:normAutofit lnSpcReduction="10000"/>
           </a:bodyPr>
           <a:lstStyle/>
           <a:p>
             <a:r>
-              <a:rPr lang="en-US" b="1" dirty="0">
+              <a:rPr lang="en-US" dirty="0">
                 <a:solidFill>
                   <a:schemeClr val="accent1"/>
                 </a:solidFill>
               </a:rPr>
-              <a:t>Familiar language</a:t>
-            </a:r>
-            <a:r>
-              <a:rPr lang="en-US" b="1" dirty="0"/>
-              <a:t>: </a:t>
-            </a:r>
-            <a:r>
-              <a:rPr lang="en-US" dirty="0"/>
-              <a:t>Developers don’t have to learn a new query language for each type of data source or data format.</a:t>
-            </a:r>
-          </a:p>
-          <a:p>
-            <a:r>
-              <a:rPr lang="en-US" b="1" dirty="0">
+              <a:t>Anonymous types</a:t>
+            </a:r>
+          </a:p>
+          <a:p>
+            <a:pPr lvl="1"/>
+            <a:r>
+              <a:rPr lang="en-US" dirty="0"/>
+              <a:t>Encapsulate a set of read-only properties and their value into a single object</a:t>
+            </a:r>
+          </a:p>
+          <a:p>
+            <a:pPr lvl="1"/>
+            <a:r>
+              <a:rPr lang="en-US" dirty="0"/>
+              <a:t>No need to explicitly define a type first</a:t>
+            </a:r>
+          </a:p>
+          <a:p>
+            <a:r>
+              <a:rPr lang="en-US" dirty="0"/>
+              <a:t>To define an anonymous type</a:t>
+            </a:r>
+          </a:p>
+          <a:p>
+            <a:pPr lvl="1"/>
+            <a:r>
+              <a:rPr lang="en-US" dirty="0"/>
+              <a:t>Use of the </a:t>
+            </a:r>
+            <a:r>
+              <a:rPr lang="en-US" noProof="1">
                 <a:solidFill>
                   <a:schemeClr val="accent1"/>
                 </a:solidFill>
-              </a:rPr>
-              <a:t>Less coding</a:t>
-            </a:r>
-            <a:r>
-              <a:rPr lang="en-US" b="1" dirty="0"/>
-              <a:t>: </a:t>
-            </a:r>
-            <a:r>
-              <a:rPr lang="en-US" dirty="0"/>
-              <a:t>It reduces the amount of code to be written as compared with a more traditional approach.</a:t>
-            </a:r>
-          </a:p>
-          <a:p>
-            <a:r>
-              <a:rPr lang="en-US" b="1" dirty="0">
+                <a:latin typeface="Consolas" pitchFamily="49" charset="0"/>
+              </a:rPr>
+              <a:t>var</a:t>
+            </a:r>
+            <a:r>
+              <a:rPr lang="en-US" dirty="0"/>
+              <a:t> keyword in conjunction with the object initialization syntax</a:t>
+            </a:r>
+          </a:p>
+          <a:p>
+            <a:pPr lvl="1"/>
+            <a:endParaRPr lang="en-US" dirty="0"/>
+          </a:p>
+          <a:p>
+            <a:pPr lvl="1"/>
+            <a:endParaRPr lang="en-US" dirty="0"/>
+          </a:p>
+          <a:p>
+            <a:r>
+              <a:rPr lang="en-US" dirty="0"/>
+              <a:t>At compile time, the C# compiler will </a:t>
+            </a:r>
+            <a:r>
+              <a:rPr lang="en-US" noProof="1"/>
+              <a:t>autogenerate</a:t>
+            </a:r>
+            <a:r>
+              <a:rPr lang="en-US" dirty="0"/>
+              <a:t> an uniquely named class</a:t>
+            </a:r>
+          </a:p>
+          <a:p>
+            <a:r>
+              <a:rPr lang="en-US" dirty="0"/>
+              <a:t>The class name is not visible from C#</a:t>
+            </a:r>
+          </a:p>
+          <a:p>
+            <a:r>
+              <a:rPr lang="en-US" dirty="0"/>
+              <a:t>Using implicit typing (</a:t>
+            </a:r>
+            <a:r>
+              <a:rPr lang="en-US" noProof="1">
                 <a:solidFill>
                   <a:schemeClr val="accent1"/>
                 </a:solidFill>
-              </a:rPr>
-              <a:t>Readable code</a:t>
-            </a:r>
-            <a:r>
-              <a:rPr lang="en-US" b="1" dirty="0"/>
-              <a:t>: </a:t>
-            </a:r>
-            <a:r>
-              <a:rPr lang="en-US" dirty="0"/>
-              <a:t>LINQ makes the code more readable so other developers can easily understand and maintain it.</a:t>
-            </a:r>
-          </a:p>
-          <a:p>
-            <a:r>
-              <a:rPr lang="en-US" b="1" dirty="0">
-                <a:solidFill>
-                  <a:schemeClr val="accent1"/>
-                </a:solidFill>
-              </a:rPr>
-              <a:t>Standardized way of querying multiple data sources</a:t>
-            </a:r>
-            <a:r>
-              <a:rPr lang="en-US" b="1" dirty="0"/>
-              <a:t>: </a:t>
-            </a:r>
-            <a:r>
-              <a:rPr lang="en-US" dirty="0"/>
-              <a:t>The same LINQ syntax can be used to query multiple data sources.</a:t>
-            </a:r>
-          </a:p>
-          <a:p>
-            <a:r>
-              <a:rPr lang="en-US" b="1" dirty="0">
-                <a:solidFill>
-                  <a:schemeClr val="accent1"/>
-                </a:solidFill>
-              </a:rPr>
-              <a:t>Compile time safety of queries</a:t>
-            </a:r>
-            <a:r>
-              <a:rPr lang="en-US" b="1" dirty="0"/>
-              <a:t>: </a:t>
-            </a:r>
-            <a:r>
-              <a:rPr lang="en-US" dirty="0"/>
-              <a:t>It provides type checking of objects at compile time.</a:t>
-            </a:r>
-          </a:p>
-          <a:p>
-            <a:r>
-              <a:rPr lang="en-US" b="1" dirty="0">
-                <a:solidFill>
-                  <a:schemeClr val="accent1"/>
-                </a:solidFill>
-              </a:rPr>
-              <a:t>IntelliSense Support</a:t>
-            </a:r>
-            <a:r>
-              <a:rPr lang="en-US" b="1" dirty="0"/>
-              <a:t>: </a:t>
-            </a:r>
-            <a:r>
-              <a:rPr lang="en-US" dirty="0"/>
-              <a:t>LINQ provides IntelliSense for generic collections.</a:t>
-            </a:r>
-          </a:p>
-          <a:p>
-            <a:r>
-              <a:rPr lang="en-US" b="1" dirty="0">
-                <a:solidFill>
-                  <a:schemeClr val="accent1"/>
-                </a:solidFill>
-              </a:rPr>
-              <a:t>Shaping data</a:t>
-            </a:r>
-            <a:r>
-              <a:rPr lang="en-US" b="1" dirty="0"/>
-              <a:t>: </a:t>
-            </a:r>
-            <a:r>
-              <a:rPr lang="en-US" dirty="0"/>
-              <a:t>You can retrieve data in different shapes.</a:t>
-            </a:r>
-          </a:p>
-          <a:p>
+                <a:latin typeface="Consolas" pitchFamily="49" charset="0"/>
+              </a:rPr>
+              <a:t>var</a:t>
+            </a:r>
+            <a:r>
+              <a:rPr lang="en-US" dirty="0"/>
+              <a:t> keyword) is mandatory</a:t>
+            </a:r>
             <a:endParaRPr lang="bg-BG" dirty="0"/>
+          </a:p>
+          <a:p>
+            <a:pPr lvl="1"/>
+            <a:endParaRPr lang="en-US" dirty="0"/>
+          </a:p>
+          <a:p>
+            <a:endParaRPr lang="bg-BG" dirty="0"/>
+          </a:p>
+        </p:txBody>
+      </p:sp>
+      <p:sp>
+        <p:nvSpPr>
+          <p:cNvPr id="4" name="Rectangle 3"/>
+          <p:cNvSpPr>
+            <a:spLocks noChangeArrowheads="1"/>
+          </p:cNvSpPr>
+          <p:nvPr/>
+        </p:nvSpPr>
+        <p:spPr bwMode="auto">
+          <a:xfrm>
+            <a:off x="2205980" y="3645024"/>
+            <a:ext cx="5976664" cy="556664"/>
+          </a:xfrm>
+          <a:prstGeom prst="rect">
+            <a:avLst/>
+          </a:prstGeom>
+          <a:solidFill>
+            <a:schemeClr val="bg1">
+              <a:alpha val="15000"/>
+            </a:schemeClr>
+          </a:solidFill>
+          <a:ln w="12700">
+            <a:solidFill>
+              <a:schemeClr val="accent1"/>
+            </a:solidFill>
+          </a:ln>
+        </p:spPr>
+        <p:txBody>
+          <a:bodyPr wrap="square" tIns="108000" bIns="108000">
+            <a:spAutoFit/>
+          </a:bodyPr>
+          <a:lstStyle>
+            <a:defPPr>
+              <a:defRPr lang="en-US"/>
+            </a:defPPr>
+            <a:lvl1pPr algn="l" rtl="0" fontAlgn="base">
+              <a:spcBef>
+                <a:spcPct val="0"/>
+              </a:spcBef>
+              <a:spcAft>
+                <a:spcPct val="0"/>
+              </a:spcAft>
+              <a:defRPr sz="2500" kern="1200">
+                <a:solidFill>
+                  <a:srgbClr val="EBFFC2"/>
+                </a:solidFill>
+                <a:latin typeface="Corbel" pitchFamily="34" charset="0"/>
+                <a:ea typeface="+mn-ea"/>
+                <a:cs typeface="+mn-cs"/>
+              </a:defRPr>
+            </a:lvl1pPr>
+            <a:lvl2pPr marL="457200" algn="l" rtl="0" fontAlgn="base">
+              <a:spcBef>
+                <a:spcPct val="0"/>
+              </a:spcBef>
+              <a:spcAft>
+                <a:spcPct val="0"/>
+              </a:spcAft>
+              <a:defRPr sz="2500" kern="1200">
+                <a:solidFill>
+                  <a:srgbClr val="EBFFC2"/>
+                </a:solidFill>
+                <a:latin typeface="Corbel" pitchFamily="34" charset="0"/>
+                <a:ea typeface="+mn-ea"/>
+                <a:cs typeface="+mn-cs"/>
+              </a:defRPr>
+            </a:lvl2pPr>
+            <a:lvl3pPr marL="914400" algn="l" rtl="0" fontAlgn="base">
+              <a:spcBef>
+                <a:spcPct val="0"/>
+              </a:spcBef>
+              <a:spcAft>
+                <a:spcPct val="0"/>
+              </a:spcAft>
+              <a:defRPr sz="2500" kern="1200">
+                <a:solidFill>
+                  <a:srgbClr val="EBFFC2"/>
+                </a:solidFill>
+                <a:latin typeface="Corbel" pitchFamily="34" charset="0"/>
+                <a:ea typeface="+mn-ea"/>
+                <a:cs typeface="+mn-cs"/>
+              </a:defRPr>
+            </a:lvl3pPr>
+            <a:lvl4pPr marL="1371600" algn="l" rtl="0" fontAlgn="base">
+              <a:spcBef>
+                <a:spcPct val="0"/>
+              </a:spcBef>
+              <a:spcAft>
+                <a:spcPct val="0"/>
+              </a:spcAft>
+              <a:defRPr sz="2500" kern="1200">
+                <a:solidFill>
+                  <a:srgbClr val="EBFFC2"/>
+                </a:solidFill>
+                <a:latin typeface="Corbel" pitchFamily="34" charset="0"/>
+                <a:ea typeface="+mn-ea"/>
+                <a:cs typeface="+mn-cs"/>
+              </a:defRPr>
+            </a:lvl4pPr>
+            <a:lvl5pPr marL="1828800" algn="l" rtl="0" fontAlgn="base">
+              <a:spcBef>
+                <a:spcPct val="0"/>
+              </a:spcBef>
+              <a:spcAft>
+                <a:spcPct val="0"/>
+              </a:spcAft>
+              <a:defRPr sz="2500" kern="1200">
+                <a:solidFill>
+                  <a:srgbClr val="EBFFC2"/>
+                </a:solidFill>
+                <a:latin typeface="Corbel" pitchFamily="34" charset="0"/>
+                <a:ea typeface="+mn-ea"/>
+                <a:cs typeface="+mn-cs"/>
+              </a:defRPr>
+            </a:lvl5pPr>
+            <a:lvl6pPr marL="2286000" algn="l" defTabSz="914400" rtl="0" eaLnBrk="1" latinLnBrk="0" hangingPunct="1">
+              <a:defRPr sz="2500" kern="1200">
+                <a:solidFill>
+                  <a:srgbClr val="EBFFC2"/>
+                </a:solidFill>
+                <a:latin typeface="Corbel" pitchFamily="34" charset="0"/>
+                <a:ea typeface="+mn-ea"/>
+                <a:cs typeface="+mn-cs"/>
+              </a:defRPr>
+            </a:lvl6pPr>
+            <a:lvl7pPr marL="2743200" algn="l" defTabSz="914400" rtl="0" eaLnBrk="1" latinLnBrk="0" hangingPunct="1">
+              <a:defRPr sz="2500" kern="1200">
+                <a:solidFill>
+                  <a:srgbClr val="EBFFC2"/>
+                </a:solidFill>
+                <a:latin typeface="Corbel" pitchFamily="34" charset="0"/>
+                <a:ea typeface="+mn-ea"/>
+                <a:cs typeface="+mn-cs"/>
+              </a:defRPr>
+            </a:lvl7pPr>
+            <a:lvl8pPr marL="3200400" algn="l" defTabSz="914400" rtl="0" eaLnBrk="1" latinLnBrk="0" hangingPunct="1">
+              <a:defRPr sz="2500" kern="1200">
+                <a:solidFill>
+                  <a:srgbClr val="EBFFC2"/>
+                </a:solidFill>
+                <a:latin typeface="Corbel" pitchFamily="34" charset="0"/>
+                <a:ea typeface="+mn-ea"/>
+                <a:cs typeface="+mn-cs"/>
+              </a:defRPr>
+            </a:lvl8pPr>
+            <a:lvl9pPr marL="3657600" algn="l" defTabSz="914400" rtl="0" eaLnBrk="1" latinLnBrk="0" hangingPunct="1">
+              <a:defRPr sz="2500" kern="1200">
+                <a:solidFill>
+                  <a:srgbClr val="EBFFC2"/>
+                </a:solidFill>
+                <a:latin typeface="Corbel" pitchFamily="34" charset="0"/>
+                <a:ea typeface="+mn-ea"/>
+                <a:cs typeface="+mn-cs"/>
+              </a:defRPr>
+            </a:lvl9pPr>
+          </a:lstStyle>
+          <a:p>
+            <a:pPr marL="147600" eaLnBrk="0" hangingPunct="0">
+              <a:lnSpc>
+                <a:spcPct val="100000"/>
+              </a:lnSpc>
+              <a:spcBef>
+                <a:spcPts val="0"/>
+              </a:spcBef>
+              <a:buClr>
+                <a:schemeClr val="accent5">
+                  <a:lumMod val="40000"/>
+                  <a:lumOff val="60000"/>
+                </a:schemeClr>
+              </a:buClr>
+              <a:buSzPct val="70000"/>
+            </a:pPr>
+            <a:r>
+              <a:rPr lang="bg-BG" sz="2200" b="1" noProof="1">
+                <a:solidFill>
+                  <a:schemeClr val="tx1"/>
+                </a:solidFill>
+                <a:effectLst>
+                  <a:outerShdw blurRad="38100" dist="38100" dir="2700000" algn="tl">
+                    <a:srgbClr val="000000">
+                      <a:alpha val="43137"/>
+                    </a:srgbClr>
+                  </a:outerShdw>
+                </a:effectLst>
+                <a:latin typeface="Consolas" pitchFamily="49" charset="0"/>
+                <a:cs typeface="Consolas" pitchFamily="49" charset="0"/>
+              </a:rPr>
+              <a:t>var </a:t>
+            </a:r>
+            <a:r>
+              <a:rPr lang="en-US" sz="2200" b="1" noProof="1">
+                <a:solidFill>
+                  <a:schemeClr val="tx1"/>
+                </a:solidFill>
+                <a:effectLst>
+                  <a:outerShdw blurRad="38100" dist="38100" dir="2700000" algn="tl">
+                    <a:srgbClr val="000000">
+                      <a:alpha val="43137"/>
+                    </a:srgbClr>
+                  </a:outerShdw>
+                </a:effectLst>
+                <a:latin typeface="Consolas" pitchFamily="49" charset="0"/>
+                <a:cs typeface="Consolas" pitchFamily="49" charset="0"/>
+              </a:rPr>
+              <a:t>point</a:t>
+            </a:r>
+            <a:r>
+              <a:rPr lang="bg-BG" sz="2200" b="1" noProof="1">
+                <a:solidFill>
+                  <a:schemeClr val="tx1"/>
+                </a:solidFill>
+                <a:effectLst>
+                  <a:outerShdw blurRad="38100" dist="38100" dir="2700000" algn="tl">
+                    <a:srgbClr val="000000">
+                      <a:alpha val="43137"/>
+                    </a:srgbClr>
+                  </a:outerShdw>
+                </a:effectLst>
+                <a:latin typeface="Consolas" pitchFamily="49" charset="0"/>
+                <a:cs typeface="Consolas" pitchFamily="49" charset="0"/>
+              </a:rPr>
+              <a:t> = new { </a:t>
+            </a:r>
+            <a:r>
+              <a:rPr lang="en-US" sz="2200" b="1" noProof="1">
+                <a:solidFill>
+                  <a:schemeClr val="tx1"/>
+                </a:solidFill>
+                <a:effectLst>
+                  <a:outerShdw blurRad="38100" dist="38100" dir="2700000" algn="tl">
+                    <a:srgbClr val="000000">
+                      <a:alpha val="43137"/>
+                    </a:srgbClr>
+                  </a:outerShdw>
+                </a:effectLst>
+                <a:latin typeface="Consolas" pitchFamily="49" charset="0"/>
+                <a:cs typeface="Consolas" pitchFamily="49" charset="0"/>
+              </a:rPr>
+              <a:t>X</a:t>
+            </a:r>
+            <a:r>
+              <a:rPr lang="bg-BG" sz="2200" b="1" noProof="1">
+                <a:solidFill>
+                  <a:schemeClr val="tx1"/>
+                </a:solidFill>
+                <a:effectLst>
+                  <a:outerShdw blurRad="38100" dist="38100" dir="2700000" algn="tl">
+                    <a:srgbClr val="000000">
+                      <a:alpha val="43137"/>
+                    </a:srgbClr>
+                  </a:outerShdw>
+                </a:effectLst>
+                <a:latin typeface="Consolas" pitchFamily="49" charset="0"/>
+                <a:cs typeface="Consolas" pitchFamily="49" charset="0"/>
+              </a:rPr>
+              <a:t> = </a:t>
+            </a:r>
+            <a:r>
+              <a:rPr lang="en-US" sz="2200" b="1" noProof="1">
+                <a:solidFill>
+                  <a:schemeClr val="tx1"/>
+                </a:solidFill>
+                <a:effectLst>
+                  <a:outerShdw blurRad="38100" dist="38100" dir="2700000" algn="tl">
+                    <a:srgbClr val="000000">
+                      <a:alpha val="43137"/>
+                    </a:srgbClr>
+                  </a:outerShdw>
+                </a:effectLst>
+                <a:latin typeface="Consolas" pitchFamily="49" charset="0"/>
+                <a:cs typeface="Consolas" pitchFamily="49" charset="0"/>
+              </a:rPr>
+              <a:t>3</a:t>
+            </a:r>
+            <a:r>
+              <a:rPr lang="bg-BG" sz="2200" b="1" noProof="1">
+                <a:solidFill>
+                  <a:schemeClr val="tx1"/>
+                </a:solidFill>
+                <a:effectLst>
+                  <a:outerShdw blurRad="38100" dist="38100" dir="2700000" algn="tl">
+                    <a:srgbClr val="000000">
+                      <a:alpha val="43137"/>
+                    </a:srgbClr>
+                  </a:outerShdw>
+                </a:effectLst>
+                <a:latin typeface="Consolas" pitchFamily="49" charset="0"/>
+                <a:cs typeface="Consolas" pitchFamily="49" charset="0"/>
+              </a:rPr>
+              <a:t>, </a:t>
+            </a:r>
+            <a:r>
+              <a:rPr lang="en-US" sz="2200" b="1" noProof="1">
+                <a:solidFill>
+                  <a:schemeClr val="tx1"/>
+                </a:solidFill>
+                <a:effectLst>
+                  <a:outerShdw blurRad="38100" dist="38100" dir="2700000" algn="tl">
+                    <a:srgbClr val="000000">
+                      <a:alpha val="43137"/>
+                    </a:srgbClr>
+                  </a:outerShdw>
+                </a:effectLst>
+                <a:latin typeface="Consolas" pitchFamily="49" charset="0"/>
+                <a:cs typeface="Consolas" pitchFamily="49" charset="0"/>
+              </a:rPr>
+              <a:t>Y</a:t>
+            </a:r>
+            <a:r>
+              <a:rPr lang="bg-BG" sz="2200" b="1" noProof="1">
+                <a:solidFill>
+                  <a:schemeClr val="tx1"/>
+                </a:solidFill>
+                <a:effectLst>
+                  <a:outerShdw blurRad="38100" dist="38100" dir="2700000" algn="tl">
+                    <a:srgbClr val="000000">
+                      <a:alpha val="43137"/>
+                    </a:srgbClr>
+                  </a:outerShdw>
+                </a:effectLst>
+                <a:latin typeface="Consolas" pitchFamily="49" charset="0"/>
+                <a:cs typeface="Consolas" pitchFamily="49" charset="0"/>
+              </a:rPr>
+              <a:t> = </a:t>
+            </a:r>
+            <a:r>
+              <a:rPr lang="en-US" sz="2200" b="1" noProof="1">
+                <a:solidFill>
+                  <a:schemeClr val="tx1"/>
+                </a:solidFill>
+                <a:effectLst>
+                  <a:outerShdw blurRad="38100" dist="38100" dir="2700000" algn="tl">
+                    <a:srgbClr val="000000">
+                      <a:alpha val="43137"/>
+                    </a:srgbClr>
+                  </a:outerShdw>
+                </a:effectLst>
+                <a:latin typeface="Consolas" pitchFamily="49" charset="0"/>
+                <a:cs typeface="Consolas" pitchFamily="49" charset="0"/>
+              </a:rPr>
+              <a:t>5</a:t>
+            </a:r>
+            <a:r>
+              <a:rPr lang="bg-BG" sz="2200" b="1" noProof="1">
+                <a:solidFill>
+                  <a:schemeClr val="tx1"/>
+                </a:solidFill>
+                <a:effectLst>
+                  <a:outerShdw blurRad="38100" dist="38100" dir="2700000" algn="tl">
+                    <a:srgbClr val="000000">
+                      <a:alpha val="43137"/>
+                    </a:srgbClr>
+                  </a:outerShdw>
+                </a:effectLst>
+                <a:latin typeface="Consolas" pitchFamily="49" charset="0"/>
+                <a:cs typeface="Consolas" pitchFamily="49" charset="0"/>
+              </a:rPr>
+              <a:t> };</a:t>
+            </a:r>
+            <a:endParaRPr lang="en-US" sz="2200" b="1" noProof="1">
+              <a:solidFill>
+                <a:schemeClr val="tx1"/>
+              </a:solidFill>
+              <a:effectLst>
+                <a:outerShdw blurRad="38100" dist="38100" dir="2700000" algn="tl">
+                  <a:srgbClr val="000000">
+                    <a:alpha val="43137"/>
+                  </a:srgbClr>
+                </a:outerShdw>
+              </a:effectLst>
+              <a:latin typeface="Consolas" pitchFamily="49" charset="0"/>
+              <a:cs typeface="Consolas" pitchFamily="49" charset="0"/>
+            </a:endParaRPr>
           </a:p>
         </p:txBody>
       </p:sp>
@@ -13929,6 +14297,238 @@
 </file>
 
 <file path=ppt/slides/slide33.xml><?xml version="1.0" encoding="utf-8"?>
+<p:sld xmlns:a="http://schemas.openxmlformats.org/drawingml/2006/main" xmlns:r="http://schemas.openxmlformats.org/officeDocument/2006/relationships" xmlns:p="http://schemas.openxmlformats.org/presentationml/2006/main">
+  <p:cSld>
+    <p:spTree>
+      <p:nvGrpSpPr>
+        <p:cNvPr id="1" name=""/>
+        <p:cNvGrpSpPr/>
+        <p:nvPr/>
+      </p:nvGrpSpPr>
+      <p:grpSpPr>
+        <a:xfrm>
+          <a:off x="0" y="0"/>
+          <a:ext cx="0" cy="0"/>
+          <a:chOff x="0" y="0"/>
+          <a:chExt cx="0" cy="0"/>
+        </a:xfrm>
+      </p:grpSpPr>
+      <p:sp>
+        <p:nvSpPr>
+          <p:cNvPr id="2" name="Title 1"/>
+          <p:cNvSpPr>
+            <a:spLocks noGrp="1"/>
+          </p:cNvSpPr>
+          <p:nvPr>
+            <p:ph type="title"/>
+          </p:nvPr>
+        </p:nvSpPr>
+        <p:spPr>
+          <a:xfrm>
+            <a:off x="1218883" y="274637"/>
+            <a:ext cx="10360501" cy="1570187"/>
+          </a:xfrm>
+        </p:spPr>
+        <p:txBody>
+          <a:bodyPr/>
+          <a:lstStyle/>
+          <a:p>
+            <a:r>
+              <a:rPr lang="en-US" dirty="0"/>
+              <a:t>Lambda expressions</a:t>
+            </a:r>
+          </a:p>
+        </p:txBody>
+      </p:sp>
+      <p:sp>
+        <p:nvSpPr>
+          <p:cNvPr id="3" name="Content Placeholder 2"/>
+          <p:cNvSpPr>
+            <a:spLocks noGrp="1"/>
+          </p:cNvSpPr>
+          <p:nvPr>
+            <p:ph idx="1"/>
+          </p:nvPr>
+        </p:nvSpPr>
+        <p:spPr>
+          <a:xfrm>
+            <a:off x="1218883" y="1916832"/>
+            <a:ext cx="10360501" cy="4464496"/>
+          </a:xfrm>
+        </p:spPr>
+        <p:txBody>
+          <a:bodyPr>
+            <a:normAutofit/>
+          </a:bodyPr>
+          <a:lstStyle/>
+          <a:p>
+            <a:pPr>
+              <a:lnSpc>
+                <a:spcPct val="100000"/>
+              </a:lnSpc>
+            </a:pPr>
+            <a:r>
+              <a:rPr lang="en-US" sz="3000" dirty="0"/>
+              <a:t>A </a:t>
+            </a:r>
+            <a:r>
+              <a:rPr lang="en-US" sz="3000" dirty="0">
+                <a:solidFill>
+                  <a:schemeClr val="accent1"/>
+                </a:solidFill>
+              </a:rPr>
+              <a:t>lambda expression </a:t>
+            </a:r>
+            <a:r>
+              <a:rPr lang="en-US" sz="3000" dirty="0"/>
+              <a:t>is an anonymous function containing expressions and statements</a:t>
+            </a:r>
+          </a:p>
+          <a:p>
+            <a:pPr lvl="1">
+              <a:lnSpc>
+                <a:spcPct val="100000"/>
+              </a:lnSpc>
+            </a:pPr>
+            <a:r>
+              <a:rPr lang="en-US" sz="2800" dirty="0"/>
+              <a:t>Used to create </a:t>
+            </a:r>
+            <a:r>
+              <a:rPr lang="en-US" sz="2800" dirty="0">
+                <a:solidFill>
+                  <a:schemeClr val="accent1"/>
+                </a:solidFill>
+              </a:rPr>
+              <a:t>delegates</a:t>
+            </a:r>
+            <a:r>
+              <a:rPr lang="en-US" sz="2800" dirty="0"/>
+              <a:t> or </a:t>
+            </a:r>
+            <a:r>
+              <a:rPr lang="en-US" sz="2800" dirty="0">
+                <a:solidFill>
+                  <a:schemeClr val="accent1"/>
+                </a:solidFill>
+              </a:rPr>
+              <a:t>expression tree types</a:t>
+            </a:r>
+          </a:p>
+          <a:p>
+            <a:pPr>
+              <a:lnSpc>
+                <a:spcPct val="100000"/>
+              </a:lnSpc>
+            </a:pPr>
+            <a:r>
+              <a:rPr lang="en-US" sz="3000" dirty="0"/>
+              <a:t>All lambda expressions use the lambda operator </a:t>
+            </a:r>
+            <a:r>
+              <a:rPr lang="en-US" sz="3000" dirty="0">
+                <a:solidFill>
+                  <a:schemeClr val="accent1"/>
+                </a:solidFill>
+                <a:effectLst>
+                  <a:outerShdw blurRad="38100" dist="38100" dir="2700000" algn="tl">
+                    <a:srgbClr val="000000"/>
+                  </a:outerShdw>
+                </a:effectLst>
+                <a:latin typeface="Consolas" pitchFamily="49" charset="0"/>
+              </a:rPr>
+              <a:t>=&gt;</a:t>
+            </a:r>
+            <a:r>
+              <a:rPr lang="en-US" sz="3000" dirty="0"/>
+              <a:t>, which is read as "</a:t>
+            </a:r>
+            <a:r>
+              <a:rPr lang="en-US" sz="3000" dirty="0">
+                <a:solidFill>
+                  <a:schemeClr val="accent1"/>
+                </a:solidFill>
+              </a:rPr>
+              <a:t>goes to</a:t>
+            </a:r>
+            <a:r>
+              <a:rPr lang="en-US" sz="3000" dirty="0"/>
+              <a:t>"</a:t>
+            </a:r>
+          </a:p>
+          <a:p>
+            <a:pPr lvl="1">
+              <a:lnSpc>
+                <a:spcPct val="100000"/>
+              </a:lnSpc>
+            </a:pPr>
+            <a:r>
+              <a:rPr lang="en-US" sz="2800" dirty="0"/>
+              <a:t>The left side of the lambda operator specifies the </a:t>
+            </a:r>
+            <a:r>
+              <a:rPr lang="en-US" sz="2800" dirty="0">
+                <a:solidFill>
+                  <a:schemeClr val="accent1"/>
+                </a:solidFill>
+              </a:rPr>
+              <a:t>input parameters</a:t>
+            </a:r>
+          </a:p>
+          <a:p>
+            <a:pPr lvl="1">
+              <a:lnSpc>
+                <a:spcPct val="100000"/>
+              </a:lnSpc>
+            </a:pPr>
+            <a:r>
+              <a:rPr lang="en-US" sz="2800" dirty="0"/>
+              <a:t>The right side holds the </a:t>
+            </a:r>
+            <a:r>
+              <a:rPr lang="en-US" sz="2800" dirty="0">
+                <a:solidFill>
+                  <a:schemeClr val="accent1"/>
+                </a:solidFill>
+              </a:rPr>
+              <a:t>expression or statement  </a:t>
+            </a:r>
+          </a:p>
+          <a:p>
+            <a:pPr lvl="1"/>
+            <a:endParaRPr lang="en-US" dirty="0"/>
+          </a:p>
+          <a:p>
+            <a:endParaRPr lang="bg-BG" dirty="0"/>
+          </a:p>
+        </p:txBody>
+      </p:sp>
+    </p:spTree>
+    <p:extLst>
+      <p:ext uri="{BB962C8B-B14F-4D97-AF65-F5344CB8AC3E}">
+        <p14:creationId xmlns:p14="http://schemas.microsoft.com/office/powerpoint/2010/main" val="3219328835"/>
+      </p:ext>
+    </p:extLst>
+  </p:cSld>
+  <p:clrMapOvr>
+    <a:masterClrMapping/>
+  </p:clrMapOvr>
+  <mc:AlternateContent xmlns:mc="http://schemas.openxmlformats.org/markup-compatibility/2006" xmlns:p14="http://schemas.microsoft.com/office/powerpoint/2010/main">
+    <mc:Choice Requires="p14">
+      <p:transition spd="med" p14:dur="700">
+        <p:fade/>
+      </p:transition>
+    </mc:Choice>
+    <mc:Fallback xmlns="">
+      <p:transition spd="med">
+        <p:fade/>
+      </p:transition>
+    </mc:Fallback>
+  </mc:AlternateContent>
+</p:sld>
+</file>
+
+<file path=ppt/slides/slide34.xml><?xml version="1.0" encoding="utf-8"?>
 <p:sld xmlns:a="http://schemas.openxmlformats.org/drawingml/2006/main" xmlns:r="http://schemas.openxmlformats.org/officeDocument/2006/relationships" xmlns:p="http://schemas.openxmlformats.org/presentationml/2006/main">
   <p:cSld>
     <p:spTree>
@@ -14496,7 +15096,7 @@
 </p:sld>
 </file>
 
-<file path=ppt/slides/slide34.xml><?xml version="1.0" encoding="utf-8"?>
+<file path=ppt/slides/slide35.xml><?xml version="1.0" encoding="utf-8"?>
 <p:sld xmlns:a="http://schemas.openxmlformats.org/drawingml/2006/main" xmlns:r="http://schemas.openxmlformats.org/officeDocument/2006/relationships" xmlns:p="http://schemas.openxmlformats.org/presentationml/2006/main">
   <p:cSld>
     <p:spTree>
@@ -14827,7 +15427,7 @@
             </a:r>
             <a:r>
               <a:rPr lang="en-US" dirty="0" err="1"/>
-              <a:t>youngage</a:t>
+              <a:t>youngAge</a:t>
             </a:r>
             <a:endParaRPr lang="en-US" dirty="0"/>
           </a:p>
@@ -15118,7 +15718,3198 @@
 </p:sld>
 </file>
 
-<file path=ppt/slides/slide35.xml><?xml version="1.0" encoding="utf-8"?>
+<file path=ppt/slides/slide36.xml><?xml version="1.0" encoding="utf-8"?>
+<p:sld xmlns:a="http://schemas.openxmlformats.org/drawingml/2006/main" xmlns:r="http://schemas.openxmlformats.org/officeDocument/2006/relationships" xmlns:p="http://schemas.openxmlformats.org/presentationml/2006/main">
+  <p:cSld>
+    <p:spTree>
+      <p:nvGrpSpPr>
+        <p:cNvPr id="1" name=""/>
+        <p:cNvGrpSpPr/>
+        <p:nvPr/>
+      </p:nvGrpSpPr>
+      <p:grpSpPr>
+        <a:xfrm>
+          <a:off x="0" y="0"/>
+          <a:ext cx="0" cy="0"/>
+          <a:chOff x="0" y="0"/>
+          <a:chExt cx="0" cy="0"/>
+        </a:xfrm>
+      </p:grpSpPr>
+      <p:sp>
+        <p:nvSpPr>
+          <p:cNvPr id="2" name="Title 1"/>
+          <p:cNvSpPr>
+            <a:spLocks noGrp="1"/>
+          </p:cNvSpPr>
+          <p:nvPr>
+            <p:ph type="title"/>
+          </p:nvPr>
+        </p:nvSpPr>
+        <p:spPr/>
+        <p:txBody>
+          <a:bodyPr/>
+          <a:lstStyle/>
+          <a:p>
+            <a:r>
+              <a:rPr lang="en-US" dirty="0"/>
+              <a:t>Advantages of LINQ</a:t>
+            </a:r>
+            <a:endParaRPr lang="bg-BG" dirty="0"/>
+          </a:p>
+        </p:txBody>
+      </p:sp>
+      <p:sp>
+        <p:nvSpPr>
+          <p:cNvPr id="3" name="Content Placeholder 2"/>
+          <p:cNvSpPr>
+            <a:spLocks noGrp="1"/>
+          </p:cNvSpPr>
+          <p:nvPr>
+            <p:ph idx="1"/>
+          </p:nvPr>
+        </p:nvSpPr>
+        <p:spPr/>
+        <p:txBody>
+          <a:bodyPr>
+            <a:normAutofit fontScale="85000" lnSpcReduction="20000"/>
+          </a:bodyPr>
+          <a:lstStyle/>
+          <a:p>
+            <a:r>
+              <a:rPr lang="en-US" b="1" dirty="0">
+                <a:solidFill>
+                  <a:schemeClr val="accent1"/>
+                </a:solidFill>
+              </a:rPr>
+              <a:t>Familiar language</a:t>
+            </a:r>
+            <a:r>
+              <a:rPr lang="en-US" b="1" dirty="0"/>
+              <a:t>: </a:t>
+            </a:r>
+            <a:r>
+              <a:rPr lang="en-US" dirty="0"/>
+              <a:t>Developers don’t have to learn a new query language for each type of data source or data format.</a:t>
+            </a:r>
+          </a:p>
+          <a:p>
+            <a:r>
+              <a:rPr lang="en-US" b="1" dirty="0">
+                <a:solidFill>
+                  <a:schemeClr val="accent1"/>
+                </a:solidFill>
+              </a:rPr>
+              <a:t>Less coding</a:t>
+            </a:r>
+            <a:r>
+              <a:rPr lang="en-US" b="1" dirty="0"/>
+              <a:t>: </a:t>
+            </a:r>
+            <a:r>
+              <a:rPr lang="en-US" dirty="0"/>
+              <a:t>It reduces the amount of code to be written as compared with a more traditional approach.</a:t>
+            </a:r>
+          </a:p>
+          <a:p>
+            <a:r>
+              <a:rPr lang="en-US" b="1" dirty="0">
+                <a:solidFill>
+                  <a:schemeClr val="accent1"/>
+                </a:solidFill>
+              </a:rPr>
+              <a:t>Readable code</a:t>
+            </a:r>
+            <a:r>
+              <a:rPr lang="en-US" b="1" dirty="0"/>
+              <a:t>: </a:t>
+            </a:r>
+            <a:r>
+              <a:rPr lang="en-US" dirty="0"/>
+              <a:t>LINQ makes the code more readable so other developers can easily understand and maintain it.</a:t>
+            </a:r>
+          </a:p>
+          <a:p>
+            <a:r>
+              <a:rPr lang="en-US" b="1" dirty="0">
+                <a:solidFill>
+                  <a:schemeClr val="accent1"/>
+                </a:solidFill>
+              </a:rPr>
+              <a:t>Standardized way of querying multiple data sources</a:t>
+            </a:r>
+            <a:r>
+              <a:rPr lang="en-US" b="1" dirty="0"/>
+              <a:t>: </a:t>
+            </a:r>
+            <a:r>
+              <a:rPr lang="en-US" dirty="0"/>
+              <a:t>The same LINQ syntax can be used to query multiple data sources.</a:t>
+            </a:r>
+          </a:p>
+          <a:p>
+            <a:r>
+              <a:rPr lang="en-US" b="1" dirty="0">
+                <a:solidFill>
+                  <a:schemeClr val="accent1"/>
+                </a:solidFill>
+              </a:rPr>
+              <a:t>Compile time safety of queries</a:t>
+            </a:r>
+            <a:r>
+              <a:rPr lang="en-US" b="1" dirty="0"/>
+              <a:t>: </a:t>
+            </a:r>
+            <a:r>
+              <a:rPr lang="en-US" dirty="0"/>
+              <a:t>It provides type checking of objects at compile time.</a:t>
+            </a:r>
+          </a:p>
+          <a:p>
+            <a:r>
+              <a:rPr lang="en-US" b="1" dirty="0">
+                <a:solidFill>
+                  <a:schemeClr val="accent1"/>
+                </a:solidFill>
+              </a:rPr>
+              <a:t>IntelliSense Support</a:t>
+            </a:r>
+            <a:r>
+              <a:rPr lang="en-US" b="1" dirty="0"/>
+              <a:t>: </a:t>
+            </a:r>
+            <a:r>
+              <a:rPr lang="en-US" dirty="0"/>
+              <a:t>LINQ provides IntelliSense for generic collections.</a:t>
+            </a:r>
+          </a:p>
+          <a:p>
+            <a:r>
+              <a:rPr lang="en-US" b="1" dirty="0">
+                <a:solidFill>
+                  <a:schemeClr val="accent1"/>
+                </a:solidFill>
+              </a:rPr>
+              <a:t>Shaping data</a:t>
+            </a:r>
+            <a:r>
+              <a:rPr lang="en-US" b="1" dirty="0"/>
+              <a:t>: </a:t>
+            </a:r>
+            <a:r>
+              <a:rPr lang="en-US" dirty="0"/>
+              <a:t>You can retrieve data in different shapes.</a:t>
+            </a:r>
+          </a:p>
+          <a:p>
+            <a:endParaRPr lang="bg-BG" dirty="0"/>
+          </a:p>
+        </p:txBody>
+      </p:sp>
+    </p:spTree>
+    <p:extLst>
+      <p:ext uri="{BB962C8B-B14F-4D97-AF65-F5344CB8AC3E}">
+        <p14:creationId xmlns:p14="http://schemas.microsoft.com/office/powerpoint/2010/main" val="1669035687"/>
+      </p:ext>
+    </p:extLst>
+  </p:cSld>
+  <p:clrMapOvr>
+    <a:masterClrMapping/>
+  </p:clrMapOvr>
+  <mc:AlternateContent xmlns:mc="http://schemas.openxmlformats.org/markup-compatibility/2006" xmlns:p14="http://schemas.microsoft.com/office/powerpoint/2010/main">
+    <mc:Choice Requires="p14">
+      <p:transition spd="med" p14:dur="700">
+        <p:fade/>
+      </p:transition>
+    </mc:Choice>
+    <mc:Fallback xmlns="">
+      <p:transition spd="med">
+        <p:fade/>
+      </p:transition>
+    </mc:Fallback>
+  </mc:AlternateContent>
+</p:sld>
+</file>
+
+<file path=ppt/slides/slide37.xml><?xml version="1.0" encoding="utf-8"?>
+<p:sld xmlns:a="http://schemas.openxmlformats.org/drawingml/2006/main" xmlns:r="http://schemas.openxmlformats.org/officeDocument/2006/relationships" xmlns:p="http://schemas.openxmlformats.org/presentationml/2006/main">
+  <p:cSld>
+    <p:spTree>
+      <p:nvGrpSpPr>
+        <p:cNvPr id="1" name=""/>
+        <p:cNvGrpSpPr/>
+        <p:nvPr/>
+      </p:nvGrpSpPr>
+      <p:grpSpPr>
+        <a:xfrm>
+          <a:off x="0" y="0"/>
+          <a:ext cx="0" cy="0"/>
+          <a:chOff x="0" y="0"/>
+          <a:chExt cx="0" cy="0"/>
+        </a:xfrm>
+      </p:grpSpPr>
+      <p:sp>
+        <p:nvSpPr>
+          <p:cNvPr id="2" name="Title 1"/>
+          <p:cNvSpPr>
+            <a:spLocks noGrp="1"/>
+          </p:cNvSpPr>
+          <p:nvPr>
+            <p:ph type="title"/>
+          </p:nvPr>
+        </p:nvSpPr>
+        <p:spPr/>
+        <p:txBody>
+          <a:bodyPr/>
+          <a:lstStyle/>
+          <a:p>
+            <a:r>
+              <a:rPr lang="en-US" dirty="0"/>
+              <a:t>Syntax of LINQ</a:t>
+            </a:r>
+            <a:endParaRPr lang="bg-BG" dirty="0"/>
+          </a:p>
+        </p:txBody>
+      </p:sp>
+      <p:sp>
+        <p:nvSpPr>
+          <p:cNvPr id="3" name="Content Placeholder 2"/>
+          <p:cNvSpPr>
+            <a:spLocks noGrp="1"/>
+          </p:cNvSpPr>
+          <p:nvPr>
+            <p:ph idx="1"/>
+          </p:nvPr>
+        </p:nvSpPr>
+        <p:spPr>
+          <a:xfrm>
+            <a:off x="1218883" y="1701797"/>
+            <a:ext cx="10360501" cy="4462272"/>
+          </a:xfrm>
+        </p:spPr>
+        <p:txBody>
+          <a:bodyPr>
+            <a:normAutofit/>
+          </a:bodyPr>
+          <a:lstStyle/>
+          <a:p>
+            <a:r>
+              <a:rPr lang="en-US" dirty="0"/>
+              <a:t>Query (Comprehension) Syntax</a:t>
+            </a:r>
+          </a:p>
+          <a:p>
+            <a:endParaRPr lang="en-US" dirty="0"/>
+          </a:p>
+          <a:p>
+            <a:endParaRPr lang="en-US" dirty="0"/>
+          </a:p>
+          <a:p>
+            <a:r>
+              <a:rPr lang="en-US" dirty="0" err="1"/>
+              <a:t>Lamda</a:t>
+            </a:r>
+            <a:r>
+              <a:rPr lang="en-US" dirty="0"/>
+              <a:t> (Method) Syntax</a:t>
+            </a:r>
+          </a:p>
+          <a:p>
+            <a:pPr lvl="1"/>
+            <a:endParaRPr lang="en-US" dirty="0"/>
+          </a:p>
+          <a:p>
+            <a:endParaRPr lang="en-US" dirty="0"/>
+          </a:p>
+          <a:p>
+            <a:endParaRPr lang="en-US" dirty="0"/>
+          </a:p>
+          <a:p>
+            <a:pPr lvl="1"/>
+            <a:endParaRPr lang="en-US" dirty="0"/>
+          </a:p>
+        </p:txBody>
+      </p:sp>
+      <p:sp>
+        <p:nvSpPr>
+          <p:cNvPr id="6" name="Text Placeholder 5"/>
+          <p:cNvSpPr txBox="1">
+            <a:spLocks/>
+          </p:cNvSpPr>
+          <p:nvPr/>
+        </p:nvSpPr>
+        <p:spPr>
+          <a:xfrm>
+            <a:off x="1845940" y="4337716"/>
+            <a:ext cx="8856984" cy="587441"/>
+          </a:xfrm>
+          <a:prstGeom prst="rect">
+            <a:avLst/>
+          </a:prstGeom>
+          <a:solidFill>
+            <a:schemeClr val="bg1">
+              <a:alpha val="20000"/>
+            </a:schemeClr>
+          </a:solidFill>
+          <a:ln w="12700">
+            <a:solidFill>
+              <a:schemeClr val="accent1"/>
+            </a:solidFill>
+          </a:ln>
+        </p:spPr>
+        <p:txBody>
+          <a:bodyPr vert="horz" wrap="square" lIns="144000" tIns="108000" rIns="144000" bIns="108000" rtlCol="0">
+            <a:spAutoFit/>
+          </a:bodyPr>
+          <a:lstStyle>
+            <a:lvl1pPr indent="0">
+              <a:lnSpc>
+                <a:spcPct val="100000"/>
+              </a:lnSpc>
+              <a:spcBef>
+                <a:spcPts val="0"/>
+              </a:spcBef>
+              <a:spcAft>
+                <a:spcPts val="0"/>
+              </a:spcAft>
+              <a:buClr>
+                <a:srgbClr val="F2B254"/>
+              </a:buClr>
+              <a:buSzPct val="100000"/>
+              <a:buFont typeface="Wingdings" panose="05000000000000000000" pitchFamily="2" charset="2"/>
+              <a:buNone/>
+              <a:defRPr lang="en-US" b="1" noProof="1" smtClean="0">
+                <a:solidFill>
+                  <a:srgbClr val="FBEEDC"/>
+                </a:solidFill>
+                <a:effectLst>
+                  <a:outerShdw blurRad="38100" dist="38100" dir="2700000" algn="tl">
+                    <a:srgbClr val="000000">
+                      <a:alpha val="43137"/>
+                    </a:srgbClr>
+                  </a:outerShdw>
+                </a:effectLst>
+                <a:latin typeface="Consolas" pitchFamily="49" charset="0"/>
+                <a:cs typeface="Consolas" pitchFamily="49" charset="0"/>
+              </a:defRPr>
+            </a:lvl1pPr>
+            <a:lvl2pPr indent="-231606">
+              <a:lnSpc>
+                <a:spcPct val="105000"/>
+              </a:lnSpc>
+              <a:spcBef>
+                <a:spcPts val="600"/>
+              </a:spcBef>
+              <a:spcAft>
+                <a:spcPts val="600"/>
+              </a:spcAft>
+              <a:buClr>
+                <a:schemeClr val="accent1"/>
+              </a:buClr>
+              <a:buSzPct val="80000"/>
+              <a:buFont typeface="Wingdings" panose="05000000000000000000" pitchFamily="2" charset="2"/>
+              <a:buChar char="§"/>
+              <a:defRPr sz="3200" b="0"/>
+            </a:lvl2pPr>
+            <a:lvl3pPr marL="914240" indent="-231606">
+              <a:lnSpc>
+                <a:spcPct val="105000"/>
+              </a:lnSpc>
+              <a:spcBef>
+                <a:spcPts val="600"/>
+              </a:spcBef>
+              <a:spcAft>
+                <a:spcPts val="600"/>
+              </a:spcAft>
+              <a:buClr>
+                <a:srgbClr val="EF9A1D"/>
+              </a:buClr>
+              <a:buSzPct val="80000"/>
+              <a:buFont typeface="Wingdings" panose="05000000000000000000" pitchFamily="2" charset="2"/>
+              <a:buChar char="§"/>
+              <a:defRPr sz="3000" b="0"/>
+            </a:lvl3pPr>
+            <a:lvl4pPr marL="1218987" indent="-231606">
+              <a:lnSpc>
+                <a:spcPct val="105000"/>
+              </a:lnSpc>
+              <a:spcBef>
+                <a:spcPts val="600"/>
+              </a:spcBef>
+              <a:spcAft>
+                <a:spcPts val="600"/>
+              </a:spcAft>
+              <a:buClr>
+                <a:srgbClr val="ED9411"/>
+              </a:buClr>
+              <a:buSzPct val="80000"/>
+              <a:buFont typeface="Wingdings" panose="05000000000000000000" pitchFamily="2" charset="2"/>
+              <a:buChar char="§"/>
+              <a:defRPr sz="2800" b="0"/>
+            </a:lvl4pPr>
+            <a:lvl5pPr marL="1523733" indent="-231606">
+              <a:lnSpc>
+                <a:spcPct val="105000"/>
+              </a:lnSpc>
+              <a:spcBef>
+                <a:spcPts val="600"/>
+              </a:spcBef>
+              <a:spcAft>
+                <a:spcPts val="600"/>
+              </a:spcAft>
+              <a:buClr>
+                <a:srgbClr val="E28D10"/>
+              </a:buClr>
+              <a:buSzPct val="80000"/>
+              <a:buFont typeface="Wingdings" panose="05000000000000000000" pitchFamily="2" charset="2"/>
+              <a:buChar char="§"/>
+              <a:defRPr sz="2600" b="0"/>
+            </a:lvl5pPr>
+            <a:lvl6pPr marL="1828480" indent="-231606">
+              <a:lnSpc>
+                <a:spcPct val="90000"/>
+              </a:lnSpc>
+              <a:spcBef>
+                <a:spcPts val="800"/>
+              </a:spcBef>
+              <a:buClr>
+                <a:schemeClr val="accent1"/>
+              </a:buClr>
+              <a:buSzPct val="80000"/>
+              <a:buFont typeface="Arial" pitchFamily="34" charset="0"/>
+              <a:buChar char="•"/>
+              <a:defRPr sz="2000"/>
+            </a:lvl6pPr>
+            <a:lvl7pPr marL="2133227" indent="-231606">
+              <a:lnSpc>
+                <a:spcPct val="90000"/>
+              </a:lnSpc>
+              <a:spcBef>
+                <a:spcPts val="800"/>
+              </a:spcBef>
+              <a:buClr>
+                <a:schemeClr val="accent1"/>
+              </a:buClr>
+              <a:buSzPct val="80000"/>
+              <a:buFont typeface="Arial" pitchFamily="34" charset="0"/>
+              <a:buChar char="•"/>
+              <a:defRPr sz="2000"/>
+            </a:lvl7pPr>
+            <a:lvl8pPr marL="2437972" indent="-231606">
+              <a:lnSpc>
+                <a:spcPct val="90000"/>
+              </a:lnSpc>
+              <a:spcBef>
+                <a:spcPts val="800"/>
+              </a:spcBef>
+              <a:buClr>
+                <a:schemeClr val="accent1"/>
+              </a:buClr>
+              <a:buSzPct val="80000"/>
+              <a:buFont typeface="Arial" pitchFamily="34" charset="0"/>
+              <a:buChar char="•"/>
+              <a:defRPr sz="2000" baseline="0"/>
+            </a:lvl8pPr>
+            <a:lvl9pPr marL="2742720" indent="-231606">
+              <a:lnSpc>
+                <a:spcPct val="90000"/>
+              </a:lnSpc>
+              <a:spcBef>
+                <a:spcPts val="800"/>
+              </a:spcBef>
+              <a:buClr>
+                <a:schemeClr val="accent1"/>
+              </a:buClr>
+              <a:buSzPct val="80000"/>
+              <a:buFont typeface="Arial" pitchFamily="34" charset="0"/>
+              <a:buChar char="•"/>
+              <a:defRPr sz="2000" baseline="0"/>
+            </a:lvl9pPr>
+          </a:lstStyle>
+          <a:p>
+            <a:r>
+              <a:rPr lang="en-US" dirty="0" err="1"/>
+              <a:t>var</a:t>
+            </a:r>
+            <a:r>
+              <a:rPr lang="en-US" dirty="0"/>
+              <a:t> </a:t>
+            </a:r>
+            <a:r>
+              <a:rPr lang="en-US" dirty="0" err="1"/>
+              <a:t>longWords</a:t>
+            </a:r>
+            <a:r>
+              <a:rPr lang="en-US" dirty="0"/>
+              <a:t> = </a:t>
+            </a:r>
+            <a:r>
+              <a:rPr lang="en-US" dirty="0" err="1"/>
+              <a:t>words.Where</a:t>
+            </a:r>
+            <a:r>
+              <a:rPr lang="en-US" dirty="0"/>
+              <a:t>( w =&gt; </a:t>
+            </a:r>
+            <a:r>
+              <a:rPr lang="en-US" dirty="0" err="1"/>
+              <a:t>w.length</a:t>
+            </a:r>
+            <a:r>
+              <a:rPr lang="en-US" dirty="0"/>
+              <a:t> &gt; 10);</a:t>
+            </a:r>
+          </a:p>
+        </p:txBody>
+      </p:sp>
+      <p:sp>
+        <p:nvSpPr>
+          <p:cNvPr id="7" name="Text Placeholder 5"/>
+          <p:cNvSpPr txBox="1">
+            <a:spLocks/>
+          </p:cNvSpPr>
+          <p:nvPr/>
+        </p:nvSpPr>
+        <p:spPr>
+          <a:xfrm>
+            <a:off x="1845940" y="2492896"/>
+            <a:ext cx="9793088" cy="605908"/>
+          </a:xfrm>
+          <a:prstGeom prst="rect">
+            <a:avLst/>
+          </a:prstGeom>
+          <a:solidFill>
+            <a:schemeClr val="bg1">
+              <a:alpha val="20000"/>
+            </a:schemeClr>
+          </a:solidFill>
+          <a:ln w="12700">
+            <a:solidFill>
+              <a:schemeClr val="accent1"/>
+            </a:solidFill>
+          </a:ln>
+        </p:spPr>
+        <p:txBody>
+          <a:bodyPr vert="horz" wrap="square" lIns="144000" tIns="108000" rIns="144000" bIns="108000" rtlCol="0">
+            <a:spAutoFit/>
+          </a:bodyPr>
+          <a:lstStyle>
+            <a:lvl1pPr indent="0">
+              <a:lnSpc>
+                <a:spcPct val="100000"/>
+              </a:lnSpc>
+              <a:spcBef>
+                <a:spcPts val="0"/>
+              </a:spcBef>
+              <a:spcAft>
+                <a:spcPts val="0"/>
+              </a:spcAft>
+              <a:buClr>
+                <a:srgbClr val="F2B254"/>
+              </a:buClr>
+              <a:buSzPct val="100000"/>
+              <a:buFont typeface="Wingdings" panose="05000000000000000000" pitchFamily="2" charset="2"/>
+              <a:buNone/>
+              <a:defRPr lang="en-US" b="1" noProof="1" smtClean="0">
+                <a:solidFill>
+                  <a:srgbClr val="FBEEDC"/>
+                </a:solidFill>
+                <a:effectLst>
+                  <a:outerShdw blurRad="38100" dist="38100" dir="2700000" algn="tl">
+                    <a:srgbClr val="000000">
+                      <a:alpha val="43137"/>
+                    </a:srgbClr>
+                  </a:outerShdw>
+                </a:effectLst>
+                <a:latin typeface="Consolas" pitchFamily="49" charset="0"/>
+                <a:cs typeface="Consolas" pitchFamily="49" charset="0"/>
+              </a:defRPr>
+            </a:lvl1pPr>
+            <a:lvl2pPr indent="-231606">
+              <a:lnSpc>
+                <a:spcPct val="105000"/>
+              </a:lnSpc>
+              <a:spcBef>
+                <a:spcPts val="600"/>
+              </a:spcBef>
+              <a:spcAft>
+                <a:spcPts val="600"/>
+              </a:spcAft>
+              <a:buClr>
+                <a:schemeClr val="accent1"/>
+              </a:buClr>
+              <a:buSzPct val="80000"/>
+              <a:buFont typeface="Wingdings" panose="05000000000000000000" pitchFamily="2" charset="2"/>
+              <a:buChar char="§"/>
+              <a:defRPr sz="3200" b="0"/>
+            </a:lvl2pPr>
+            <a:lvl3pPr marL="914240" indent="-231606">
+              <a:lnSpc>
+                <a:spcPct val="105000"/>
+              </a:lnSpc>
+              <a:spcBef>
+                <a:spcPts val="600"/>
+              </a:spcBef>
+              <a:spcAft>
+                <a:spcPts val="600"/>
+              </a:spcAft>
+              <a:buClr>
+                <a:srgbClr val="EF9A1D"/>
+              </a:buClr>
+              <a:buSzPct val="80000"/>
+              <a:buFont typeface="Wingdings" panose="05000000000000000000" pitchFamily="2" charset="2"/>
+              <a:buChar char="§"/>
+              <a:defRPr sz="3000" b="0"/>
+            </a:lvl3pPr>
+            <a:lvl4pPr marL="1218987" indent="-231606">
+              <a:lnSpc>
+                <a:spcPct val="105000"/>
+              </a:lnSpc>
+              <a:spcBef>
+                <a:spcPts val="600"/>
+              </a:spcBef>
+              <a:spcAft>
+                <a:spcPts val="600"/>
+              </a:spcAft>
+              <a:buClr>
+                <a:srgbClr val="ED9411"/>
+              </a:buClr>
+              <a:buSzPct val="80000"/>
+              <a:buFont typeface="Wingdings" panose="05000000000000000000" pitchFamily="2" charset="2"/>
+              <a:buChar char="§"/>
+              <a:defRPr sz="2800" b="0"/>
+            </a:lvl4pPr>
+            <a:lvl5pPr marL="1523733" indent="-231606">
+              <a:lnSpc>
+                <a:spcPct val="105000"/>
+              </a:lnSpc>
+              <a:spcBef>
+                <a:spcPts val="600"/>
+              </a:spcBef>
+              <a:spcAft>
+                <a:spcPts val="600"/>
+              </a:spcAft>
+              <a:buClr>
+                <a:srgbClr val="E28D10"/>
+              </a:buClr>
+              <a:buSzPct val="80000"/>
+              <a:buFont typeface="Wingdings" panose="05000000000000000000" pitchFamily="2" charset="2"/>
+              <a:buChar char="§"/>
+              <a:defRPr sz="2600" b="0"/>
+            </a:lvl5pPr>
+            <a:lvl6pPr marL="1828480" indent="-231606">
+              <a:lnSpc>
+                <a:spcPct val="90000"/>
+              </a:lnSpc>
+              <a:spcBef>
+                <a:spcPts val="800"/>
+              </a:spcBef>
+              <a:buClr>
+                <a:schemeClr val="accent1"/>
+              </a:buClr>
+              <a:buSzPct val="80000"/>
+              <a:buFont typeface="Arial" pitchFamily="34" charset="0"/>
+              <a:buChar char="•"/>
+              <a:defRPr sz="2000"/>
+            </a:lvl6pPr>
+            <a:lvl7pPr marL="2133227" indent="-231606">
+              <a:lnSpc>
+                <a:spcPct val="90000"/>
+              </a:lnSpc>
+              <a:spcBef>
+                <a:spcPts val="800"/>
+              </a:spcBef>
+              <a:buClr>
+                <a:schemeClr val="accent1"/>
+              </a:buClr>
+              <a:buSzPct val="80000"/>
+              <a:buFont typeface="Arial" pitchFamily="34" charset="0"/>
+              <a:buChar char="•"/>
+              <a:defRPr sz="2000"/>
+            </a:lvl7pPr>
+            <a:lvl8pPr marL="2437972" indent="-231606">
+              <a:lnSpc>
+                <a:spcPct val="90000"/>
+              </a:lnSpc>
+              <a:spcBef>
+                <a:spcPts val="800"/>
+              </a:spcBef>
+              <a:buClr>
+                <a:schemeClr val="accent1"/>
+              </a:buClr>
+              <a:buSzPct val="80000"/>
+              <a:buFont typeface="Arial" pitchFamily="34" charset="0"/>
+              <a:buChar char="•"/>
+              <a:defRPr sz="2000" baseline="0"/>
+            </a:lvl8pPr>
+            <a:lvl9pPr marL="2742720" indent="-231606">
+              <a:lnSpc>
+                <a:spcPct val="90000"/>
+              </a:lnSpc>
+              <a:spcBef>
+                <a:spcPts val="800"/>
+              </a:spcBef>
+              <a:buClr>
+                <a:schemeClr val="accent1"/>
+              </a:buClr>
+              <a:buSzPct val="80000"/>
+              <a:buFont typeface="Arial" pitchFamily="34" charset="0"/>
+              <a:buChar char="•"/>
+              <a:defRPr sz="2000" baseline="0"/>
+            </a:lvl9pPr>
+          </a:lstStyle>
+          <a:p>
+            <a:pPr marL="377887" lvl="1" indent="0">
+              <a:buNone/>
+            </a:pPr>
+            <a:r>
+              <a:rPr lang="en-US" sz="2400" b="1" noProof="1">
+                <a:solidFill>
+                  <a:srgbClr val="FBEEDC"/>
+                </a:solidFill>
+                <a:effectLst>
+                  <a:outerShdw blurRad="38100" dist="38100" dir="2700000" algn="tl">
+                    <a:srgbClr val="000000">
+                      <a:alpha val="43137"/>
+                    </a:srgbClr>
+                  </a:outerShdw>
+                </a:effectLst>
+                <a:latin typeface="Consolas" pitchFamily="49" charset="0"/>
+              </a:rPr>
+              <a:t>var longwords = from w in words where w.length &gt; 10;</a:t>
+            </a:r>
+            <a:endParaRPr lang="bg-BG" sz="2400" b="1" noProof="1">
+              <a:solidFill>
+                <a:srgbClr val="FBEEDC"/>
+              </a:solidFill>
+              <a:effectLst>
+                <a:outerShdw blurRad="38100" dist="38100" dir="2700000" algn="tl">
+                  <a:srgbClr val="000000">
+                    <a:alpha val="43137"/>
+                  </a:srgbClr>
+                </a:outerShdw>
+              </a:effectLst>
+              <a:latin typeface="Consolas" pitchFamily="49" charset="0"/>
+            </a:endParaRPr>
+          </a:p>
+        </p:txBody>
+      </p:sp>
+    </p:spTree>
+    <p:extLst>
+      <p:ext uri="{BB962C8B-B14F-4D97-AF65-F5344CB8AC3E}">
+        <p14:creationId xmlns:p14="http://schemas.microsoft.com/office/powerpoint/2010/main" val="1004810291"/>
+      </p:ext>
+    </p:extLst>
+  </p:cSld>
+  <p:clrMapOvr>
+    <a:masterClrMapping/>
+  </p:clrMapOvr>
+  <mc:AlternateContent xmlns:mc="http://schemas.openxmlformats.org/markup-compatibility/2006" xmlns:p14="http://schemas.microsoft.com/office/powerpoint/2010/main">
+    <mc:Choice Requires="p14">
+      <p:transition spd="med" p14:dur="700">
+        <p:fade/>
+      </p:transition>
+    </mc:Choice>
+    <mc:Fallback xmlns="">
+      <p:transition spd="med">
+        <p:fade/>
+      </p:transition>
+    </mc:Fallback>
+  </mc:AlternateContent>
+</p:sld>
+</file>
+
+<file path=ppt/slides/slide38.xml><?xml version="1.0" encoding="utf-8"?>
+<p:sld xmlns:a="http://schemas.openxmlformats.org/drawingml/2006/main" xmlns:r="http://schemas.openxmlformats.org/officeDocument/2006/relationships" xmlns:p="http://schemas.openxmlformats.org/presentationml/2006/main">
+  <p:cSld>
+    <p:spTree>
+      <p:nvGrpSpPr>
+        <p:cNvPr id="1" name=""/>
+        <p:cNvGrpSpPr/>
+        <p:nvPr/>
+      </p:nvGrpSpPr>
+      <p:grpSpPr>
+        <a:xfrm>
+          <a:off x="0" y="0"/>
+          <a:ext cx="0" cy="0"/>
+          <a:chOff x="0" y="0"/>
+          <a:chExt cx="0" cy="0"/>
+        </a:xfrm>
+      </p:grpSpPr>
+      <p:sp>
+        <p:nvSpPr>
+          <p:cNvPr id="2" name="Title 1"/>
+          <p:cNvSpPr>
+            <a:spLocks noGrp="1"/>
+          </p:cNvSpPr>
+          <p:nvPr>
+            <p:ph type="title"/>
+          </p:nvPr>
+        </p:nvSpPr>
+        <p:spPr/>
+        <p:txBody>
+          <a:bodyPr/>
+          <a:lstStyle/>
+          <a:p>
+            <a:r>
+              <a:rPr lang="en-US" dirty="0"/>
+              <a:t>Language Integrated Query (LINQ) query keywords</a:t>
+            </a:r>
+            <a:endParaRPr lang="bg-BG" dirty="0"/>
+          </a:p>
+        </p:txBody>
+      </p:sp>
+      <p:sp>
+        <p:nvSpPr>
+          <p:cNvPr id="3" name="Content Placeholder 2"/>
+          <p:cNvSpPr>
+            <a:spLocks noGrp="1"/>
+          </p:cNvSpPr>
+          <p:nvPr>
+            <p:ph idx="1"/>
+          </p:nvPr>
+        </p:nvSpPr>
+        <p:spPr>
+          <a:xfrm>
+            <a:off x="1218883" y="1700808"/>
+            <a:ext cx="10360501" cy="4462272"/>
+          </a:xfrm>
+        </p:spPr>
+        <p:txBody>
+          <a:bodyPr/>
+          <a:lstStyle/>
+          <a:p>
+            <a:r>
+              <a:rPr lang="en-US" dirty="0">
+                <a:solidFill>
+                  <a:schemeClr val="accent1"/>
+                </a:solidFill>
+              </a:rPr>
+              <a:t>from</a:t>
+            </a:r>
+            <a:r>
+              <a:rPr lang="en-US" dirty="0"/>
+              <a:t> – specifies data source and range variable</a:t>
+            </a:r>
+          </a:p>
+          <a:p>
+            <a:r>
+              <a:rPr lang="en-US" dirty="0">
+                <a:solidFill>
+                  <a:schemeClr val="accent1"/>
+                </a:solidFill>
+              </a:rPr>
+              <a:t>where</a:t>
+            </a:r>
+            <a:r>
+              <a:rPr lang="en-US" dirty="0"/>
+              <a:t> – filters source elements</a:t>
+            </a:r>
+          </a:p>
+          <a:p>
+            <a:r>
+              <a:rPr lang="en-US" dirty="0">
+                <a:solidFill>
+                  <a:schemeClr val="accent1"/>
+                </a:solidFill>
+              </a:rPr>
+              <a:t>select</a:t>
+            </a:r>
+            <a:r>
+              <a:rPr lang="en-US" dirty="0"/>
+              <a:t> – specifies the type and shape that the elements in the returned sequence</a:t>
+            </a:r>
+          </a:p>
+          <a:p>
+            <a:r>
+              <a:rPr lang="en-US" dirty="0">
+                <a:solidFill>
+                  <a:schemeClr val="accent1"/>
+                </a:solidFill>
+              </a:rPr>
+              <a:t>group</a:t>
+            </a:r>
+            <a:r>
+              <a:rPr lang="en-US" dirty="0"/>
+              <a:t> – groups query results according to a specified key value</a:t>
+            </a:r>
+          </a:p>
+          <a:p>
+            <a:r>
+              <a:rPr lang="en-US" dirty="0" err="1">
+                <a:solidFill>
+                  <a:schemeClr val="accent1"/>
+                </a:solidFill>
+              </a:rPr>
+              <a:t>orderby</a:t>
+            </a:r>
+            <a:r>
+              <a:rPr lang="en-US" dirty="0"/>
+              <a:t> – sorts query results in ascending or descending order</a:t>
+            </a:r>
+          </a:p>
+          <a:p>
+            <a:endParaRPr lang="bg-BG" dirty="0"/>
+          </a:p>
+        </p:txBody>
+      </p:sp>
+    </p:spTree>
+    <p:extLst>
+      <p:ext uri="{BB962C8B-B14F-4D97-AF65-F5344CB8AC3E}">
+        <p14:creationId xmlns:p14="http://schemas.microsoft.com/office/powerpoint/2010/main" val="311222967"/>
+      </p:ext>
+    </p:extLst>
+  </p:cSld>
+  <p:clrMapOvr>
+    <a:masterClrMapping/>
+  </p:clrMapOvr>
+  <mc:AlternateContent xmlns:mc="http://schemas.openxmlformats.org/markup-compatibility/2006" xmlns:p14="http://schemas.microsoft.com/office/powerpoint/2010/main">
+    <mc:Choice Requires="p14">
+      <p:transition spd="med" p14:dur="700">
+        <p:fade/>
+      </p:transition>
+    </mc:Choice>
+    <mc:Fallback xmlns="">
+      <p:transition spd="med">
+        <p:fade/>
+      </p:transition>
+    </mc:Fallback>
+  </mc:AlternateContent>
+</p:sld>
+</file>
+
+<file path=ppt/slides/slide39.xml><?xml version="1.0" encoding="utf-8"?>
+<p:sld xmlns:a="http://schemas.openxmlformats.org/drawingml/2006/main" xmlns:r="http://schemas.openxmlformats.org/officeDocument/2006/relationships" xmlns:p="http://schemas.openxmlformats.org/presentationml/2006/main">
+  <p:cSld>
+    <p:spTree>
+      <p:nvGrpSpPr>
+        <p:cNvPr id="1" name=""/>
+        <p:cNvGrpSpPr/>
+        <p:nvPr/>
+      </p:nvGrpSpPr>
+      <p:grpSpPr>
+        <a:xfrm>
+          <a:off x="0" y="0"/>
+          <a:ext cx="0" cy="0"/>
+          <a:chOff x="0" y="0"/>
+          <a:chExt cx="0" cy="0"/>
+        </a:xfrm>
+      </p:grpSpPr>
+      <p:sp>
+        <p:nvSpPr>
+          <p:cNvPr id="2" name="Title 1"/>
+          <p:cNvSpPr>
+            <a:spLocks noGrp="1"/>
+          </p:cNvSpPr>
+          <p:nvPr>
+            <p:ph type="title"/>
+          </p:nvPr>
+        </p:nvSpPr>
+        <p:spPr/>
+        <p:txBody>
+          <a:bodyPr/>
+          <a:lstStyle/>
+          <a:p>
+            <a:r>
+              <a:rPr lang="en-US" dirty="0"/>
+              <a:t>Query syntax example</a:t>
+            </a:r>
+            <a:endParaRPr lang="bg-BG" dirty="0"/>
+          </a:p>
+        </p:txBody>
+      </p:sp>
+      <p:sp>
+        <p:nvSpPr>
+          <p:cNvPr id="6" name="Rectangle 5"/>
+          <p:cNvSpPr>
+            <a:spLocks noChangeArrowheads="1"/>
+          </p:cNvSpPr>
+          <p:nvPr/>
+        </p:nvSpPr>
+        <p:spPr bwMode="auto">
+          <a:xfrm>
+            <a:off x="1231446" y="1844824"/>
+            <a:ext cx="10347937" cy="4154984"/>
+          </a:xfrm>
+          <a:prstGeom prst="rect">
+            <a:avLst/>
+          </a:prstGeom>
+          <a:solidFill>
+            <a:schemeClr val="bg1">
+              <a:alpha val="15000"/>
+            </a:schemeClr>
+          </a:solidFill>
+          <a:ln w="12700">
+            <a:solidFill>
+              <a:schemeClr val="accent1"/>
+            </a:solidFill>
+          </a:ln>
+        </p:spPr>
+        <p:txBody>
+          <a:bodyPr wrap="square">
+            <a:spAutoFit/>
+          </a:bodyPr>
+          <a:lstStyle>
+            <a:defPPr>
+              <a:defRPr lang="en-US"/>
+            </a:defPPr>
+            <a:lvl1pPr algn="l" rtl="0" fontAlgn="base">
+              <a:spcBef>
+                <a:spcPct val="0"/>
+              </a:spcBef>
+              <a:spcAft>
+                <a:spcPct val="0"/>
+              </a:spcAft>
+              <a:defRPr sz="2500" kern="1200">
+                <a:solidFill>
+                  <a:srgbClr val="EBFFC2"/>
+                </a:solidFill>
+                <a:latin typeface="Corbel" pitchFamily="34" charset="0"/>
+                <a:ea typeface="+mn-ea"/>
+                <a:cs typeface="+mn-cs"/>
+              </a:defRPr>
+            </a:lvl1pPr>
+            <a:lvl2pPr marL="457200" algn="l" rtl="0" fontAlgn="base">
+              <a:spcBef>
+                <a:spcPct val="0"/>
+              </a:spcBef>
+              <a:spcAft>
+                <a:spcPct val="0"/>
+              </a:spcAft>
+              <a:defRPr sz="2500" kern="1200">
+                <a:solidFill>
+                  <a:srgbClr val="EBFFC2"/>
+                </a:solidFill>
+                <a:latin typeface="Corbel" pitchFamily="34" charset="0"/>
+                <a:ea typeface="+mn-ea"/>
+                <a:cs typeface="+mn-cs"/>
+              </a:defRPr>
+            </a:lvl2pPr>
+            <a:lvl3pPr marL="914400" algn="l" rtl="0" fontAlgn="base">
+              <a:spcBef>
+                <a:spcPct val="0"/>
+              </a:spcBef>
+              <a:spcAft>
+                <a:spcPct val="0"/>
+              </a:spcAft>
+              <a:defRPr sz="2500" kern="1200">
+                <a:solidFill>
+                  <a:srgbClr val="EBFFC2"/>
+                </a:solidFill>
+                <a:latin typeface="Corbel" pitchFamily="34" charset="0"/>
+                <a:ea typeface="+mn-ea"/>
+                <a:cs typeface="+mn-cs"/>
+              </a:defRPr>
+            </a:lvl3pPr>
+            <a:lvl4pPr marL="1371600" algn="l" rtl="0" fontAlgn="base">
+              <a:spcBef>
+                <a:spcPct val="0"/>
+              </a:spcBef>
+              <a:spcAft>
+                <a:spcPct val="0"/>
+              </a:spcAft>
+              <a:defRPr sz="2500" kern="1200">
+                <a:solidFill>
+                  <a:srgbClr val="EBFFC2"/>
+                </a:solidFill>
+                <a:latin typeface="Corbel" pitchFamily="34" charset="0"/>
+                <a:ea typeface="+mn-ea"/>
+                <a:cs typeface="+mn-cs"/>
+              </a:defRPr>
+            </a:lvl4pPr>
+            <a:lvl5pPr marL="1828800" algn="l" rtl="0" fontAlgn="base">
+              <a:spcBef>
+                <a:spcPct val="0"/>
+              </a:spcBef>
+              <a:spcAft>
+                <a:spcPct val="0"/>
+              </a:spcAft>
+              <a:defRPr sz="2500" kern="1200">
+                <a:solidFill>
+                  <a:srgbClr val="EBFFC2"/>
+                </a:solidFill>
+                <a:latin typeface="Corbel" pitchFamily="34" charset="0"/>
+                <a:ea typeface="+mn-ea"/>
+                <a:cs typeface="+mn-cs"/>
+              </a:defRPr>
+            </a:lvl5pPr>
+            <a:lvl6pPr marL="2286000" algn="l" defTabSz="914400" rtl="0" eaLnBrk="1" latinLnBrk="0" hangingPunct="1">
+              <a:defRPr sz="2500" kern="1200">
+                <a:solidFill>
+                  <a:srgbClr val="EBFFC2"/>
+                </a:solidFill>
+                <a:latin typeface="Corbel" pitchFamily="34" charset="0"/>
+                <a:ea typeface="+mn-ea"/>
+                <a:cs typeface="+mn-cs"/>
+              </a:defRPr>
+            </a:lvl6pPr>
+            <a:lvl7pPr marL="2743200" algn="l" defTabSz="914400" rtl="0" eaLnBrk="1" latinLnBrk="0" hangingPunct="1">
+              <a:defRPr sz="2500" kern="1200">
+                <a:solidFill>
+                  <a:srgbClr val="EBFFC2"/>
+                </a:solidFill>
+                <a:latin typeface="Corbel" pitchFamily="34" charset="0"/>
+                <a:ea typeface="+mn-ea"/>
+                <a:cs typeface="+mn-cs"/>
+              </a:defRPr>
+            </a:lvl7pPr>
+            <a:lvl8pPr marL="3200400" algn="l" defTabSz="914400" rtl="0" eaLnBrk="1" latinLnBrk="0" hangingPunct="1">
+              <a:defRPr sz="2500" kern="1200">
+                <a:solidFill>
+                  <a:srgbClr val="EBFFC2"/>
+                </a:solidFill>
+                <a:latin typeface="Corbel" pitchFamily="34" charset="0"/>
+                <a:ea typeface="+mn-ea"/>
+                <a:cs typeface="+mn-cs"/>
+              </a:defRPr>
+            </a:lvl8pPr>
+            <a:lvl9pPr marL="3657600" algn="l" defTabSz="914400" rtl="0" eaLnBrk="1" latinLnBrk="0" hangingPunct="1">
+              <a:defRPr sz="2500" kern="1200">
+                <a:solidFill>
+                  <a:srgbClr val="EBFFC2"/>
+                </a:solidFill>
+                <a:latin typeface="Corbel" pitchFamily="34" charset="0"/>
+                <a:ea typeface="+mn-ea"/>
+                <a:cs typeface="+mn-cs"/>
+              </a:defRPr>
+            </a:lvl9pPr>
+          </a:lstStyle>
+          <a:p>
+            <a:pPr eaLnBrk="0" hangingPunct="0">
+              <a:lnSpc>
+                <a:spcPct val="100000"/>
+              </a:lnSpc>
+              <a:spcBef>
+                <a:spcPts val="0"/>
+              </a:spcBef>
+              <a:buClr>
+                <a:schemeClr val="accent5">
+                  <a:lumMod val="40000"/>
+                  <a:lumOff val="60000"/>
+                </a:schemeClr>
+              </a:buClr>
+              <a:buSzPct val="70000"/>
+            </a:pPr>
+            <a:r>
+              <a:rPr lang="bg-BG" sz="2200" b="1" noProof="1">
+                <a:solidFill>
+                  <a:schemeClr val="tx1"/>
+                </a:solidFill>
+                <a:effectLst>
+                  <a:outerShdw blurRad="38100" dist="38100" dir="2700000" algn="tl">
+                    <a:srgbClr val="000000">
+                      <a:alpha val="43137"/>
+                    </a:srgbClr>
+                  </a:outerShdw>
+                </a:effectLst>
+                <a:latin typeface="Consolas" pitchFamily="49" charset="0"/>
+                <a:cs typeface="Consolas" pitchFamily="49" charset="0"/>
+              </a:rPr>
+              <a:t>int[] numbers = { 5, 4, 1, 3, 9, 8, 6, 7, 2, 0 };</a:t>
+            </a:r>
+          </a:p>
+          <a:p>
+            <a:pPr eaLnBrk="0" hangingPunct="0">
+              <a:lnSpc>
+                <a:spcPct val="100000"/>
+              </a:lnSpc>
+              <a:spcBef>
+                <a:spcPts val="0"/>
+              </a:spcBef>
+              <a:buClr>
+                <a:schemeClr val="accent5">
+                  <a:lumMod val="40000"/>
+                  <a:lumOff val="60000"/>
+                </a:schemeClr>
+              </a:buClr>
+              <a:buSzPct val="70000"/>
+            </a:pPr>
+            <a:endParaRPr lang="bg-BG" sz="2200" b="1" noProof="1">
+              <a:solidFill>
+                <a:schemeClr val="tx1"/>
+              </a:solidFill>
+              <a:effectLst>
+                <a:outerShdw blurRad="38100" dist="38100" dir="2700000" algn="tl">
+                  <a:srgbClr val="000000">
+                    <a:alpha val="43137"/>
+                  </a:srgbClr>
+                </a:outerShdw>
+              </a:effectLst>
+              <a:latin typeface="Consolas" pitchFamily="49" charset="0"/>
+              <a:cs typeface="Consolas" pitchFamily="49" charset="0"/>
+            </a:endParaRPr>
+          </a:p>
+          <a:p>
+            <a:pPr eaLnBrk="0" hangingPunct="0">
+              <a:lnSpc>
+                <a:spcPct val="100000"/>
+              </a:lnSpc>
+              <a:spcBef>
+                <a:spcPts val="0"/>
+              </a:spcBef>
+              <a:buClr>
+                <a:schemeClr val="accent5">
+                  <a:lumMod val="40000"/>
+                  <a:lumOff val="60000"/>
+                </a:schemeClr>
+              </a:buClr>
+              <a:buSzPct val="70000"/>
+            </a:pPr>
+            <a:r>
+              <a:rPr lang="bg-BG" sz="2200" b="1" noProof="1">
+                <a:solidFill>
+                  <a:schemeClr val="tx1"/>
+                </a:solidFill>
+                <a:effectLst>
+                  <a:outerShdw blurRad="38100" dist="38100" dir="2700000" algn="tl">
+                    <a:srgbClr val="000000">
+                      <a:alpha val="43137"/>
+                    </a:srgbClr>
+                  </a:outerShdw>
+                </a:effectLst>
+                <a:latin typeface="Consolas" pitchFamily="49" charset="0"/>
+                <a:cs typeface="Consolas" pitchFamily="49" charset="0"/>
+              </a:rPr>
+              <a:t>var query</a:t>
+            </a:r>
+            <a:r>
+              <a:rPr lang="en-US" sz="2200" b="1" noProof="1">
+                <a:solidFill>
+                  <a:schemeClr val="tx1"/>
+                </a:solidFill>
+                <a:effectLst>
+                  <a:outerShdw blurRad="38100" dist="38100" dir="2700000" algn="tl">
+                    <a:srgbClr val="000000">
+                      <a:alpha val="43137"/>
+                    </a:srgbClr>
+                  </a:outerShdw>
+                </a:effectLst>
+                <a:latin typeface="Consolas" pitchFamily="49" charset="0"/>
+                <a:cs typeface="Consolas" pitchFamily="49" charset="0"/>
+              </a:rPr>
+              <a:t>Small</a:t>
+            </a:r>
+            <a:r>
+              <a:rPr lang="bg-BG" sz="2200" b="1" noProof="1">
+                <a:solidFill>
+                  <a:schemeClr val="tx1"/>
+                </a:solidFill>
+                <a:effectLst>
+                  <a:outerShdw blurRad="38100" dist="38100" dir="2700000" algn="tl">
+                    <a:srgbClr val="000000">
+                      <a:alpha val="43137"/>
+                    </a:srgbClr>
+                  </a:outerShdw>
+                </a:effectLst>
+                <a:latin typeface="Consolas" pitchFamily="49" charset="0"/>
+                <a:cs typeface="Consolas" pitchFamily="49" charset="0"/>
+              </a:rPr>
+              <a:t>Nums =</a:t>
+            </a:r>
+          </a:p>
+          <a:p>
+            <a:pPr eaLnBrk="0" hangingPunct="0">
+              <a:lnSpc>
+                <a:spcPct val="100000"/>
+              </a:lnSpc>
+              <a:spcBef>
+                <a:spcPts val="0"/>
+              </a:spcBef>
+              <a:buClr>
+                <a:schemeClr val="accent5">
+                  <a:lumMod val="40000"/>
+                  <a:lumOff val="60000"/>
+                </a:schemeClr>
+              </a:buClr>
+              <a:buSzPct val="70000"/>
+            </a:pPr>
+            <a:r>
+              <a:rPr lang="bg-BG" sz="2200" b="1" noProof="1">
+                <a:solidFill>
+                  <a:schemeClr val="tx1"/>
+                </a:solidFill>
+                <a:effectLst>
+                  <a:outerShdw blurRad="38100" dist="38100" dir="2700000" algn="tl">
+                    <a:srgbClr val="000000">
+                      <a:alpha val="43137"/>
+                    </a:srgbClr>
+                  </a:outerShdw>
+                </a:effectLst>
+                <a:latin typeface="Consolas" pitchFamily="49" charset="0"/>
+                <a:cs typeface="Consolas" pitchFamily="49" charset="0"/>
+              </a:rPr>
+              <a:t>    from num in numbers</a:t>
+            </a:r>
+          </a:p>
+          <a:p>
+            <a:pPr eaLnBrk="0" hangingPunct="0">
+              <a:lnSpc>
+                <a:spcPct val="100000"/>
+              </a:lnSpc>
+              <a:spcBef>
+                <a:spcPts val="0"/>
+              </a:spcBef>
+              <a:buClr>
+                <a:schemeClr val="accent5">
+                  <a:lumMod val="40000"/>
+                  <a:lumOff val="60000"/>
+                </a:schemeClr>
+              </a:buClr>
+              <a:buSzPct val="70000"/>
+            </a:pPr>
+            <a:r>
+              <a:rPr lang="bg-BG" sz="2200" b="1" noProof="1">
+                <a:solidFill>
+                  <a:schemeClr val="tx1"/>
+                </a:solidFill>
+                <a:effectLst>
+                  <a:outerShdw blurRad="38100" dist="38100" dir="2700000" algn="tl">
+                    <a:srgbClr val="000000">
+                      <a:alpha val="43137"/>
+                    </a:srgbClr>
+                  </a:outerShdw>
+                </a:effectLst>
+                <a:latin typeface="Consolas" pitchFamily="49" charset="0"/>
+                <a:cs typeface="Consolas" pitchFamily="49" charset="0"/>
+              </a:rPr>
+              <a:t>    where num &lt; 5</a:t>
+            </a:r>
+          </a:p>
+          <a:p>
+            <a:pPr eaLnBrk="0" hangingPunct="0">
+              <a:lnSpc>
+                <a:spcPct val="100000"/>
+              </a:lnSpc>
+              <a:spcBef>
+                <a:spcPts val="0"/>
+              </a:spcBef>
+              <a:buClr>
+                <a:schemeClr val="accent5">
+                  <a:lumMod val="40000"/>
+                  <a:lumOff val="60000"/>
+                </a:schemeClr>
+              </a:buClr>
+              <a:buSzPct val="70000"/>
+            </a:pPr>
+            <a:r>
+              <a:rPr lang="bg-BG" sz="2200" b="1" noProof="1">
+                <a:solidFill>
+                  <a:schemeClr val="tx1"/>
+                </a:solidFill>
+                <a:effectLst>
+                  <a:outerShdw blurRad="38100" dist="38100" dir="2700000" algn="tl">
+                    <a:srgbClr val="000000">
+                      <a:alpha val="43137"/>
+                    </a:srgbClr>
+                  </a:outerShdw>
+                </a:effectLst>
+                <a:latin typeface="Consolas" pitchFamily="49" charset="0"/>
+                <a:cs typeface="Consolas" pitchFamily="49" charset="0"/>
+              </a:rPr>
+              <a:t>    select num</a:t>
+            </a:r>
+            <a:r>
+              <a:rPr lang="en-US" sz="2200" b="1" noProof="1">
+                <a:solidFill>
+                  <a:schemeClr val="tx1"/>
+                </a:solidFill>
+                <a:effectLst>
+                  <a:outerShdw blurRad="38100" dist="38100" dir="2700000" algn="tl">
+                    <a:srgbClr val="000000">
+                      <a:alpha val="43137"/>
+                    </a:srgbClr>
+                  </a:outerShdw>
+                </a:effectLst>
+                <a:latin typeface="Consolas" pitchFamily="49" charset="0"/>
+                <a:cs typeface="Consolas" pitchFamily="49" charset="0"/>
+              </a:rPr>
+              <a:t>;</a:t>
+            </a:r>
+          </a:p>
+          <a:p>
+            <a:pPr eaLnBrk="0" hangingPunct="0">
+              <a:lnSpc>
+                <a:spcPct val="100000"/>
+              </a:lnSpc>
+              <a:spcBef>
+                <a:spcPts val="0"/>
+              </a:spcBef>
+              <a:buClr>
+                <a:schemeClr val="accent5">
+                  <a:lumMod val="40000"/>
+                  <a:lumOff val="60000"/>
+                </a:schemeClr>
+              </a:buClr>
+              <a:buSzPct val="70000"/>
+            </a:pPr>
+            <a:endParaRPr lang="bg-BG" sz="2200" b="1" noProof="1">
+              <a:solidFill>
+                <a:schemeClr val="tx1"/>
+              </a:solidFill>
+              <a:effectLst>
+                <a:outerShdw blurRad="38100" dist="38100" dir="2700000" algn="tl">
+                  <a:srgbClr val="000000">
+                    <a:alpha val="43137"/>
+                  </a:srgbClr>
+                </a:outerShdw>
+              </a:effectLst>
+              <a:latin typeface="Consolas" pitchFamily="49" charset="0"/>
+              <a:cs typeface="Consolas" pitchFamily="49" charset="0"/>
+            </a:endParaRPr>
+          </a:p>
+          <a:p>
+            <a:pPr eaLnBrk="0" hangingPunct="0">
+              <a:lnSpc>
+                <a:spcPct val="100000"/>
+              </a:lnSpc>
+              <a:spcBef>
+                <a:spcPts val="0"/>
+              </a:spcBef>
+              <a:buClr>
+                <a:schemeClr val="accent5">
+                  <a:lumMod val="40000"/>
+                  <a:lumOff val="60000"/>
+                </a:schemeClr>
+              </a:buClr>
+              <a:buSzPct val="70000"/>
+            </a:pPr>
+            <a:r>
+              <a:rPr lang="bg-BG" sz="2200" b="1" noProof="1">
+                <a:solidFill>
+                  <a:schemeClr val="tx1"/>
+                </a:solidFill>
+                <a:effectLst>
+                  <a:outerShdw blurRad="38100" dist="38100" dir="2700000" algn="tl">
+                    <a:srgbClr val="000000">
+                      <a:alpha val="43137"/>
+                    </a:srgbClr>
+                  </a:outerShdw>
+                </a:effectLst>
+                <a:latin typeface="Consolas" pitchFamily="49" charset="0"/>
+                <a:cs typeface="Consolas" pitchFamily="49" charset="0"/>
+              </a:rPr>
+              <a:t>foreach (var </a:t>
+            </a:r>
+            <a:r>
+              <a:rPr lang="en-US" sz="2200" b="1" noProof="1">
+                <a:solidFill>
+                  <a:schemeClr val="tx1"/>
+                </a:solidFill>
+                <a:effectLst>
+                  <a:outerShdw blurRad="38100" dist="38100" dir="2700000" algn="tl">
+                    <a:srgbClr val="000000">
+                      <a:alpha val="43137"/>
+                    </a:srgbClr>
+                  </a:outerShdw>
+                </a:effectLst>
+                <a:latin typeface="Consolas" pitchFamily="49" charset="0"/>
+                <a:cs typeface="Consolas" pitchFamily="49" charset="0"/>
+              </a:rPr>
+              <a:t>num</a:t>
+            </a:r>
+            <a:r>
+              <a:rPr lang="bg-BG" sz="2200" b="1" noProof="1">
+                <a:solidFill>
+                  <a:schemeClr val="tx1"/>
+                </a:solidFill>
+                <a:effectLst>
+                  <a:outerShdw blurRad="38100" dist="38100" dir="2700000" algn="tl">
+                    <a:srgbClr val="000000">
+                      <a:alpha val="43137"/>
+                    </a:srgbClr>
+                  </a:outerShdw>
+                </a:effectLst>
+                <a:latin typeface="Consolas" pitchFamily="49" charset="0"/>
+                <a:cs typeface="Consolas" pitchFamily="49" charset="0"/>
+              </a:rPr>
+              <a:t> in query</a:t>
+            </a:r>
+            <a:r>
+              <a:rPr lang="en-US" sz="2200" b="1" noProof="1">
+                <a:solidFill>
+                  <a:schemeClr val="tx1"/>
+                </a:solidFill>
+                <a:effectLst>
+                  <a:outerShdw blurRad="38100" dist="38100" dir="2700000" algn="tl">
+                    <a:srgbClr val="000000">
+                      <a:alpha val="43137"/>
+                    </a:srgbClr>
+                  </a:outerShdw>
+                </a:effectLst>
+                <a:latin typeface="Consolas" pitchFamily="49" charset="0"/>
+                <a:cs typeface="Consolas" pitchFamily="49" charset="0"/>
+              </a:rPr>
+              <a:t>Small</a:t>
+            </a:r>
+            <a:r>
+              <a:rPr lang="bg-BG" sz="2200" b="1" noProof="1">
+                <a:solidFill>
+                  <a:schemeClr val="tx1"/>
+                </a:solidFill>
+                <a:effectLst>
+                  <a:outerShdw blurRad="38100" dist="38100" dir="2700000" algn="tl">
+                    <a:srgbClr val="000000">
+                      <a:alpha val="43137"/>
+                    </a:srgbClr>
+                  </a:outerShdw>
+                </a:effectLst>
+                <a:latin typeface="Consolas" pitchFamily="49" charset="0"/>
+                <a:cs typeface="Consolas" pitchFamily="49" charset="0"/>
+              </a:rPr>
+              <a:t>Nums)</a:t>
+            </a:r>
+          </a:p>
+          <a:p>
+            <a:pPr eaLnBrk="0" hangingPunct="0">
+              <a:lnSpc>
+                <a:spcPct val="100000"/>
+              </a:lnSpc>
+              <a:spcBef>
+                <a:spcPts val="0"/>
+              </a:spcBef>
+              <a:buClr>
+                <a:schemeClr val="accent5">
+                  <a:lumMod val="40000"/>
+                  <a:lumOff val="60000"/>
+                </a:schemeClr>
+              </a:buClr>
+              <a:buSzPct val="70000"/>
+            </a:pPr>
+            <a:r>
+              <a:rPr lang="bg-BG" sz="2200" b="1" noProof="1">
+                <a:solidFill>
+                  <a:schemeClr val="tx1"/>
+                </a:solidFill>
+                <a:effectLst>
+                  <a:outerShdw blurRad="38100" dist="38100" dir="2700000" algn="tl">
+                    <a:srgbClr val="000000">
+                      <a:alpha val="43137"/>
+                    </a:srgbClr>
+                  </a:outerShdw>
+                </a:effectLst>
+                <a:latin typeface="Consolas" pitchFamily="49" charset="0"/>
+                <a:cs typeface="Consolas" pitchFamily="49" charset="0"/>
+              </a:rPr>
+              <a:t>{</a:t>
+            </a:r>
+          </a:p>
+          <a:p>
+            <a:pPr eaLnBrk="0" hangingPunct="0">
+              <a:lnSpc>
+                <a:spcPct val="100000"/>
+              </a:lnSpc>
+              <a:spcBef>
+                <a:spcPts val="0"/>
+              </a:spcBef>
+              <a:buClr>
+                <a:schemeClr val="accent5">
+                  <a:lumMod val="40000"/>
+                  <a:lumOff val="60000"/>
+                </a:schemeClr>
+              </a:buClr>
+              <a:buSzPct val="70000"/>
+            </a:pPr>
+            <a:r>
+              <a:rPr lang="bg-BG" sz="2200" b="1" noProof="1">
+                <a:solidFill>
+                  <a:schemeClr val="tx1"/>
+                </a:solidFill>
+                <a:effectLst>
+                  <a:outerShdw blurRad="38100" dist="38100" dir="2700000" algn="tl">
+                    <a:srgbClr val="000000">
+                      <a:alpha val="43137"/>
+                    </a:srgbClr>
+                  </a:outerShdw>
+                </a:effectLst>
+                <a:latin typeface="Consolas" pitchFamily="49" charset="0"/>
+                <a:cs typeface="Consolas" pitchFamily="49" charset="0"/>
+              </a:rPr>
+              <a:t>   Console.Write(</a:t>
+            </a:r>
+            <a:r>
+              <a:rPr lang="en-US" sz="2200" b="1" noProof="1">
+                <a:solidFill>
+                  <a:schemeClr val="tx1"/>
+                </a:solidFill>
+                <a:effectLst>
+                  <a:outerShdw blurRad="38100" dist="38100" dir="2700000" algn="tl">
+                    <a:srgbClr val="000000">
+                      <a:alpha val="43137"/>
+                    </a:srgbClr>
+                  </a:outerShdw>
+                </a:effectLst>
+                <a:latin typeface="Consolas" pitchFamily="49" charset="0"/>
+                <a:cs typeface="Consolas" pitchFamily="49" charset="0"/>
+              </a:rPr>
+              <a:t>num</a:t>
+            </a:r>
+            <a:r>
+              <a:rPr lang="bg-BG" sz="2200" b="1" noProof="1">
+                <a:solidFill>
+                  <a:schemeClr val="tx1"/>
+                </a:solidFill>
+                <a:effectLst>
+                  <a:outerShdw blurRad="38100" dist="38100" dir="2700000" algn="tl">
+                    <a:srgbClr val="000000">
+                      <a:alpha val="43137"/>
+                    </a:srgbClr>
+                  </a:outerShdw>
+                </a:effectLst>
+                <a:latin typeface="Consolas" pitchFamily="49" charset="0"/>
+                <a:cs typeface="Consolas" pitchFamily="49" charset="0"/>
+              </a:rPr>
+              <a:t>.ToString() + " ");</a:t>
+            </a:r>
+            <a:endParaRPr lang="en-US" sz="2200" b="1" noProof="1">
+              <a:solidFill>
+                <a:schemeClr val="tx1"/>
+              </a:solidFill>
+              <a:effectLst>
+                <a:outerShdw blurRad="38100" dist="38100" dir="2700000" algn="tl">
+                  <a:srgbClr val="000000">
+                    <a:alpha val="43137"/>
+                  </a:srgbClr>
+                </a:outerShdw>
+              </a:effectLst>
+              <a:latin typeface="Consolas" pitchFamily="49" charset="0"/>
+              <a:cs typeface="Consolas" pitchFamily="49" charset="0"/>
+            </a:endParaRPr>
+          </a:p>
+          <a:p>
+            <a:pPr eaLnBrk="0" hangingPunct="0">
+              <a:lnSpc>
+                <a:spcPct val="100000"/>
+              </a:lnSpc>
+              <a:spcBef>
+                <a:spcPts val="0"/>
+              </a:spcBef>
+              <a:buClr>
+                <a:schemeClr val="accent5">
+                  <a:lumMod val="40000"/>
+                  <a:lumOff val="60000"/>
+                </a:schemeClr>
+              </a:buClr>
+              <a:buSzPct val="70000"/>
+            </a:pPr>
+            <a:r>
+              <a:rPr lang="bg-BG" sz="2200" b="1" noProof="1">
+                <a:solidFill>
+                  <a:schemeClr val="tx1"/>
+                </a:solidFill>
+                <a:effectLst>
+                  <a:outerShdw blurRad="38100" dist="38100" dir="2700000" algn="tl">
+                    <a:srgbClr val="000000">
+                      <a:alpha val="43137"/>
+                    </a:srgbClr>
+                  </a:outerShdw>
+                </a:effectLst>
+                <a:latin typeface="Consolas" pitchFamily="49" charset="0"/>
+                <a:cs typeface="Consolas" pitchFamily="49" charset="0"/>
+              </a:rPr>
+              <a:t>}</a:t>
+            </a:r>
+            <a:endParaRPr lang="en-US" sz="2200" b="1" noProof="1">
+              <a:solidFill>
+                <a:schemeClr val="tx1"/>
+              </a:solidFill>
+              <a:effectLst>
+                <a:outerShdw blurRad="38100" dist="38100" dir="2700000" algn="tl">
+                  <a:srgbClr val="000000">
+                    <a:alpha val="43137"/>
+                  </a:srgbClr>
+                </a:outerShdw>
+              </a:effectLst>
+              <a:latin typeface="Consolas" pitchFamily="49" charset="0"/>
+              <a:cs typeface="Consolas" pitchFamily="49" charset="0"/>
+            </a:endParaRPr>
+          </a:p>
+          <a:p>
+            <a:pPr eaLnBrk="0" hangingPunct="0">
+              <a:lnSpc>
+                <a:spcPct val="100000"/>
+              </a:lnSpc>
+              <a:spcBef>
+                <a:spcPts val="0"/>
+              </a:spcBef>
+              <a:buClr>
+                <a:schemeClr val="accent5">
+                  <a:lumMod val="40000"/>
+                  <a:lumOff val="60000"/>
+                </a:schemeClr>
+              </a:buClr>
+              <a:buSzPct val="70000"/>
+            </a:pPr>
+            <a:r>
+              <a:rPr lang="bg-BG" sz="2200" b="1" noProof="1">
+                <a:solidFill>
+                  <a:schemeClr val="tx1"/>
+                </a:solidFill>
+                <a:effectLst>
+                  <a:outerShdw blurRad="38100" dist="38100" dir="2700000" algn="tl">
+                    <a:srgbClr val="000000">
+                      <a:alpha val="43137"/>
+                    </a:srgbClr>
+                  </a:outerShdw>
+                </a:effectLst>
+                <a:latin typeface="Consolas" pitchFamily="49" charset="0"/>
+                <a:cs typeface="Consolas" pitchFamily="49" charset="0"/>
+              </a:rPr>
+              <a:t>//</a:t>
+            </a:r>
+            <a:r>
+              <a:rPr lang="en-US" sz="2200" b="1" noProof="1">
+                <a:solidFill>
+                  <a:schemeClr val="tx1"/>
+                </a:solidFill>
+                <a:effectLst>
+                  <a:outerShdw blurRad="38100" dist="38100" dir="2700000" algn="tl">
+                    <a:srgbClr val="000000">
+                      <a:alpha val="43137"/>
+                    </a:srgbClr>
+                  </a:outerShdw>
+                </a:effectLst>
+                <a:latin typeface="Consolas" pitchFamily="49" charset="0"/>
+                <a:cs typeface="Consolas" pitchFamily="49" charset="0"/>
+              </a:rPr>
+              <a:t> </a:t>
+            </a:r>
+            <a:r>
+              <a:rPr lang="bg-BG" sz="2200" b="1" noProof="1">
+                <a:solidFill>
+                  <a:schemeClr val="tx1"/>
+                </a:solidFill>
+                <a:effectLst>
+                  <a:outerShdw blurRad="38100" dist="38100" dir="2700000" algn="tl">
+                    <a:srgbClr val="000000">
+                      <a:alpha val="43137"/>
+                    </a:srgbClr>
+                  </a:outerShdw>
+                </a:effectLst>
+                <a:latin typeface="Consolas" pitchFamily="49" charset="0"/>
+                <a:cs typeface="Consolas" pitchFamily="49" charset="0"/>
+              </a:rPr>
+              <a:t>The result is 4 1 3 2 0</a:t>
+            </a:r>
+            <a:endParaRPr lang="en-US" sz="2200" b="1" noProof="1">
+              <a:solidFill>
+                <a:schemeClr val="tx1"/>
+              </a:solidFill>
+              <a:effectLst>
+                <a:outerShdw blurRad="38100" dist="38100" dir="2700000" algn="tl">
+                  <a:srgbClr val="000000">
+                    <a:alpha val="43137"/>
+                  </a:srgbClr>
+                </a:outerShdw>
+              </a:effectLst>
+              <a:latin typeface="Consolas" pitchFamily="49" charset="0"/>
+              <a:cs typeface="Consolas" pitchFamily="49" charset="0"/>
+            </a:endParaRPr>
+          </a:p>
+        </p:txBody>
+      </p:sp>
+    </p:spTree>
+    <p:extLst>
+      <p:ext uri="{BB962C8B-B14F-4D97-AF65-F5344CB8AC3E}">
+        <p14:creationId xmlns:p14="http://schemas.microsoft.com/office/powerpoint/2010/main" val="3939361608"/>
+      </p:ext>
+    </p:extLst>
+  </p:cSld>
+  <p:clrMapOvr>
+    <a:masterClrMapping/>
+  </p:clrMapOvr>
+  <mc:AlternateContent xmlns:mc="http://schemas.openxmlformats.org/markup-compatibility/2006" xmlns:p14="http://schemas.microsoft.com/office/powerpoint/2010/main">
+    <mc:Choice Requires="p14">
+      <p:transition spd="med" p14:dur="700">
+        <p:fade/>
+      </p:transition>
+    </mc:Choice>
+    <mc:Fallback xmlns="">
+      <p:transition spd="med">
+        <p:fade/>
+      </p:transition>
+    </mc:Fallback>
+  </mc:AlternateContent>
+</p:sld>
+</file>
+
+<file path=ppt/slides/slide4.xml><?xml version="1.0" encoding="utf-8"?>
+<p:sld xmlns:a="http://schemas.openxmlformats.org/drawingml/2006/main" xmlns:r="http://schemas.openxmlformats.org/officeDocument/2006/relationships" xmlns:p="http://schemas.openxmlformats.org/presentationml/2006/main">
+  <p:cSld>
+    <p:spTree>
+      <p:nvGrpSpPr>
+        <p:cNvPr id="1" name=""/>
+        <p:cNvGrpSpPr/>
+        <p:nvPr/>
+      </p:nvGrpSpPr>
+      <p:grpSpPr>
+        <a:xfrm>
+          <a:off x="0" y="0"/>
+          <a:ext cx="0" cy="0"/>
+          <a:chOff x="0" y="0"/>
+          <a:chExt cx="0" cy="0"/>
+        </a:xfrm>
+      </p:grpSpPr>
+      <p:sp>
+        <p:nvSpPr>
+          <p:cNvPr id="2" name="Title 1"/>
+          <p:cNvSpPr>
+            <a:spLocks noGrp="1"/>
+          </p:cNvSpPr>
+          <p:nvPr>
+            <p:ph type="title"/>
+          </p:nvPr>
+        </p:nvSpPr>
+        <p:spPr/>
+        <p:txBody>
+          <a:bodyPr/>
+          <a:lstStyle/>
+          <a:p>
+            <a:r>
+              <a:rPr lang="en-US" dirty="0"/>
+              <a:t>Classes</a:t>
+            </a:r>
+            <a:endParaRPr lang="bg-BG" dirty="0"/>
+          </a:p>
+        </p:txBody>
+      </p:sp>
+      <p:sp>
+        <p:nvSpPr>
+          <p:cNvPr id="3" name="Content Placeholder 2"/>
+          <p:cNvSpPr>
+            <a:spLocks noGrp="1"/>
+          </p:cNvSpPr>
+          <p:nvPr>
+            <p:ph idx="1"/>
+          </p:nvPr>
+        </p:nvSpPr>
+        <p:spPr/>
+        <p:txBody>
+          <a:bodyPr/>
+          <a:lstStyle/>
+          <a:p>
+            <a:pPr>
+              <a:lnSpc>
+                <a:spcPct val="100000"/>
+              </a:lnSpc>
+            </a:pPr>
+            <a:r>
+              <a:rPr lang="en-US" dirty="0"/>
+              <a:t>The formal definition of </a:t>
+            </a:r>
+            <a:r>
+              <a:rPr lang="en-US" dirty="0">
+                <a:solidFill>
+                  <a:schemeClr val="accent1"/>
+                </a:solidFill>
+              </a:rPr>
+              <a:t>class</a:t>
+            </a:r>
+            <a:r>
+              <a:rPr lang="en-US" dirty="0"/>
+              <a:t>:</a:t>
+            </a:r>
+          </a:p>
+          <a:p>
+            <a:pPr>
+              <a:lnSpc>
+                <a:spcPts val="4400"/>
+              </a:lnSpc>
+            </a:pPr>
+            <a:endParaRPr lang="en-US" dirty="0"/>
+          </a:p>
+          <a:p>
+            <a:pPr>
+              <a:lnSpc>
+                <a:spcPts val="4400"/>
+              </a:lnSpc>
+            </a:pPr>
+            <a:endParaRPr lang="en-US" dirty="0"/>
+          </a:p>
+          <a:p>
+            <a:pPr>
+              <a:lnSpc>
+                <a:spcPts val="4400"/>
+              </a:lnSpc>
+            </a:pPr>
+            <a:endParaRPr lang="en-US" dirty="0"/>
+          </a:p>
+          <a:p>
+            <a:pPr>
+              <a:lnSpc>
+                <a:spcPts val="4400"/>
+              </a:lnSpc>
+            </a:pPr>
+            <a:endParaRPr lang="en-US" dirty="0"/>
+          </a:p>
+          <a:p>
+            <a:pPr algn="r">
+              <a:lnSpc>
+                <a:spcPct val="100000"/>
+              </a:lnSpc>
+              <a:spcBef>
+                <a:spcPts val="1800"/>
+              </a:spcBef>
+              <a:buFontTx/>
+              <a:buNone/>
+            </a:pPr>
+            <a:r>
+              <a:rPr lang="en-US" sz="2400" dirty="0"/>
+              <a:t>Definition by </a:t>
+            </a:r>
+            <a:r>
+              <a:rPr lang="en-US" sz="2400" dirty="0">
+                <a:solidFill>
+                  <a:schemeClr val="accent1"/>
+                </a:solidFill>
+              </a:rPr>
+              <a:t>Google</a:t>
+            </a:r>
+            <a:endParaRPr lang="en-US" sz="3200" dirty="0">
+              <a:solidFill>
+                <a:schemeClr val="accent1"/>
+              </a:solidFill>
+            </a:endParaRPr>
+          </a:p>
+          <a:p>
+            <a:endParaRPr lang="bg-BG" dirty="0"/>
+          </a:p>
+        </p:txBody>
+      </p:sp>
+      <p:sp>
+        <p:nvSpPr>
+          <p:cNvPr id="4" name="Text Placeholder 6"/>
+          <p:cNvSpPr>
+            <a:spLocks noGrp="1"/>
+          </p:cNvSpPr>
+          <p:nvPr/>
+        </p:nvSpPr>
+        <p:spPr>
+          <a:xfrm>
+            <a:off x="2277988" y="2564904"/>
+            <a:ext cx="7467600" cy="2554545"/>
+          </a:xfrm>
+          <a:prstGeom prst="rect">
+            <a:avLst/>
+          </a:prstGeom>
+          <a:solidFill>
+            <a:schemeClr val="bg1">
+              <a:alpha val="15000"/>
+            </a:schemeClr>
+          </a:solidFill>
+          <a:ln w="12700">
+            <a:solidFill>
+              <a:schemeClr val="accent1"/>
+            </a:solidFill>
+          </a:ln>
+        </p:spPr>
+        <p:txBody>
+          <a:bodyPr wrap="square">
+            <a:spAutoFit/>
+          </a:bodyPr>
+          <a:lstStyle>
+            <a:defPPr>
+              <a:defRPr lang="en-US"/>
+            </a:defPPr>
+            <a:lvl1pPr algn="l" rtl="0" fontAlgn="base">
+              <a:spcBef>
+                <a:spcPct val="0"/>
+              </a:spcBef>
+              <a:spcAft>
+                <a:spcPct val="0"/>
+              </a:spcAft>
+              <a:defRPr sz="2500" kern="1200">
+                <a:solidFill>
+                  <a:srgbClr val="EBFFC2"/>
+                </a:solidFill>
+                <a:latin typeface="Corbel" pitchFamily="34" charset="0"/>
+                <a:ea typeface="+mn-ea"/>
+                <a:cs typeface="+mn-cs"/>
+              </a:defRPr>
+            </a:lvl1pPr>
+            <a:lvl2pPr marL="457200" algn="l" rtl="0" fontAlgn="base">
+              <a:spcBef>
+                <a:spcPct val="0"/>
+              </a:spcBef>
+              <a:spcAft>
+                <a:spcPct val="0"/>
+              </a:spcAft>
+              <a:defRPr sz="2500" kern="1200">
+                <a:solidFill>
+                  <a:srgbClr val="EBFFC2"/>
+                </a:solidFill>
+                <a:latin typeface="Corbel" pitchFamily="34" charset="0"/>
+                <a:ea typeface="+mn-ea"/>
+                <a:cs typeface="+mn-cs"/>
+              </a:defRPr>
+            </a:lvl2pPr>
+            <a:lvl3pPr marL="914400" algn="l" rtl="0" fontAlgn="base">
+              <a:spcBef>
+                <a:spcPct val="0"/>
+              </a:spcBef>
+              <a:spcAft>
+                <a:spcPct val="0"/>
+              </a:spcAft>
+              <a:defRPr sz="2500" kern="1200">
+                <a:solidFill>
+                  <a:srgbClr val="EBFFC2"/>
+                </a:solidFill>
+                <a:latin typeface="Corbel" pitchFamily="34" charset="0"/>
+                <a:ea typeface="+mn-ea"/>
+                <a:cs typeface="+mn-cs"/>
+              </a:defRPr>
+            </a:lvl3pPr>
+            <a:lvl4pPr marL="1371600" algn="l" rtl="0" fontAlgn="base">
+              <a:spcBef>
+                <a:spcPct val="0"/>
+              </a:spcBef>
+              <a:spcAft>
+                <a:spcPct val="0"/>
+              </a:spcAft>
+              <a:defRPr sz="2500" kern="1200">
+                <a:solidFill>
+                  <a:srgbClr val="EBFFC2"/>
+                </a:solidFill>
+                <a:latin typeface="Corbel" pitchFamily="34" charset="0"/>
+                <a:ea typeface="+mn-ea"/>
+                <a:cs typeface="+mn-cs"/>
+              </a:defRPr>
+            </a:lvl4pPr>
+            <a:lvl5pPr marL="1828800" algn="l" rtl="0" fontAlgn="base">
+              <a:spcBef>
+                <a:spcPct val="0"/>
+              </a:spcBef>
+              <a:spcAft>
+                <a:spcPct val="0"/>
+              </a:spcAft>
+              <a:defRPr sz="2500" kern="1200">
+                <a:solidFill>
+                  <a:srgbClr val="EBFFC2"/>
+                </a:solidFill>
+                <a:latin typeface="Corbel" pitchFamily="34" charset="0"/>
+                <a:ea typeface="+mn-ea"/>
+                <a:cs typeface="+mn-cs"/>
+              </a:defRPr>
+            </a:lvl5pPr>
+            <a:lvl6pPr marL="2286000" algn="l" defTabSz="914400" rtl="0" eaLnBrk="1" latinLnBrk="0" hangingPunct="1">
+              <a:defRPr sz="2500" kern="1200">
+                <a:solidFill>
+                  <a:srgbClr val="EBFFC2"/>
+                </a:solidFill>
+                <a:latin typeface="Corbel" pitchFamily="34" charset="0"/>
+                <a:ea typeface="+mn-ea"/>
+                <a:cs typeface="+mn-cs"/>
+              </a:defRPr>
+            </a:lvl6pPr>
+            <a:lvl7pPr marL="2743200" algn="l" defTabSz="914400" rtl="0" eaLnBrk="1" latinLnBrk="0" hangingPunct="1">
+              <a:defRPr sz="2500" kern="1200">
+                <a:solidFill>
+                  <a:srgbClr val="EBFFC2"/>
+                </a:solidFill>
+                <a:latin typeface="Corbel" pitchFamily="34" charset="0"/>
+                <a:ea typeface="+mn-ea"/>
+                <a:cs typeface="+mn-cs"/>
+              </a:defRPr>
+            </a:lvl7pPr>
+            <a:lvl8pPr marL="3200400" algn="l" defTabSz="914400" rtl="0" eaLnBrk="1" latinLnBrk="0" hangingPunct="1">
+              <a:defRPr sz="2500" kern="1200">
+                <a:solidFill>
+                  <a:srgbClr val="EBFFC2"/>
+                </a:solidFill>
+                <a:latin typeface="Corbel" pitchFamily="34" charset="0"/>
+                <a:ea typeface="+mn-ea"/>
+                <a:cs typeface="+mn-cs"/>
+              </a:defRPr>
+            </a:lvl8pPr>
+            <a:lvl9pPr marL="3657600" algn="l" defTabSz="914400" rtl="0" eaLnBrk="1" latinLnBrk="0" hangingPunct="1">
+              <a:defRPr sz="2500" kern="1200">
+                <a:solidFill>
+                  <a:srgbClr val="EBFFC2"/>
+                </a:solidFill>
+                <a:latin typeface="Corbel" pitchFamily="34" charset="0"/>
+                <a:ea typeface="+mn-ea"/>
+                <a:cs typeface="+mn-cs"/>
+              </a:defRPr>
+            </a:lvl9pPr>
+          </a:lstStyle>
+          <a:p>
+            <a:pPr algn="just"/>
+            <a:r>
+              <a:rPr lang="en-US" sz="3200" dirty="0">
+                <a:solidFill>
+                  <a:schemeClr val="accent1"/>
+                </a:solidFill>
+                <a:latin typeface="+mn-lt"/>
+              </a:rPr>
+              <a:t>Classes</a:t>
+            </a:r>
+            <a:r>
+              <a:rPr lang="en-US" sz="3200" dirty="0">
+                <a:solidFill>
+                  <a:schemeClr val="tx1"/>
+                </a:solidFill>
+                <a:latin typeface="+mn-lt"/>
+              </a:rPr>
+              <a:t> act as templates from which an </a:t>
+            </a:r>
+            <a:r>
+              <a:rPr lang="en-US" sz="3200" dirty="0">
+                <a:solidFill>
+                  <a:schemeClr val="accent1"/>
+                </a:solidFill>
+                <a:latin typeface="+mn-lt"/>
+              </a:rPr>
+              <a:t>instance</a:t>
+            </a:r>
+            <a:r>
+              <a:rPr lang="en-US" sz="3200" dirty="0">
+                <a:solidFill>
+                  <a:schemeClr val="tx1"/>
+                </a:solidFill>
+                <a:latin typeface="+mn-lt"/>
+              </a:rPr>
+              <a:t> of an </a:t>
+            </a:r>
+            <a:r>
+              <a:rPr lang="en-US" sz="3200" dirty="0">
+                <a:solidFill>
+                  <a:schemeClr val="accent1"/>
+                </a:solidFill>
+                <a:latin typeface="+mn-lt"/>
+              </a:rPr>
+              <a:t>object</a:t>
+            </a:r>
+            <a:r>
+              <a:rPr lang="en-US" sz="3200" dirty="0">
+                <a:solidFill>
+                  <a:schemeClr val="tx1"/>
+                </a:solidFill>
+                <a:latin typeface="+mn-lt"/>
+              </a:rPr>
+              <a:t> is created at run time. Classes define the </a:t>
+            </a:r>
+            <a:r>
+              <a:rPr lang="en-US" sz="3200" dirty="0">
+                <a:solidFill>
+                  <a:schemeClr val="accent1"/>
+                </a:solidFill>
+                <a:latin typeface="+mn-lt"/>
+              </a:rPr>
+              <a:t>properties</a:t>
+            </a:r>
+            <a:r>
+              <a:rPr lang="en-US" sz="3200" dirty="0">
+                <a:solidFill>
+                  <a:schemeClr val="tx1"/>
+                </a:solidFill>
+                <a:latin typeface="+mn-lt"/>
+              </a:rPr>
+              <a:t> of the object and the </a:t>
+            </a:r>
+            <a:r>
+              <a:rPr lang="en-US" sz="3200" dirty="0">
+                <a:solidFill>
+                  <a:schemeClr val="accent1"/>
+                </a:solidFill>
+                <a:latin typeface="+mn-lt"/>
+              </a:rPr>
+              <a:t>methods</a:t>
+            </a:r>
+            <a:r>
+              <a:rPr lang="en-US" sz="3200" dirty="0">
+                <a:solidFill>
+                  <a:schemeClr val="tx1"/>
+                </a:solidFill>
+                <a:latin typeface="+mn-lt"/>
+              </a:rPr>
+              <a:t> used to control the object's behavior.</a:t>
+            </a:r>
+          </a:p>
+        </p:txBody>
+      </p:sp>
+    </p:spTree>
+    <p:extLst>
+      <p:ext uri="{BB962C8B-B14F-4D97-AF65-F5344CB8AC3E}">
+        <p14:creationId xmlns:p14="http://schemas.microsoft.com/office/powerpoint/2010/main" val="3145173681"/>
+      </p:ext>
+    </p:extLst>
+  </p:cSld>
+  <p:clrMapOvr>
+    <a:masterClrMapping/>
+  </p:clrMapOvr>
+  <mc:AlternateContent xmlns:mc="http://schemas.openxmlformats.org/markup-compatibility/2006" xmlns:p14="http://schemas.microsoft.com/office/powerpoint/2010/main">
+    <mc:Choice Requires="p14">
+      <p:transition spd="med" p14:dur="700">
+        <p:fade/>
+      </p:transition>
+    </mc:Choice>
+    <mc:Fallback xmlns="">
+      <p:transition spd="med">
+        <p:fade/>
+      </p:transition>
+    </mc:Fallback>
+  </mc:AlternateContent>
+</p:sld>
+</file>
+
+<file path=ppt/slides/slide40.xml><?xml version="1.0" encoding="utf-8"?>
+<p:sld xmlns:a="http://schemas.openxmlformats.org/drawingml/2006/main" xmlns:r="http://schemas.openxmlformats.org/officeDocument/2006/relationships" xmlns:p="http://schemas.openxmlformats.org/presentationml/2006/main">
+  <p:cSld>
+    <p:spTree>
+      <p:nvGrpSpPr>
+        <p:cNvPr id="1" name=""/>
+        <p:cNvGrpSpPr/>
+        <p:nvPr/>
+      </p:nvGrpSpPr>
+      <p:grpSpPr>
+        <a:xfrm>
+          <a:off x="0" y="0"/>
+          <a:ext cx="0" cy="0"/>
+          <a:chOff x="0" y="0"/>
+          <a:chExt cx="0" cy="0"/>
+        </a:xfrm>
+      </p:grpSpPr>
+      <p:sp>
+        <p:nvSpPr>
+          <p:cNvPr id="2" name="Title 1"/>
+          <p:cNvSpPr>
+            <a:spLocks noGrp="1"/>
+          </p:cNvSpPr>
+          <p:nvPr>
+            <p:ph type="title"/>
+          </p:nvPr>
+        </p:nvSpPr>
+        <p:spPr/>
+        <p:txBody>
+          <a:bodyPr/>
+          <a:lstStyle/>
+          <a:p>
+            <a:r>
+              <a:rPr lang="en-US" dirty="0"/>
+              <a:t>Lambda Method syntax example</a:t>
+            </a:r>
+            <a:endParaRPr lang="bg-BG" dirty="0"/>
+          </a:p>
+        </p:txBody>
+      </p:sp>
+      <p:sp>
+        <p:nvSpPr>
+          <p:cNvPr id="4" name="Rectangle 3"/>
+          <p:cNvSpPr>
+            <a:spLocks noChangeArrowheads="1"/>
+          </p:cNvSpPr>
+          <p:nvPr/>
+        </p:nvSpPr>
+        <p:spPr bwMode="auto">
+          <a:xfrm>
+            <a:off x="1231446" y="1844824"/>
+            <a:ext cx="10347937" cy="3477875"/>
+          </a:xfrm>
+          <a:prstGeom prst="rect">
+            <a:avLst/>
+          </a:prstGeom>
+          <a:solidFill>
+            <a:schemeClr val="bg1">
+              <a:alpha val="15000"/>
+            </a:schemeClr>
+          </a:solidFill>
+          <a:ln w="12700">
+            <a:solidFill>
+              <a:schemeClr val="accent1"/>
+            </a:solidFill>
+          </a:ln>
+        </p:spPr>
+        <p:txBody>
+          <a:bodyPr wrap="square">
+            <a:spAutoFit/>
+          </a:bodyPr>
+          <a:lstStyle>
+            <a:defPPr>
+              <a:defRPr lang="en-US"/>
+            </a:defPPr>
+            <a:lvl1pPr algn="l" rtl="0" fontAlgn="base">
+              <a:spcBef>
+                <a:spcPct val="0"/>
+              </a:spcBef>
+              <a:spcAft>
+                <a:spcPct val="0"/>
+              </a:spcAft>
+              <a:defRPr sz="2500" kern="1200">
+                <a:solidFill>
+                  <a:srgbClr val="EBFFC2"/>
+                </a:solidFill>
+                <a:latin typeface="Corbel" pitchFamily="34" charset="0"/>
+                <a:ea typeface="+mn-ea"/>
+                <a:cs typeface="+mn-cs"/>
+              </a:defRPr>
+            </a:lvl1pPr>
+            <a:lvl2pPr marL="457200" algn="l" rtl="0" fontAlgn="base">
+              <a:spcBef>
+                <a:spcPct val="0"/>
+              </a:spcBef>
+              <a:spcAft>
+                <a:spcPct val="0"/>
+              </a:spcAft>
+              <a:defRPr sz="2500" kern="1200">
+                <a:solidFill>
+                  <a:srgbClr val="EBFFC2"/>
+                </a:solidFill>
+                <a:latin typeface="Corbel" pitchFamily="34" charset="0"/>
+                <a:ea typeface="+mn-ea"/>
+                <a:cs typeface="+mn-cs"/>
+              </a:defRPr>
+            </a:lvl2pPr>
+            <a:lvl3pPr marL="914400" algn="l" rtl="0" fontAlgn="base">
+              <a:spcBef>
+                <a:spcPct val="0"/>
+              </a:spcBef>
+              <a:spcAft>
+                <a:spcPct val="0"/>
+              </a:spcAft>
+              <a:defRPr sz="2500" kern="1200">
+                <a:solidFill>
+                  <a:srgbClr val="EBFFC2"/>
+                </a:solidFill>
+                <a:latin typeface="Corbel" pitchFamily="34" charset="0"/>
+                <a:ea typeface="+mn-ea"/>
+                <a:cs typeface="+mn-cs"/>
+              </a:defRPr>
+            </a:lvl3pPr>
+            <a:lvl4pPr marL="1371600" algn="l" rtl="0" fontAlgn="base">
+              <a:spcBef>
+                <a:spcPct val="0"/>
+              </a:spcBef>
+              <a:spcAft>
+                <a:spcPct val="0"/>
+              </a:spcAft>
+              <a:defRPr sz="2500" kern="1200">
+                <a:solidFill>
+                  <a:srgbClr val="EBFFC2"/>
+                </a:solidFill>
+                <a:latin typeface="Corbel" pitchFamily="34" charset="0"/>
+                <a:ea typeface="+mn-ea"/>
+                <a:cs typeface="+mn-cs"/>
+              </a:defRPr>
+            </a:lvl4pPr>
+            <a:lvl5pPr marL="1828800" algn="l" rtl="0" fontAlgn="base">
+              <a:spcBef>
+                <a:spcPct val="0"/>
+              </a:spcBef>
+              <a:spcAft>
+                <a:spcPct val="0"/>
+              </a:spcAft>
+              <a:defRPr sz="2500" kern="1200">
+                <a:solidFill>
+                  <a:srgbClr val="EBFFC2"/>
+                </a:solidFill>
+                <a:latin typeface="Corbel" pitchFamily="34" charset="0"/>
+                <a:ea typeface="+mn-ea"/>
+                <a:cs typeface="+mn-cs"/>
+              </a:defRPr>
+            </a:lvl5pPr>
+            <a:lvl6pPr marL="2286000" algn="l" defTabSz="914400" rtl="0" eaLnBrk="1" latinLnBrk="0" hangingPunct="1">
+              <a:defRPr sz="2500" kern="1200">
+                <a:solidFill>
+                  <a:srgbClr val="EBFFC2"/>
+                </a:solidFill>
+                <a:latin typeface="Corbel" pitchFamily="34" charset="0"/>
+                <a:ea typeface="+mn-ea"/>
+                <a:cs typeface="+mn-cs"/>
+              </a:defRPr>
+            </a:lvl6pPr>
+            <a:lvl7pPr marL="2743200" algn="l" defTabSz="914400" rtl="0" eaLnBrk="1" latinLnBrk="0" hangingPunct="1">
+              <a:defRPr sz="2500" kern="1200">
+                <a:solidFill>
+                  <a:srgbClr val="EBFFC2"/>
+                </a:solidFill>
+                <a:latin typeface="Corbel" pitchFamily="34" charset="0"/>
+                <a:ea typeface="+mn-ea"/>
+                <a:cs typeface="+mn-cs"/>
+              </a:defRPr>
+            </a:lvl7pPr>
+            <a:lvl8pPr marL="3200400" algn="l" defTabSz="914400" rtl="0" eaLnBrk="1" latinLnBrk="0" hangingPunct="1">
+              <a:defRPr sz="2500" kern="1200">
+                <a:solidFill>
+                  <a:srgbClr val="EBFFC2"/>
+                </a:solidFill>
+                <a:latin typeface="Corbel" pitchFamily="34" charset="0"/>
+                <a:ea typeface="+mn-ea"/>
+                <a:cs typeface="+mn-cs"/>
+              </a:defRPr>
+            </a:lvl8pPr>
+            <a:lvl9pPr marL="3657600" algn="l" defTabSz="914400" rtl="0" eaLnBrk="1" latinLnBrk="0" hangingPunct="1">
+              <a:defRPr sz="2500" kern="1200">
+                <a:solidFill>
+                  <a:srgbClr val="EBFFC2"/>
+                </a:solidFill>
+                <a:latin typeface="Corbel" pitchFamily="34" charset="0"/>
+                <a:ea typeface="+mn-ea"/>
+                <a:cs typeface="+mn-cs"/>
+              </a:defRPr>
+            </a:lvl9pPr>
+          </a:lstStyle>
+          <a:p>
+            <a:pPr eaLnBrk="0" hangingPunct="0">
+              <a:lnSpc>
+                <a:spcPct val="100000"/>
+              </a:lnSpc>
+              <a:spcBef>
+                <a:spcPts val="0"/>
+              </a:spcBef>
+              <a:buClr>
+                <a:schemeClr val="accent5">
+                  <a:lumMod val="40000"/>
+                  <a:lumOff val="60000"/>
+                </a:schemeClr>
+              </a:buClr>
+              <a:buSzPct val="70000"/>
+            </a:pPr>
+            <a:r>
+              <a:rPr lang="bg-BG" sz="2200" b="1" noProof="1">
+                <a:solidFill>
+                  <a:schemeClr val="tx1"/>
+                </a:solidFill>
+                <a:effectLst>
+                  <a:outerShdw blurRad="38100" dist="38100" dir="2700000" algn="tl">
+                    <a:srgbClr val="000000">
+                      <a:alpha val="43137"/>
+                    </a:srgbClr>
+                  </a:outerShdw>
+                </a:effectLst>
+                <a:latin typeface="Consolas" pitchFamily="49" charset="0"/>
+                <a:cs typeface="Consolas" pitchFamily="49" charset="0"/>
+              </a:rPr>
+              <a:t>int[] numbers = { 5, 4, 1, 3, 9, 8, 6, 7, 2, 0 };</a:t>
+            </a:r>
+          </a:p>
+          <a:p>
+            <a:pPr eaLnBrk="0" hangingPunct="0">
+              <a:lnSpc>
+                <a:spcPct val="100000"/>
+              </a:lnSpc>
+              <a:spcBef>
+                <a:spcPts val="0"/>
+              </a:spcBef>
+              <a:buClr>
+                <a:schemeClr val="accent5">
+                  <a:lumMod val="40000"/>
+                  <a:lumOff val="60000"/>
+                </a:schemeClr>
+              </a:buClr>
+              <a:buSzPct val="70000"/>
+            </a:pPr>
+            <a:endParaRPr lang="bg-BG" sz="2200" b="1" noProof="1">
+              <a:solidFill>
+                <a:schemeClr val="tx1"/>
+              </a:solidFill>
+              <a:effectLst>
+                <a:outerShdw blurRad="38100" dist="38100" dir="2700000" algn="tl">
+                  <a:srgbClr val="000000">
+                    <a:alpha val="43137"/>
+                  </a:srgbClr>
+                </a:outerShdw>
+              </a:effectLst>
+              <a:latin typeface="Consolas" pitchFamily="49" charset="0"/>
+              <a:cs typeface="Consolas" pitchFamily="49" charset="0"/>
+            </a:endParaRPr>
+          </a:p>
+          <a:p>
+            <a:pPr eaLnBrk="0" hangingPunct="0">
+              <a:lnSpc>
+                <a:spcPct val="100000"/>
+              </a:lnSpc>
+              <a:spcBef>
+                <a:spcPts val="0"/>
+              </a:spcBef>
+              <a:buClr>
+                <a:schemeClr val="accent5">
+                  <a:lumMod val="40000"/>
+                  <a:lumOff val="60000"/>
+                </a:schemeClr>
+              </a:buClr>
+              <a:buSzPct val="70000"/>
+            </a:pPr>
+            <a:r>
+              <a:rPr lang="bg-BG" sz="2200" b="1" noProof="1">
+                <a:solidFill>
+                  <a:schemeClr val="tx1"/>
+                </a:solidFill>
+                <a:effectLst>
+                  <a:outerShdw blurRad="38100" dist="38100" dir="2700000" algn="tl">
+                    <a:srgbClr val="000000">
+                      <a:alpha val="43137"/>
+                    </a:srgbClr>
+                  </a:outerShdw>
+                </a:effectLst>
+                <a:latin typeface="Consolas" pitchFamily="49" charset="0"/>
+                <a:cs typeface="Consolas" pitchFamily="49" charset="0"/>
+              </a:rPr>
+              <a:t>var query</a:t>
+            </a:r>
+            <a:r>
+              <a:rPr lang="en-US" sz="2200" b="1" noProof="1">
+                <a:solidFill>
+                  <a:schemeClr val="tx1"/>
+                </a:solidFill>
+                <a:effectLst>
+                  <a:outerShdw blurRad="38100" dist="38100" dir="2700000" algn="tl">
+                    <a:srgbClr val="000000">
+                      <a:alpha val="43137"/>
+                    </a:srgbClr>
+                  </a:outerShdw>
+                </a:effectLst>
+                <a:latin typeface="Consolas" pitchFamily="49" charset="0"/>
+                <a:cs typeface="Consolas" pitchFamily="49" charset="0"/>
+              </a:rPr>
+              <a:t>Small</a:t>
+            </a:r>
+            <a:r>
+              <a:rPr lang="bg-BG" sz="2200" b="1" noProof="1">
+                <a:solidFill>
+                  <a:schemeClr val="tx1"/>
+                </a:solidFill>
+                <a:effectLst>
+                  <a:outerShdw blurRad="38100" dist="38100" dir="2700000" algn="tl">
+                    <a:srgbClr val="000000">
+                      <a:alpha val="43137"/>
+                    </a:srgbClr>
+                  </a:outerShdw>
+                </a:effectLst>
+                <a:latin typeface="Consolas" pitchFamily="49" charset="0"/>
+                <a:cs typeface="Consolas" pitchFamily="49" charset="0"/>
+              </a:rPr>
+              <a:t>Nums =</a:t>
+            </a:r>
+          </a:p>
+          <a:p>
+            <a:pPr eaLnBrk="0" hangingPunct="0">
+              <a:lnSpc>
+                <a:spcPct val="100000"/>
+              </a:lnSpc>
+              <a:spcBef>
+                <a:spcPts val="0"/>
+              </a:spcBef>
+              <a:buClr>
+                <a:schemeClr val="accent5">
+                  <a:lumMod val="40000"/>
+                  <a:lumOff val="60000"/>
+                </a:schemeClr>
+              </a:buClr>
+              <a:buSzPct val="70000"/>
+            </a:pPr>
+            <a:r>
+              <a:rPr lang="bg-BG" sz="2200" b="1" noProof="1">
+                <a:solidFill>
+                  <a:schemeClr val="tx1"/>
+                </a:solidFill>
+                <a:effectLst>
+                  <a:outerShdw blurRad="38100" dist="38100" dir="2700000" algn="tl">
+                    <a:srgbClr val="000000">
+                      <a:alpha val="43137"/>
+                    </a:srgbClr>
+                  </a:outerShdw>
+                </a:effectLst>
+                <a:latin typeface="Consolas" pitchFamily="49" charset="0"/>
+                <a:cs typeface="Consolas" pitchFamily="49" charset="0"/>
+              </a:rPr>
+              <a:t>    </a:t>
+            </a:r>
+            <a:r>
+              <a:rPr lang="en-US" sz="2200" b="1" noProof="1">
+                <a:solidFill>
+                  <a:schemeClr val="tx1"/>
+                </a:solidFill>
+                <a:effectLst>
+                  <a:outerShdw blurRad="38100" dist="38100" dir="2700000" algn="tl">
+                    <a:srgbClr val="000000">
+                      <a:alpha val="43137"/>
+                    </a:srgbClr>
+                  </a:outerShdw>
+                </a:effectLst>
+                <a:latin typeface="Consolas" pitchFamily="49" charset="0"/>
+                <a:cs typeface="Consolas" pitchFamily="49" charset="0"/>
+              </a:rPr>
+              <a:t>numbers.Where(n =&gt; n &lt; 5);</a:t>
+            </a:r>
+          </a:p>
+          <a:p>
+            <a:pPr eaLnBrk="0" hangingPunct="0">
+              <a:lnSpc>
+                <a:spcPct val="100000"/>
+              </a:lnSpc>
+              <a:spcBef>
+                <a:spcPts val="0"/>
+              </a:spcBef>
+              <a:buClr>
+                <a:schemeClr val="accent5">
+                  <a:lumMod val="40000"/>
+                  <a:lumOff val="60000"/>
+                </a:schemeClr>
+              </a:buClr>
+              <a:buSzPct val="70000"/>
+            </a:pPr>
+            <a:endParaRPr lang="bg-BG" sz="2200" b="1" noProof="1">
+              <a:solidFill>
+                <a:schemeClr val="tx1"/>
+              </a:solidFill>
+              <a:effectLst>
+                <a:outerShdw blurRad="38100" dist="38100" dir="2700000" algn="tl">
+                  <a:srgbClr val="000000">
+                    <a:alpha val="43137"/>
+                  </a:srgbClr>
+                </a:outerShdw>
+              </a:effectLst>
+              <a:latin typeface="Consolas" pitchFamily="49" charset="0"/>
+              <a:cs typeface="Consolas" pitchFamily="49" charset="0"/>
+            </a:endParaRPr>
+          </a:p>
+          <a:p>
+            <a:pPr eaLnBrk="0" hangingPunct="0">
+              <a:lnSpc>
+                <a:spcPct val="100000"/>
+              </a:lnSpc>
+              <a:spcBef>
+                <a:spcPts val="0"/>
+              </a:spcBef>
+              <a:buClr>
+                <a:schemeClr val="accent5">
+                  <a:lumMod val="40000"/>
+                  <a:lumOff val="60000"/>
+                </a:schemeClr>
+              </a:buClr>
+              <a:buSzPct val="70000"/>
+            </a:pPr>
+            <a:r>
+              <a:rPr lang="bg-BG" sz="2200" b="1" noProof="1">
+                <a:solidFill>
+                  <a:schemeClr val="tx1"/>
+                </a:solidFill>
+                <a:effectLst>
+                  <a:outerShdw blurRad="38100" dist="38100" dir="2700000" algn="tl">
+                    <a:srgbClr val="000000">
+                      <a:alpha val="43137"/>
+                    </a:srgbClr>
+                  </a:outerShdw>
+                </a:effectLst>
+                <a:latin typeface="Consolas" pitchFamily="49" charset="0"/>
+                <a:cs typeface="Consolas" pitchFamily="49" charset="0"/>
+              </a:rPr>
+              <a:t>foreach (var </a:t>
+            </a:r>
+            <a:r>
+              <a:rPr lang="en-US" sz="2200" b="1" noProof="1">
+                <a:solidFill>
+                  <a:schemeClr val="tx1"/>
+                </a:solidFill>
+                <a:effectLst>
+                  <a:outerShdw blurRad="38100" dist="38100" dir="2700000" algn="tl">
+                    <a:srgbClr val="000000">
+                      <a:alpha val="43137"/>
+                    </a:srgbClr>
+                  </a:outerShdw>
+                </a:effectLst>
+                <a:latin typeface="Consolas" pitchFamily="49" charset="0"/>
+                <a:cs typeface="Consolas" pitchFamily="49" charset="0"/>
+              </a:rPr>
+              <a:t>num</a:t>
+            </a:r>
+            <a:r>
+              <a:rPr lang="bg-BG" sz="2200" b="1" noProof="1">
+                <a:solidFill>
+                  <a:schemeClr val="tx1"/>
+                </a:solidFill>
+                <a:effectLst>
+                  <a:outerShdw blurRad="38100" dist="38100" dir="2700000" algn="tl">
+                    <a:srgbClr val="000000">
+                      <a:alpha val="43137"/>
+                    </a:srgbClr>
+                  </a:outerShdw>
+                </a:effectLst>
+                <a:latin typeface="Consolas" pitchFamily="49" charset="0"/>
+                <a:cs typeface="Consolas" pitchFamily="49" charset="0"/>
+              </a:rPr>
+              <a:t> in query</a:t>
+            </a:r>
+            <a:r>
+              <a:rPr lang="en-US" sz="2200" b="1" noProof="1">
+                <a:solidFill>
+                  <a:schemeClr val="tx1"/>
+                </a:solidFill>
+                <a:effectLst>
+                  <a:outerShdw blurRad="38100" dist="38100" dir="2700000" algn="tl">
+                    <a:srgbClr val="000000">
+                      <a:alpha val="43137"/>
+                    </a:srgbClr>
+                  </a:outerShdw>
+                </a:effectLst>
+                <a:latin typeface="Consolas" pitchFamily="49" charset="0"/>
+                <a:cs typeface="Consolas" pitchFamily="49" charset="0"/>
+              </a:rPr>
+              <a:t>Small</a:t>
+            </a:r>
+            <a:r>
+              <a:rPr lang="bg-BG" sz="2200" b="1" noProof="1">
+                <a:solidFill>
+                  <a:schemeClr val="tx1"/>
+                </a:solidFill>
+                <a:effectLst>
+                  <a:outerShdw blurRad="38100" dist="38100" dir="2700000" algn="tl">
+                    <a:srgbClr val="000000">
+                      <a:alpha val="43137"/>
+                    </a:srgbClr>
+                  </a:outerShdw>
+                </a:effectLst>
+                <a:latin typeface="Consolas" pitchFamily="49" charset="0"/>
+                <a:cs typeface="Consolas" pitchFamily="49" charset="0"/>
+              </a:rPr>
+              <a:t>Nums)</a:t>
+            </a:r>
+          </a:p>
+          <a:p>
+            <a:pPr eaLnBrk="0" hangingPunct="0">
+              <a:lnSpc>
+                <a:spcPct val="100000"/>
+              </a:lnSpc>
+              <a:spcBef>
+                <a:spcPts val="0"/>
+              </a:spcBef>
+              <a:buClr>
+                <a:schemeClr val="accent5">
+                  <a:lumMod val="40000"/>
+                  <a:lumOff val="60000"/>
+                </a:schemeClr>
+              </a:buClr>
+              <a:buSzPct val="70000"/>
+            </a:pPr>
+            <a:r>
+              <a:rPr lang="bg-BG" sz="2200" b="1" noProof="1">
+                <a:solidFill>
+                  <a:schemeClr val="tx1"/>
+                </a:solidFill>
+                <a:effectLst>
+                  <a:outerShdw blurRad="38100" dist="38100" dir="2700000" algn="tl">
+                    <a:srgbClr val="000000">
+                      <a:alpha val="43137"/>
+                    </a:srgbClr>
+                  </a:outerShdw>
+                </a:effectLst>
+                <a:latin typeface="Consolas" pitchFamily="49" charset="0"/>
+                <a:cs typeface="Consolas" pitchFamily="49" charset="0"/>
+              </a:rPr>
+              <a:t>{</a:t>
+            </a:r>
+          </a:p>
+          <a:p>
+            <a:pPr eaLnBrk="0" hangingPunct="0">
+              <a:lnSpc>
+                <a:spcPct val="100000"/>
+              </a:lnSpc>
+              <a:spcBef>
+                <a:spcPts val="0"/>
+              </a:spcBef>
+              <a:buClr>
+                <a:schemeClr val="accent5">
+                  <a:lumMod val="40000"/>
+                  <a:lumOff val="60000"/>
+                </a:schemeClr>
+              </a:buClr>
+              <a:buSzPct val="70000"/>
+            </a:pPr>
+            <a:r>
+              <a:rPr lang="bg-BG" sz="2200" b="1" noProof="1">
+                <a:solidFill>
+                  <a:schemeClr val="tx1"/>
+                </a:solidFill>
+                <a:effectLst>
+                  <a:outerShdw blurRad="38100" dist="38100" dir="2700000" algn="tl">
+                    <a:srgbClr val="000000">
+                      <a:alpha val="43137"/>
+                    </a:srgbClr>
+                  </a:outerShdw>
+                </a:effectLst>
+                <a:latin typeface="Consolas" pitchFamily="49" charset="0"/>
+                <a:cs typeface="Consolas" pitchFamily="49" charset="0"/>
+              </a:rPr>
+              <a:t>   Console.Write(</a:t>
+            </a:r>
+            <a:r>
+              <a:rPr lang="en-US" sz="2200" b="1" noProof="1">
+                <a:solidFill>
+                  <a:schemeClr val="tx1"/>
+                </a:solidFill>
+                <a:effectLst>
+                  <a:outerShdw blurRad="38100" dist="38100" dir="2700000" algn="tl">
+                    <a:srgbClr val="000000">
+                      <a:alpha val="43137"/>
+                    </a:srgbClr>
+                  </a:outerShdw>
+                </a:effectLst>
+                <a:latin typeface="Consolas" pitchFamily="49" charset="0"/>
+                <a:cs typeface="Consolas" pitchFamily="49" charset="0"/>
+              </a:rPr>
+              <a:t>num</a:t>
+            </a:r>
+            <a:r>
+              <a:rPr lang="bg-BG" sz="2200" b="1" noProof="1">
+                <a:solidFill>
+                  <a:schemeClr val="tx1"/>
+                </a:solidFill>
+                <a:effectLst>
+                  <a:outerShdw blurRad="38100" dist="38100" dir="2700000" algn="tl">
+                    <a:srgbClr val="000000">
+                      <a:alpha val="43137"/>
+                    </a:srgbClr>
+                  </a:outerShdw>
+                </a:effectLst>
+                <a:latin typeface="Consolas" pitchFamily="49" charset="0"/>
+                <a:cs typeface="Consolas" pitchFamily="49" charset="0"/>
+              </a:rPr>
+              <a:t>.ToString() + " ");</a:t>
+            </a:r>
+            <a:endParaRPr lang="en-US" sz="2200" b="1" noProof="1">
+              <a:solidFill>
+                <a:schemeClr val="tx1"/>
+              </a:solidFill>
+              <a:effectLst>
+                <a:outerShdw blurRad="38100" dist="38100" dir="2700000" algn="tl">
+                  <a:srgbClr val="000000">
+                    <a:alpha val="43137"/>
+                  </a:srgbClr>
+                </a:outerShdw>
+              </a:effectLst>
+              <a:latin typeface="Consolas" pitchFamily="49" charset="0"/>
+              <a:cs typeface="Consolas" pitchFamily="49" charset="0"/>
+            </a:endParaRPr>
+          </a:p>
+          <a:p>
+            <a:pPr eaLnBrk="0" hangingPunct="0">
+              <a:lnSpc>
+                <a:spcPct val="100000"/>
+              </a:lnSpc>
+              <a:spcBef>
+                <a:spcPts val="0"/>
+              </a:spcBef>
+              <a:buClr>
+                <a:schemeClr val="accent5">
+                  <a:lumMod val="40000"/>
+                  <a:lumOff val="60000"/>
+                </a:schemeClr>
+              </a:buClr>
+              <a:buSzPct val="70000"/>
+            </a:pPr>
+            <a:r>
+              <a:rPr lang="bg-BG" sz="2200" b="1" noProof="1">
+                <a:solidFill>
+                  <a:schemeClr val="tx1"/>
+                </a:solidFill>
+                <a:effectLst>
+                  <a:outerShdw blurRad="38100" dist="38100" dir="2700000" algn="tl">
+                    <a:srgbClr val="000000">
+                      <a:alpha val="43137"/>
+                    </a:srgbClr>
+                  </a:outerShdw>
+                </a:effectLst>
+                <a:latin typeface="Consolas" pitchFamily="49" charset="0"/>
+                <a:cs typeface="Consolas" pitchFamily="49" charset="0"/>
+              </a:rPr>
+              <a:t>}</a:t>
+            </a:r>
+            <a:endParaRPr lang="en-US" sz="2200" b="1" noProof="1">
+              <a:solidFill>
+                <a:schemeClr val="tx1"/>
+              </a:solidFill>
+              <a:effectLst>
+                <a:outerShdw blurRad="38100" dist="38100" dir="2700000" algn="tl">
+                  <a:srgbClr val="000000">
+                    <a:alpha val="43137"/>
+                  </a:srgbClr>
+                </a:outerShdw>
+              </a:effectLst>
+              <a:latin typeface="Consolas" pitchFamily="49" charset="0"/>
+              <a:cs typeface="Consolas" pitchFamily="49" charset="0"/>
+            </a:endParaRPr>
+          </a:p>
+          <a:p>
+            <a:pPr eaLnBrk="0" hangingPunct="0">
+              <a:lnSpc>
+                <a:spcPct val="100000"/>
+              </a:lnSpc>
+              <a:spcBef>
+                <a:spcPts val="0"/>
+              </a:spcBef>
+              <a:buClr>
+                <a:schemeClr val="accent5">
+                  <a:lumMod val="40000"/>
+                  <a:lumOff val="60000"/>
+                </a:schemeClr>
+              </a:buClr>
+              <a:buSzPct val="70000"/>
+            </a:pPr>
+            <a:r>
+              <a:rPr lang="bg-BG" sz="2200" b="1" noProof="1">
+                <a:solidFill>
+                  <a:schemeClr val="tx1"/>
+                </a:solidFill>
+                <a:effectLst>
+                  <a:outerShdw blurRad="38100" dist="38100" dir="2700000" algn="tl">
+                    <a:srgbClr val="000000">
+                      <a:alpha val="43137"/>
+                    </a:srgbClr>
+                  </a:outerShdw>
+                </a:effectLst>
+                <a:latin typeface="Consolas" pitchFamily="49" charset="0"/>
+                <a:cs typeface="Consolas" pitchFamily="49" charset="0"/>
+              </a:rPr>
+              <a:t>//</a:t>
+            </a:r>
+            <a:r>
+              <a:rPr lang="en-US" sz="2200" b="1" noProof="1">
+                <a:solidFill>
+                  <a:schemeClr val="tx1"/>
+                </a:solidFill>
+                <a:effectLst>
+                  <a:outerShdw blurRad="38100" dist="38100" dir="2700000" algn="tl">
+                    <a:srgbClr val="000000">
+                      <a:alpha val="43137"/>
+                    </a:srgbClr>
+                  </a:outerShdw>
+                </a:effectLst>
+                <a:latin typeface="Consolas" pitchFamily="49" charset="0"/>
+                <a:cs typeface="Consolas" pitchFamily="49" charset="0"/>
+              </a:rPr>
+              <a:t> </a:t>
+            </a:r>
+            <a:r>
+              <a:rPr lang="bg-BG" sz="2200" b="1" noProof="1">
+                <a:solidFill>
+                  <a:schemeClr val="tx1"/>
+                </a:solidFill>
+                <a:effectLst>
+                  <a:outerShdw blurRad="38100" dist="38100" dir="2700000" algn="tl">
+                    <a:srgbClr val="000000">
+                      <a:alpha val="43137"/>
+                    </a:srgbClr>
+                  </a:outerShdw>
+                </a:effectLst>
+                <a:latin typeface="Consolas" pitchFamily="49" charset="0"/>
+                <a:cs typeface="Consolas" pitchFamily="49" charset="0"/>
+              </a:rPr>
+              <a:t>The result is 4 1 3 2 0</a:t>
+            </a:r>
+            <a:endParaRPr lang="en-US" sz="2200" b="1" noProof="1">
+              <a:solidFill>
+                <a:schemeClr val="tx1"/>
+              </a:solidFill>
+              <a:effectLst>
+                <a:outerShdw blurRad="38100" dist="38100" dir="2700000" algn="tl">
+                  <a:srgbClr val="000000">
+                    <a:alpha val="43137"/>
+                  </a:srgbClr>
+                </a:outerShdw>
+              </a:effectLst>
+              <a:latin typeface="Consolas" pitchFamily="49" charset="0"/>
+              <a:cs typeface="Consolas" pitchFamily="49" charset="0"/>
+            </a:endParaRPr>
+          </a:p>
+        </p:txBody>
+      </p:sp>
+    </p:spTree>
+    <p:extLst>
+      <p:ext uri="{BB962C8B-B14F-4D97-AF65-F5344CB8AC3E}">
+        <p14:creationId xmlns:p14="http://schemas.microsoft.com/office/powerpoint/2010/main" val="830529956"/>
+      </p:ext>
+    </p:extLst>
+  </p:cSld>
+  <p:clrMapOvr>
+    <a:masterClrMapping/>
+  </p:clrMapOvr>
+  <mc:AlternateContent xmlns:mc="http://schemas.openxmlformats.org/markup-compatibility/2006" xmlns:p14="http://schemas.microsoft.com/office/powerpoint/2010/main">
+    <mc:Choice Requires="p14">
+      <p:transition spd="med" p14:dur="700">
+        <p:fade/>
+      </p:transition>
+    </mc:Choice>
+    <mc:Fallback xmlns="">
+      <p:transition spd="med">
+        <p:fade/>
+      </p:transition>
+    </mc:Fallback>
+  </mc:AlternateContent>
+</p:sld>
+</file>
+
+<file path=ppt/slides/slide41.xml><?xml version="1.0" encoding="utf-8"?>
+<p:sld xmlns:a="http://schemas.openxmlformats.org/drawingml/2006/main" xmlns:r="http://schemas.openxmlformats.org/officeDocument/2006/relationships" xmlns:p="http://schemas.openxmlformats.org/presentationml/2006/main">
+  <p:cSld>
+    <p:spTree>
+      <p:nvGrpSpPr>
+        <p:cNvPr id="1" name=""/>
+        <p:cNvGrpSpPr/>
+        <p:nvPr/>
+      </p:nvGrpSpPr>
+      <p:grpSpPr>
+        <a:xfrm>
+          <a:off x="0" y="0"/>
+          <a:ext cx="0" cy="0"/>
+          <a:chOff x="0" y="0"/>
+          <a:chExt cx="0" cy="0"/>
+        </a:xfrm>
+      </p:grpSpPr>
+      <p:sp>
+        <p:nvSpPr>
+          <p:cNvPr id="2" name="Title 1"/>
+          <p:cNvSpPr>
+            <a:spLocks noGrp="1"/>
+          </p:cNvSpPr>
+          <p:nvPr>
+            <p:ph type="title"/>
+          </p:nvPr>
+        </p:nvSpPr>
+        <p:spPr/>
+        <p:txBody>
+          <a:bodyPr/>
+          <a:lstStyle/>
+          <a:p>
+            <a:r>
+              <a:rPr lang="en-US" dirty="0"/>
+              <a:t>Expression trees</a:t>
+            </a:r>
+            <a:endParaRPr lang="bg-BG" dirty="0"/>
+          </a:p>
+        </p:txBody>
+      </p:sp>
+      <p:sp>
+        <p:nvSpPr>
+          <p:cNvPr id="3" name="Content Placeholder 2"/>
+          <p:cNvSpPr>
+            <a:spLocks noGrp="1"/>
+          </p:cNvSpPr>
+          <p:nvPr>
+            <p:ph idx="1"/>
+          </p:nvPr>
+        </p:nvSpPr>
+        <p:spPr>
+          <a:xfrm>
+            <a:off x="1218883" y="1701797"/>
+            <a:ext cx="10360501" cy="4319492"/>
+          </a:xfrm>
+        </p:spPr>
+        <p:txBody>
+          <a:bodyPr/>
+          <a:lstStyle/>
+          <a:p>
+            <a:r>
+              <a:rPr lang="en-US" dirty="0"/>
+              <a:t>A query</a:t>
+            </a:r>
+            <a:r>
+              <a:rPr lang="en-US" dirty="0">
+                <a:solidFill>
+                  <a:schemeClr val="accent5">
+                    <a:lumMod val="20000"/>
+                    <a:lumOff val="80000"/>
+                  </a:schemeClr>
+                </a:solidFill>
+              </a:rPr>
+              <a:t> </a:t>
+            </a:r>
+            <a:r>
+              <a:rPr lang="en-US" dirty="0">
+                <a:solidFill>
+                  <a:schemeClr val="accent1"/>
+                </a:solidFill>
+              </a:rPr>
+              <a:t>expression tree </a:t>
+            </a:r>
+            <a:r>
+              <a:rPr lang="en-US" dirty="0"/>
+              <a:t>is an efficient data structure representing a LINQ expression</a:t>
+            </a:r>
+          </a:p>
+          <a:p>
+            <a:pPr lvl="1"/>
+            <a:r>
+              <a:rPr lang="en-US" dirty="0"/>
+              <a:t>Type of abstract syntax tree used for storing parsed expressions from the source code </a:t>
+            </a:r>
+          </a:p>
+          <a:p>
+            <a:pPr lvl="1"/>
+            <a:r>
+              <a:rPr lang="en-US" dirty="0"/>
+              <a:t>Lambda expressions often translate into query expression trees</a:t>
+            </a:r>
+          </a:p>
+          <a:p>
+            <a:r>
+              <a:rPr lang="en-US" noProof="1">
+                <a:solidFill>
+                  <a:schemeClr val="accent1"/>
+                </a:solidFill>
+                <a:latin typeface="Consolas" pitchFamily="49" charset="0"/>
+              </a:rPr>
+              <a:t>IQueryable&lt;T&gt;</a:t>
+            </a:r>
+            <a:r>
+              <a:rPr lang="en-US" dirty="0">
+                <a:solidFill>
+                  <a:schemeClr val="accent5">
+                    <a:lumMod val="20000"/>
+                    <a:lumOff val="80000"/>
+                  </a:schemeClr>
+                </a:solidFill>
+              </a:rPr>
+              <a:t> </a:t>
+            </a:r>
+            <a:r>
+              <a:rPr lang="en-US" dirty="0"/>
+              <a:t>is interface implemented by query providers (e.g. LINQ to SQL, LINQ to XML, LINQ to Entities)</a:t>
+            </a:r>
+          </a:p>
+          <a:p>
+            <a:r>
+              <a:rPr lang="en-US" noProof="1">
+                <a:solidFill>
+                  <a:schemeClr val="accent1"/>
+                </a:solidFill>
+                <a:latin typeface="Consolas" pitchFamily="49" charset="0"/>
+              </a:rPr>
+              <a:t>IQueryable&lt;T&gt;</a:t>
+            </a:r>
+            <a:r>
+              <a:rPr lang="en-US" dirty="0"/>
+              <a:t> objects use expression trees</a:t>
+            </a:r>
+          </a:p>
+          <a:p>
+            <a:endParaRPr lang="bg-BG" dirty="0"/>
+          </a:p>
+        </p:txBody>
+      </p:sp>
+    </p:spTree>
+    <p:extLst>
+      <p:ext uri="{BB962C8B-B14F-4D97-AF65-F5344CB8AC3E}">
+        <p14:creationId xmlns:p14="http://schemas.microsoft.com/office/powerpoint/2010/main" val="854622425"/>
+      </p:ext>
+    </p:extLst>
+  </p:cSld>
+  <p:clrMapOvr>
+    <a:masterClrMapping/>
+  </p:clrMapOvr>
+  <mc:AlternateContent xmlns:mc="http://schemas.openxmlformats.org/markup-compatibility/2006" xmlns:p14="http://schemas.microsoft.com/office/powerpoint/2010/main">
+    <mc:Choice Requires="p14">
+      <p:transition spd="med" p14:dur="700">
+        <p:fade/>
+      </p:transition>
+    </mc:Choice>
+    <mc:Fallback xmlns="">
+      <p:transition spd="med">
+        <p:fade/>
+      </p:transition>
+    </mc:Fallback>
+  </mc:AlternateContent>
+</p:sld>
+</file>
+
+<file path=ppt/slides/slide42.xml><?xml version="1.0" encoding="utf-8"?>
 <p:sld xmlns:a="http://schemas.openxmlformats.org/drawingml/2006/main" xmlns:r="http://schemas.openxmlformats.org/officeDocument/2006/relationships" xmlns:p="http://schemas.openxmlformats.org/presentationml/2006/main">
   <p:cSld>
     <p:spTree>
@@ -15213,7 +19004,7 @@
 </p:sld>
 </file>
 
-<file path=ppt/slides/slide36.xml><?xml version="1.0" encoding="utf-8"?>
+<file path=ppt/slides/slide43.xml><?xml version="1.0" encoding="utf-8"?>
 <p:sld xmlns:a="http://schemas.openxmlformats.org/drawingml/2006/main" xmlns:r="http://schemas.openxmlformats.org/officeDocument/2006/relationships" xmlns:p="http://schemas.openxmlformats.org/presentationml/2006/main">
   <p:cSld>
     <p:spTree>
@@ -15292,425 +19083,6 @@
     <p:extLst>
       <p:ext uri="{BB962C8B-B14F-4D97-AF65-F5344CB8AC3E}">
         <p14:creationId xmlns:p14="http://schemas.microsoft.com/office/powerpoint/2010/main" val="3481811342"/>
-      </p:ext>
-    </p:extLst>
-  </p:cSld>
-  <p:clrMapOvr>
-    <a:masterClrMapping/>
-  </p:clrMapOvr>
-  <mc:AlternateContent xmlns:mc="http://schemas.openxmlformats.org/markup-compatibility/2006" xmlns:p14="http://schemas.microsoft.com/office/powerpoint/2010/main">
-    <mc:Choice Requires="p14">
-      <p:transition spd="med" p14:dur="700">
-        <p:fade/>
-      </p:transition>
-    </mc:Choice>
-    <mc:Fallback xmlns="">
-      <p:transition spd="med">
-        <p:fade/>
-      </p:transition>
-    </mc:Fallback>
-  </mc:AlternateContent>
-</p:sld>
-</file>
-
-<file path=ppt/slides/slide4.xml><?xml version="1.0" encoding="utf-8"?>
-<p:sld xmlns:a="http://schemas.openxmlformats.org/drawingml/2006/main" xmlns:r="http://schemas.openxmlformats.org/officeDocument/2006/relationships" xmlns:p="http://schemas.openxmlformats.org/presentationml/2006/main">
-  <p:cSld>
-    <p:spTree>
-      <p:nvGrpSpPr>
-        <p:cNvPr id="1" name=""/>
-        <p:cNvGrpSpPr/>
-        <p:nvPr/>
-      </p:nvGrpSpPr>
-      <p:grpSpPr>
-        <a:xfrm>
-          <a:off x="0" y="0"/>
-          <a:ext cx="0" cy="0"/>
-          <a:chOff x="0" y="0"/>
-          <a:chExt cx="0" cy="0"/>
-        </a:xfrm>
-      </p:grpSpPr>
-      <p:sp>
-        <p:nvSpPr>
-          <p:cNvPr id="2" name="Title 1"/>
-          <p:cNvSpPr>
-            <a:spLocks noGrp="1"/>
-          </p:cNvSpPr>
-          <p:nvPr>
-            <p:ph type="title"/>
-          </p:nvPr>
-        </p:nvSpPr>
-        <p:spPr/>
-        <p:txBody>
-          <a:bodyPr/>
-          <a:lstStyle/>
-          <a:p>
-            <a:r>
-              <a:rPr lang="en-US" dirty="0"/>
-              <a:t>Classes</a:t>
-            </a:r>
-            <a:endParaRPr lang="bg-BG" dirty="0"/>
-          </a:p>
-        </p:txBody>
-      </p:sp>
-      <p:sp>
-        <p:nvSpPr>
-          <p:cNvPr id="3" name="Content Placeholder 2"/>
-          <p:cNvSpPr>
-            <a:spLocks noGrp="1"/>
-          </p:cNvSpPr>
-          <p:nvPr>
-            <p:ph idx="1"/>
-          </p:nvPr>
-        </p:nvSpPr>
-        <p:spPr/>
-        <p:txBody>
-          <a:bodyPr/>
-          <a:lstStyle/>
-          <a:p>
-            <a:pPr>
-              <a:lnSpc>
-                <a:spcPct val="100000"/>
-              </a:lnSpc>
-            </a:pPr>
-            <a:r>
-              <a:rPr lang="en-US" dirty="0"/>
-              <a:t>The formal definition of </a:t>
-            </a:r>
-            <a:r>
-              <a:rPr lang="en-US" dirty="0">
-                <a:solidFill>
-                  <a:schemeClr val="accent1"/>
-                </a:solidFill>
-              </a:rPr>
-              <a:t>class</a:t>
-            </a:r>
-            <a:r>
-              <a:rPr lang="en-US" dirty="0"/>
-              <a:t>:</a:t>
-            </a:r>
-          </a:p>
-          <a:p>
-            <a:pPr>
-              <a:lnSpc>
-                <a:spcPts val="4400"/>
-              </a:lnSpc>
-            </a:pPr>
-            <a:endParaRPr lang="en-US" dirty="0"/>
-          </a:p>
-          <a:p>
-            <a:pPr>
-              <a:lnSpc>
-                <a:spcPts val="4400"/>
-              </a:lnSpc>
-            </a:pPr>
-            <a:endParaRPr lang="en-US" dirty="0"/>
-          </a:p>
-          <a:p>
-            <a:pPr>
-              <a:lnSpc>
-                <a:spcPts val="4400"/>
-              </a:lnSpc>
-            </a:pPr>
-            <a:endParaRPr lang="en-US" dirty="0"/>
-          </a:p>
-          <a:p>
-            <a:pPr>
-              <a:lnSpc>
-                <a:spcPts val="4400"/>
-              </a:lnSpc>
-            </a:pPr>
-            <a:endParaRPr lang="en-US" dirty="0"/>
-          </a:p>
-          <a:p>
-            <a:pPr algn="r">
-              <a:lnSpc>
-                <a:spcPct val="100000"/>
-              </a:lnSpc>
-              <a:spcBef>
-                <a:spcPts val="1800"/>
-              </a:spcBef>
-              <a:buFontTx/>
-              <a:buNone/>
-            </a:pPr>
-            <a:r>
-              <a:rPr lang="en-US" sz="2400" dirty="0"/>
-              <a:t>Definition by </a:t>
-            </a:r>
-            <a:r>
-              <a:rPr lang="en-US" sz="2400" dirty="0">
-                <a:solidFill>
-                  <a:schemeClr val="accent1"/>
-                </a:solidFill>
-              </a:rPr>
-              <a:t>Google</a:t>
-            </a:r>
-            <a:endParaRPr lang="en-US" sz="3200" dirty="0">
-              <a:solidFill>
-                <a:schemeClr val="accent1"/>
-              </a:solidFill>
-            </a:endParaRPr>
-          </a:p>
-          <a:p>
-            <a:endParaRPr lang="bg-BG" dirty="0"/>
-          </a:p>
-        </p:txBody>
-      </p:sp>
-      <p:sp>
-        <p:nvSpPr>
-          <p:cNvPr id="4" name="Text Placeholder 6"/>
-          <p:cNvSpPr>
-            <a:spLocks noGrp="1"/>
-          </p:cNvSpPr>
-          <p:nvPr/>
-        </p:nvSpPr>
-        <p:spPr>
-          <a:xfrm>
-            <a:off x="2277988" y="2564904"/>
-            <a:ext cx="7467600" cy="2554545"/>
-          </a:xfrm>
-          <a:prstGeom prst="rect">
-            <a:avLst/>
-          </a:prstGeom>
-          <a:solidFill>
-            <a:schemeClr val="bg1">
-              <a:alpha val="15000"/>
-            </a:schemeClr>
-          </a:solidFill>
-          <a:ln w="12700">
-            <a:solidFill>
-              <a:schemeClr val="accent1"/>
-            </a:solidFill>
-          </a:ln>
-        </p:spPr>
-        <p:txBody>
-          <a:bodyPr wrap="square">
-            <a:spAutoFit/>
-          </a:bodyPr>
-          <a:lstStyle>
-            <a:defPPr>
-              <a:defRPr lang="en-US"/>
-            </a:defPPr>
-            <a:lvl1pPr algn="l" rtl="0" fontAlgn="base">
-              <a:spcBef>
-                <a:spcPct val="0"/>
-              </a:spcBef>
-              <a:spcAft>
-                <a:spcPct val="0"/>
-              </a:spcAft>
-              <a:defRPr sz="2500" kern="1200">
-                <a:solidFill>
-                  <a:srgbClr val="EBFFC2"/>
-                </a:solidFill>
-                <a:latin typeface="Corbel" pitchFamily="34" charset="0"/>
-                <a:ea typeface="+mn-ea"/>
-                <a:cs typeface="+mn-cs"/>
-              </a:defRPr>
-            </a:lvl1pPr>
-            <a:lvl2pPr marL="457200" algn="l" rtl="0" fontAlgn="base">
-              <a:spcBef>
-                <a:spcPct val="0"/>
-              </a:spcBef>
-              <a:spcAft>
-                <a:spcPct val="0"/>
-              </a:spcAft>
-              <a:defRPr sz="2500" kern="1200">
-                <a:solidFill>
-                  <a:srgbClr val="EBFFC2"/>
-                </a:solidFill>
-                <a:latin typeface="Corbel" pitchFamily="34" charset="0"/>
-                <a:ea typeface="+mn-ea"/>
-                <a:cs typeface="+mn-cs"/>
-              </a:defRPr>
-            </a:lvl2pPr>
-            <a:lvl3pPr marL="914400" algn="l" rtl="0" fontAlgn="base">
-              <a:spcBef>
-                <a:spcPct val="0"/>
-              </a:spcBef>
-              <a:spcAft>
-                <a:spcPct val="0"/>
-              </a:spcAft>
-              <a:defRPr sz="2500" kern="1200">
-                <a:solidFill>
-                  <a:srgbClr val="EBFFC2"/>
-                </a:solidFill>
-                <a:latin typeface="Corbel" pitchFamily="34" charset="0"/>
-                <a:ea typeface="+mn-ea"/>
-                <a:cs typeface="+mn-cs"/>
-              </a:defRPr>
-            </a:lvl3pPr>
-            <a:lvl4pPr marL="1371600" algn="l" rtl="0" fontAlgn="base">
-              <a:spcBef>
-                <a:spcPct val="0"/>
-              </a:spcBef>
-              <a:spcAft>
-                <a:spcPct val="0"/>
-              </a:spcAft>
-              <a:defRPr sz="2500" kern="1200">
-                <a:solidFill>
-                  <a:srgbClr val="EBFFC2"/>
-                </a:solidFill>
-                <a:latin typeface="Corbel" pitchFamily="34" charset="0"/>
-                <a:ea typeface="+mn-ea"/>
-                <a:cs typeface="+mn-cs"/>
-              </a:defRPr>
-            </a:lvl4pPr>
-            <a:lvl5pPr marL="1828800" algn="l" rtl="0" fontAlgn="base">
-              <a:spcBef>
-                <a:spcPct val="0"/>
-              </a:spcBef>
-              <a:spcAft>
-                <a:spcPct val="0"/>
-              </a:spcAft>
-              <a:defRPr sz="2500" kern="1200">
-                <a:solidFill>
-                  <a:srgbClr val="EBFFC2"/>
-                </a:solidFill>
-                <a:latin typeface="Corbel" pitchFamily="34" charset="0"/>
-                <a:ea typeface="+mn-ea"/>
-                <a:cs typeface="+mn-cs"/>
-              </a:defRPr>
-            </a:lvl5pPr>
-            <a:lvl6pPr marL="2286000" algn="l" defTabSz="914400" rtl="0" eaLnBrk="1" latinLnBrk="0" hangingPunct="1">
-              <a:defRPr sz="2500" kern="1200">
-                <a:solidFill>
-                  <a:srgbClr val="EBFFC2"/>
-                </a:solidFill>
-                <a:latin typeface="Corbel" pitchFamily="34" charset="0"/>
-                <a:ea typeface="+mn-ea"/>
-                <a:cs typeface="+mn-cs"/>
-              </a:defRPr>
-            </a:lvl6pPr>
-            <a:lvl7pPr marL="2743200" algn="l" defTabSz="914400" rtl="0" eaLnBrk="1" latinLnBrk="0" hangingPunct="1">
-              <a:defRPr sz="2500" kern="1200">
-                <a:solidFill>
-                  <a:srgbClr val="EBFFC2"/>
-                </a:solidFill>
-                <a:latin typeface="Corbel" pitchFamily="34" charset="0"/>
-                <a:ea typeface="+mn-ea"/>
-                <a:cs typeface="+mn-cs"/>
-              </a:defRPr>
-            </a:lvl7pPr>
-            <a:lvl8pPr marL="3200400" algn="l" defTabSz="914400" rtl="0" eaLnBrk="1" latinLnBrk="0" hangingPunct="1">
-              <a:defRPr sz="2500" kern="1200">
-                <a:solidFill>
-                  <a:srgbClr val="EBFFC2"/>
-                </a:solidFill>
-                <a:latin typeface="Corbel" pitchFamily="34" charset="0"/>
-                <a:ea typeface="+mn-ea"/>
-                <a:cs typeface="+mn-cs"/>
-              </a:defRPr>
-            </a:lvl8pPr>
-            <a:lvl9pPr marL="3657600" algn="l" defTabSz="914400" rtl="0" eaLnBrk="1" latinLnBrk="0" hangingPunct="1">
-              <a:defRPr sz="2500" kern="1200">
-                <a:solidFill>
-                  <a:srgbClr val="EBFFC2"/>
-                </a:solidFill>
-                <a:latin typeface="Corbel" pitchFamily="34" charset="0"/>
-                <a:ea typeface="+mn-ea"/>
-                <a:cs typeface="+mn-cs"/>
-              </a:defRPr>
-            </a:lvl9pPr>
-          </a:lstStyle>
-          <a:p>
-            <a:pPr algn="just"/>
-            <a:r>
-              <a:rPr lang="en-US" sz="3200" dirty="0">
-                <a:solidFill>
-                  <a:schemeClr val="accent1"/>
-                </a:solidFill>
-                <a:latin typeface="+mn-lt"/>
-              </a:rPr>
-              <a:t>Classes</a:t>
-            </a:r>
-            <a:r>
-              <a:rPr lang="en-US" sz="3200" dirty="0">
-                <a:solidFill>
-                  <a:schemeClr val="tx1"/>
-                </a:solidFill>
-                <a:latin typeface="+mn-lt"/>
-              </a:rPr>
-              <a:t> act as templates from which an </a:t>
-            </a:r>
-            <a:r>
-              <a:rPr lang="en-US" sz="3200" dirty="0">
-                <a:solidFill>
-                  <a:schemeClr val="accent1"/>
-                </a:solidFill>
-                <a:latin typeface="+mn-lt"/>
-              </a:rPr>
-              <a:t>instance</a:t>
-            </a:r>
-            <a:r>
-              <a:rPr lang="en-US" sz="3200" dirty="0">
-                <a:solidFill>
-                  <a:schemeClr val="tx1"/>
-                </a:solidFill>
-                <a:latin typeface="+mn-lt"/>
-              </a:rPr>
-              <a:t> of an </a:t>
-            </a:r>
-            <a:r>
-              <a:rPr lang="en-US" sz="3200" dirty="0">
-                <a:solidFill>
-                  <a:schemeClr val="accent1"/>
-                </a:solidFill>
-                <a:latin typeface="+mn-lt"/>
-              </a:rPr>
-              <a:t>object</a:t>
-            </a:r>
-            <a:r>
-              <a:rPr lang="en-US" sz="3200" dirty="0">
-                <a:solidFill>
-                  <a:schemeClr val="tx1"/>
-                </a:solidFill>
-                <a:latin typeface="+mn-lt"/>
-              </a:rPr>
-              <a:t> is created at run time. Classes define the </a:t>
-            </a:r>
-            <a:r>
-              <a:rPr lang="en-US" sz="3200" dirty="0">
-                <a:solidFill>
-                  <a:schemeClr val="accent1"/>
-                </a:solidFill>
-                <a:latin typeface="+mn-lt"/>
-              </a:rPr>
-              <a:t>properties</a:t>
-            </a:r>
-            <a:r>
-              <a:rPr lang="en-US" sz="3200" dirty="0">
-                <a:solidFill>
-                  <a:schemeClr val="tx1"/>
-                </a:solidFill>
-                <a:latin typeface="+mn-lt"/>
-              </a:rPr>
-              <a:t> of the object and the </a:t>
-            </a:r>
-            <a:r>
-              <a:rPr lang="en-US" sz="3200" dirty="0">
-                <a:solidFill>
-                  <a:schemeClr val="accent1"/>
-                </a:solidFill>
-                <a:latin typeface="+mn-lt"/>
-              </a:rPr>
-              <a:t>methods</a:t>
-            </a:r>
-            <a:r>
-              <a:rPr lang="en-US" sz="3200" dirty="0">
-                <a:solidFill>
-                  <a:schemeClr val="tx1"/>
-                </a:solidFill>
-                <a:latin typeface="+mn-lt"/>
-              </a:rPr>
-              <a:t> used to control the object's behavior.</a:t>
-            </a:r>
-          </a:p>
-        </p:txBody>
-      </p:sp>
-    </p:spTree>
-    <p:extLst>
-      <p:ext uri="{BB962C8B-B14F-4D97-AF65-F5344CB8AC3E}">
-        <p14:creationId xmlns:p14="http://schemas.microsoft.com/office/powerpoint/2010/main" val="3145173681"/>
       </p:ext>
     </p:extLst>
   </p:cSld>
@@ -17827,139 +21199,12 @@
 </file>
 
 <file path=customXml/item1.xml><?xml version="1.0" encoding="utf-8"?>
-<p:properties xmlns:p="http://schemas.microsoft.com/office/2006/metadata/properties" xmlns:xsi="http://www.w3.org/2001/XMLSchema-instance" xmlns:pc="http://schemas.microsoft.com/office/infopath/2007/PartnerControls">
-  <documentManagement>
-    <LocPublishedLinkedAssetsLookup xmlns="4873beb7-5857-4685-be1f-d57550cc96cc" xsi:nil="true"/>
-    <ApprovalStatus xmlns="4873beb7-5857-4685-be1f-d57550cc96cc">InProgress</ApprovalStatus>
-    <MarketSpecific xmlns="4873beb7-5857-4685-be1f-d57550cc96cc">false</MarketSpecific>
-    <LocComments xmlns="4873beb7-5857-4685-be1f-d57550cc96cc" xsi:nil="true"/>
-    <LocLastLocAttemptVersionTypeLookup xmlns="4873beb7-5857-4685-be1f-d57550cc96cc" xsi:nil="true"/>
-    <DirectSourceMarket xmlns="4873beb7-5857-4685-be1f-d57550cc96cc" xsi:nil="true"/>
-    <ThumbnailAssetId xmlns="4873beb7-5857-4685-be1f-d57550cc96cc" xsi:nil="true"/>
-    <PrimaryImageGen xmlns="4873beb7-5857-4685-be1f-d57550cc96cc">false</PrimaryImageGen>
-    <LocNewPublishedVersionLookup xmlns="4873beb7-5857-4685-be1f-d57550cc96cc" xsi:nil="true"/>
-    <LegacyData xmlns="4873beb7-5857-4685-be1f-d57550cc96cc" xsi:nil="true"/>
-    <LocRecommendedHandoff xmlns="4873beb7-5857-4685-be1f-d57550cc96cc" xsi:nil="true"/>
-    <BusinessGroup xmlns="4873beb7-5857-4685-be1f-d57550cc96cc" xsi:nil="true"/>
-    <BlockPublish xmlns="4873beb7-5857-4685-be1f-d57550cc96cc">false</BlockPublish>
-    <TPFriendlyName xmlns="4873beb7-5857-4685-be1f-d57550cc96cc" xsi:nil="true"/>
-    <LocOverallPublishStatusLookup xmlns="4873beb7-5857-4685-be1f-d57550cc96cc" xsi:nil="true"/>
-    <NumericId xmlns="4873beb7-5857-4685-be1f-d57550cc96cc" xsi:nil="true"/>
-    <APEditor xmlns="4873beb7-5857-4685-be1f-d57550cc96cc">
-      <UserInfo>
-        <DisplayName/>
-        <AccountId xsi:nil="true"/>
-        <AccountType/>
-      </UserInfo>
-    </APEditor>
-    <SourceTitle xmlns="4873beb7-5857-4685-be1f-d57550cc96cc" xsi:nil="true"/>
-    <OpenTemplate xmlns="4873beb7-5857-4685-be1f-d57550cc96cc">true</OpenTemplate>
-    <LocOverallLocStatusLookup xmlns="4873beb7-5857-4685-be1f-d57550cc96cc" xsi:nil="true"/>
-    <UALocComments xmlns="4873beb7-5857-4685-be1f-d57550cc96cc" xsi:nil="true"/>
-    <ParentAssetId xmlns="4873beb7-5857-4685-be1f-d57550cc96cc" xsi:nil="true"/>
-    <IntlLangReviewDate xmlns="4873beb7-5857-4685-be1f-d57550cc96cc" xsi:nil="true"/>
-    <FeatureTagsTaxHTField0 xmlns="4873beb7-5857-4685-be1f-d57550cc96cc">
-      <Terms xmlns="http://schemas.microsoft.com/office/infopath/2007/PartnerControls"/>
-    </FeatureTagsTaxHTField0>
-    <PublishStatusLookup xmlns="4873beb7-5857-4685-be1f-d57550cc96cc">
-      <Value>1345093</Value>
-    </PublishStatusLookup>
-    <Providers xmlns="4873beb7-5857-4685-be1f-d57550cc96cc" xsi:nil="true"/>
-    <MachineTranslated xmlns="4873beb7-5857-4685-be1f-d57550cc96cc">false</MachineTranslated>
-    <OriginalSourceMarket xmlns="4873beb7-5857-4685-be1f-d57550cc96cc" xsi:nil="true"/>
-    <APDescription xmlns="4873beb7-5857-4685-be1f-d57550cc96cc">This simple template design works for technology and  businesses, but it's versatile enough to use in other contexts.  It features multiple slide layouts designed for widescreen (16x9 resolution) and includes a sample SmartArt list and chart that are easily editable.</APDescription>
-    <ClipArtFilename xmlns="4873beb7-5857-4685-be1f-d57550cc96cc" xsi:nil="true"/>
-    <ContentItem xmlns="4873beb7-5857-4685-be1f-d57550cc96cc" xsi:nil="true"/>
-    <TPInstallLocation xmlns="4873beb7-5857-4685-be1f-d57550cc96cc" xsi:nil="true"/>
-    <PublishTargets xmlns="4873beb7-5857-4685-be1f-d57550cc96cc">OfficeOnlineVNext</PublishTargets>
-    <TimesCloned xmlns="4873beb7-5857-4685-be1f-d57550cc96cc" xsi:nil="true"/>
-    <AssetStart xmlns="4873beb7-5857-4685-be1f-d57550cc96cc">2011-11-26T00:30:00+00:00</AssetStart>
-    <Provider xmlns="4873beb7-5857-4685-be1f-d57550cc96cc" xsi:nil="true"/>
-    <AcquiredFrom xmlns="4873beb7-5857-4685-be1f-d57550cc96cc">Internal MS</AcquiredFrom>
-    <FriendlyTitle xmlns="4873beb7-5857-4685-be1f-d57550cc96cc" xsi:nil="true"/>
-    <LastHandOff xmlns="4873beb7-5857-4685-be1f-d57550cc96cc" xsi:nil="true"/>
-    <TPClientViewer xmlns="4873beb7-5857-4685-be1f-d57550cc96cc" xsi:nil="true"/>
-    <TemplateStatus xmlns="4873beb7-5857-4685-be1f-d57550cc96cc">Complete</TemplateStatus>
-    <Downloads xmlns="4873beb7-5857-4685-be1f-d57550cc96cc">0</Downloads>
-    <OOCacheId xmlns="4873beb7-5857-4685-be1f-d57550cc96cc" xsi:nil="true"/>
-    <IsDeleted xmlns="4873beb7-5857-4685-be1f-d57550cc96cc">false</IsDeleted>
-    <LocPublishedDependentAssetsLookup xmlns="4873beb7-5857-4685-be1f-d57550cc96cc" xsi:nil="true"/>
-    <TPExecutable xmlns="4873beb7-5857-4685-be1f-d57550cc96cc" xsi:nil="true"/>
-    <EditorialTags xmlns="4873beb7-5857-4685-be1f-d57550cc96cc" xsi:nil="true"/>
-    <SubmitterId xmlns="4873beb7-5857-4685-be1f-d57550cc96cc" xsi:nil="true"/>
-    <ApprovalLog xmlns="4873beb7-5857-4685-be1f-d57550cc96cc" xsi:nil="true"/>
-    <AssetType xmlns="4873beb7-5857-4685-be1f-d57550cc96cc">TP</AssetType>
-    <BugNumber xmlns="4873beb7-5857-4685-be1f-d57550cc96cc" xsi:nil="true"/>
-    <CSXSubmissionDate xmlns="4873beb7-5857-4685-be1f-d57550cc96cc" xsi:nil="true"/>
-    <CSXUpdate xmlns="4873beb7-5857-4685-be1f-d57550cc96cc">false</CSXUpdate>
-    <Milestone xmlns="4873beb7-5857-4685-be1f-d57550cc96cc" xsi:nil="true"/>
-    <RecommendationsModifier xmlns="4873beb7-5857-4685-be1f-d57550cc96cc" xsi:nil="true"/>
-    <OriginAsset xmlns="4873beb7-5857-4685-be1f-d57550cc96cc" xsi:nil="true"/>
-    <TPComponent xmlns="4873beb7-5857-4685-be1f-d57550cc96cc" xsi:nil="true"/>
-    <AssetId xmlns="4873beb7-5857-4685-be1f-d57550cc96cc">TP102787989</AssetId>
-    <IntlLocPriority xmlns="4873beb7-5857-4685-be1f-d57550cc96cc" xsi:nil="true"/>
-    <PolicheckWords xmlns="4873beb7-5857-4685-be1f-d57550cc96cc" xsi:nil="true"/>
-    <TPLaunchHelpLink xmlns="4873beb7-5857-4685-be1f-d57550cc96cc" xsi:nil="true"/>
-    <TPApplication xmlns="4873beb7-5857-4685-be1f-d57550cc96cc" xsi:nil="true"/>
-    <CrawlForDependencies xmlns="4873beb7-5857-4685-be1f-d57550cc96cc">false</CrawlForDependencies>
-    <HandoffToMSDN xmlns="4873beb7-5857-4685-be1f-d57550cc96cc" xsi:nil="true"/>
-    <PlannedPubDate xmlns="4873beb7-5857-4685-be1f-d57550cc96cc" xsi:nil="true"/>
-    <IntlLangReviewer xmlns="4873beb7-5857-4685-be1f-d57550cc96cc" xsi:nil="true"/>
-    <TrustLevel xmlns="4873beb7-5857-4685-be1f-d57550cc96cc">1 Microsoft Managed Content</TrustLevel>
-    <LocLastLocAttemptVersionLookup xmlns="4873beb7-5857-4685-be1f-d57550cc96cc">694266</LocLastLocAttemptVersionLookup>
-    <LocProcessedForHandoffsLookup xmlns="4873beb7-5857-4685-be1f-d57550cc96cc" xsi:nil="true"/>
-    <IsSearchable xmlns="4873beb7-5857-4685-be1f-d57550cc96cc">true</IsSearchable>
-    <TemplateTemplateType xmlns="4873beb7-5857-4685-be1f-d57550cc96cc">PowerPoint Presentation Template</TemplateTemplateType>
-    <CampaignTagsTaxHTField0 xmlns="4873beb7-5857-4685-be1f-d57550cc96cc">
-      <Terms xmlns="http://schemas.microsoft.com/office/infopath/2007/PartnerControls"/>
-    </CampaignTagsTaxHTField0>
-    <TPNamespace xmlns="4873beb7-5857-4685-be1f-d57550cc96cc" xsi:nil="true"/>
-    <LocOverallPreviewStatusLookup xmlns="4873beb7-5857-4685-be1f-d57550cc96cc" xsi:nil="true"/>
-    <TaxCatchAll xmlns="4873beb7-5857-4685-be1f-d57550cc96cc"/>
-    <Markets xmlns="4873beb7-5857-4685-be1f-d57550cc96cc"/>
-    <UAProjectedTotalWords xmlns="4873beb7-5857-4685-be1f-d57550cc96cc" xsi:nil="true"/>
-    <IntlLangReview xmlns="4873beb7-5857-4685-be1f-d57550cc96cc" xsi:nil="true"/>
-    <OutputCachingOn xmlns="4873beb7-5857-4685-be1f-d57550cc96cc">false</OutputCachingOn>
-    <AverageRating xmlns="4873beb7-5857-4685-be1f-d57550cc96cc" xsi:nil="true"/>
-    <APAuthor xmlns="4873beb7-5857-4685-be1f-d57550cc96cc">
-      <UserInfo>
-        <DisplayName>REDMOND\kristaa</DisplayName>
-        <AccountId>136</AccountId>
-        <AccountType/>
-      </UserInfo>
-    </APAuthor>
-    <LocManualTestRequired xmlns="4873beb7-5857-4685-be1f-d57550cc96cc">false</LocManualTestRequired>
-    <TPCommandLine xmlns="4873beb7-5857-4685-be1f-d57550cc96cc" xsi:nil="true"/>
-    <TPAppVersion xmlns="4873beb7-5857-4685-be1f-d57550cc96cc" xsi:nil="true"/>
-    <EditorialStatus xmlns="4873beb7-5857-4685-be1f-d57550cc96cc">Complete</EditorialStatus>
-    <LastModifiedDateTime xmlns="4873beb7-5857-4685-be1f-d57550cc96cc" xsi:nil="true"/>
-    <ScenarioTagsTaxHTField0 xmlns="4873beb7-5857-4685-be1f-d57550cc96cc">
-      <Terms xmlns="http://schemas.microsoft.com/office/infopath/2007/PartnerControls"/>
-    </ScenarioTagsTaxHTField0>
-    <LocProcessedForMarketsLookup xmlns="4873beb7-5857-4685-be1f-d57550cc96cc" xsi:nil="true"/>
-    <TPLaunchHelpLinkType xmlns="4873beb7-5857-4685-be1f-d57550cc96cc">Template</TPLaunchHelpLinkType>
-    <OriginalRelease xmlns="4873beb7-5857-4685-be1f-d57550cc96cc">15</OriginalRelease>
-    <LocalizationTagsTaxHTField0 xmlns="4873beb7-5857-4685-be1f-d57550cc96cc">
-      <Terms xmlns="http://schemas.microsoft.com/office/infopath/2007/PartnerControls"/>
-    </LocalizationTagsTaxHTField0>
-    <UACurrentWords xmlns="4873beb7-5857-4685-be1f-d57550cc96cc" xsi:nil="true"/>
-    <ArtSampleDocs xmlns="4873beb7-5857-4685-be1f-d57550cc96cc" xsi:nil="true"/>
-    <UALocRecommendation xmlns="4873beb7-5857-4685-be1f-d57550cc96cc">Localize</UALocRecommendation>
-    <Manager xmlns="4873beb7-5857-4685-be1f-d57550cc96cc" xsi:nil="true"/>
-    <LocOverallHandbackStatusLookup xmlns="4873beb7-5857-4685-be1f-d57550cc96cc" xsi:nil="true"/>
-    <ShowIn xmlns="4873beb7-5857-4685-be1f-d57550cc96cc">Show everywhere</ShowIn>
-    <UANotes xmlns="4873beb7-5857-4685-be1f-d57550cc96cc" xsi:nil="true"/>
-    <InternalTagsTaxHTField0 xmlns="4873beb7-5857-4685-be1f-d57550cc96cc">
-      <Terms xmlns="http://schemas.microsoft.com/office/infopath/2007/PartnerControls"/>
-    </InternalTagsTaxHTField0>
-    <CSXHash xmlns="4873beb7-5857-4685-be1f-d57550cc96cc" xsi:nil="true"/>
-    <VoteCount xmlns="4873beb7-5857-4685-be1f-d57550cc96cc" xsi:nil="true"/>
-    <AssetExpire xmlns="4873beb7-5857-4685-be1f-d57550cc96cc">2029-05-12T07:00:00+00:00</AssetExpire>
-    <DSATActionTaken xmlns="4873beb7-5857-4685-be1f-d57550cc96cc" xsi:nil="true"/>
-    <CSXSubmissionMarket xmlns="4873beb7-5857-4685-be1f-d57550cc96cc" xsi:nil="true"/>
-    <LocMarketGroupTiers2 xmlns="4873beb7-5857-4685-be1f-d57550cc96cc" xsi:nil="true"/>
-  </documentManagement>
-</p:properties>
+<?mso-contentType ?>
+<FormTemplates xmlns="http://schemas.microsoft.com/sharepoint/v3/contenttype/forms">
+  <Display>DocumentLibraryForm</Display>
+  <Edit>AssetEditForm</Edit>
+  <New>DocumentLibraryForm</New>
+</FormTemplates>
 </file>
 
 <file path=customXml/item2.xml><?xml version="1.0" encoding="utf-8"?>
@@ -19003,26 +22248,145 @@
 </file>
 
 <file path=customXml/item3.xml><?xml version="1.0" encoding="utf-8"?>
-<?mso-contentType ?>
-<FormTemplates xmlns="http://schemas.microsoft.com/sharepoint/v3/contenttype/forms">
-  <Display>DocumentLibraryForm</Display>
-  <Edit>AssetEditForm</Edit>
-  <New>DocumentLibraryForm</New>
-</FormTemplates>
+<p:properties xmlns:p="http://schemas.microsoft.com/office/2006/metadata/properties" xmlns:xsi="http://www.w3.org/2001/XMLSchema-instance" xmlns:pc="http://schemas.microsoft.com/office/infopath/2007/PartnerControls">
+  <documentManagement>
+    <LocPublishedLinkedAssetsLookup xmlns="4873beb7-5857-4685-be1f-d57550cc96cc" xsi:nil="true"/>
+    <ApprovalStatus xmlns="4873beb7-5857-4685-be1f-d57550cc96cc">InProgress</ApprovalStatus>
+    <MarketSpecific xmlns="4873beb7-5857-4685-be1f-d57550cc96cc">false</MarketSpecific>
+    <LocComments xmlns="4873beb7-5857-4685-be1f-d57550cc96cc" xsi:nil="true"/>
+    <LocLastLocAttemptVersionTypeLookup xmlns="4873beb7-5857-4685-be1f-d57550cc96cc" xsi:nil="true"/>
+    <DirectSourceMarket xmlns="4873beb7-5857-4685-be1f-d57550cc96cc" xsi:nil="true"/>
+    <ThumbnailAssetId xmlns="4873beb7-5857-4685-be1f-d57550cc96cc" xsi:nil="true"/>
+    <PrimaryImageGen xmlns="4873beb7-5857-4685-be1f-d57550cc96cc">false</PrimaryImageGen>
+    <LocNewPublishedVersionLookup xmlns="4873beb7-5857-4685-be1f-d57550cc96cc" xsi:nil="true"/>
+    <LegacyData xmlns="4873beb7-5857-4685-be1f-d57550cc96cc" xsi:nil="true"/>
+    <LocRecommendedHandoff xmlns="4873beb7-5857-4685-be1f-d57550cc96cc" xsi:nil="true"/>
+    <BusinessGroup xmlns="4873beb7-5857-4685-be1f-d57550cc96cc" xsi:nil="true"/>
+    <BlockPublish xmlns="4873beb7-5857-4685-be1f-d57550cc96cc">false</BlockPublish>
+    <TPFriendlyName xmlns="4873beb7-5857-4685-be1f-d57550cc96cc" xsi:nil="true"/>
+    <LocOverallPublishStatusLookup xmlns="4873beb7-5857-4685-be1f-d57550cc96cc" xsi:nil="true"/>
+    <NumericId xmlns="4873beb7-5857-4685-be1f-d57550cc96cc" xsi:nil="true"/>
+    <APEditor xmlns="4873beb7-5857-4685-be1f-d57550cc96cc">
+      <UserInfo>
+        <DisplayName/>
+        <AccountId xsi:nil="true"/>
+        <AccountType/>
+      </UserInfo>
+    </APEditor>
+    <SourceTitle xmlns="4873beb7-5857-4685-be1f-d57550cc96cc" xsi:nil="true"/>
+    <OpenTemplate xmlns="4873beb7-5857-4685-be1f-d57550cc96cc">true</OpenTemplate>
+    <LocOverallLocStatusLookup xmlns="4873beb7-5857-4685-be1f-d57550cc96cc" xsi:nil="true"/>
+    <UALocComments xmlns="4873beb7-5857-4685-be1f-d57550cc96cc" xsi:nil="true"/>
+    <ParentAssetId xmlns="4873beb7-5857-4685-be1f-d57550cc96cc" xsi:nil="true"/>
+    <IntlLangReviewDate xmlns="4873beb7-5857-4685-be1f-d57550cc96cc" xsi:nil="true"/>
+    <FeatureTagsTaxHTField0 xmlns="4873beb7-5857-4685-be1f-d57550cc96cc">
+      <Terms xmlns="http://schemas.microsoft.com/office/infopath/2007/PartnerControls"/>
+    </FeatureTagsTaxHTField0>
+    <PublishStatusLookup xmlns="4873beb7-5857-4685-be1f-d57550cc96cc">
+      <Value>1345093</Value>
+    </PublishStatusLookup>
+    <Providers xmlns="4873beb7-5857-4685-be1f-d57550cc96cc" xsi:nil="true"/>
+    <MachineTranslated xmlns="4873beb7-5857-4685-be1f-d57550cc96cc">false</MachineTranslated>
+    <OriginalSourceMarket xmlns="4873beb7-5857-4685-be1f-d57550cc96cc" xsi:nil="true"/>
+    <APDescription xmlns="4873beb7-5857-4685-be1f-d57550cc96cc">This simple template design works for technology and  businesses, but it's versatile enough to use in other contexts.  It features multiple slide layouts designed for widescreen (16x9 resolution) and includes a sample SmartArt list and chart that are easily editable.</APDescription>
+    <ClipArtFilename xmlns="4873beb7-5857-4685-be1f-d57550cc96cc" xsi:nil="true"/>
+    <ContentItem xmlns="4873beb7-5857-4685-be1f-d57550cc96cc" xsi:nil="true"/>
+    <TPInstallLocation xmlns="4873beb7-5857-4685-be1f-d57550cc96cc" xsi:nil="true"/>
+    <PublishTargets xmlns="4873beb7-5857-4685-be1f-d57550cc96cc">OfficeOnlineVNext</PublishTargets>
+    <TimesCloned xmlns="4873beb7-5857-4685-be1f-d57550cc96cc" xsi:nil="true"/>
+    <AssetStart xmlns="4873beb7-5857-4685-be1f-d57550cc96cc">2011-11-26T00:30:00+00:00</AssetStart>
+    <Provider xmlns="4873beb7-5857-4685-be1f-d57550cc96cc" xsi:nil="true"/>
+    <AcquiredFrom xmlns="4873beb7-5857-4685-be1f-d57550cc96cc">Internal MS</AcquiredFrom>
+    <FriendlyTitle xmlns="4873beb7-5857-4685-be1f-d57550cc96cc" xsi:nil="true"/>
+    <LastHandOff xmlns="4873beb7-5857-4685-be1f-d57550cc96cc" xsi:nil="true"/>
+    <TPClientViewer xmlns="4873beb7-5857-4685-be1f-d57550cc96cc" xsi:nil="true"/>
+    <TemplateStatus xmlns="4873beb7-5857-4685-be1f-d57550cc96cc">Complete</TemplateStatus>
+    <Downloads xmlns="4873beb7-5857-4685-be1f-d57550cc96cc">0</Downloads>
+    <OOCacheId xmlns="4873beb7-5857-4685-be1f-d57550cc96cc" xsi:nil="true"/>
+    <IsDeleted xmlns="4873beb7-5857-4685-be1f-d57550cc96cc">false</IsDeleted>
+    <LocPublishedDependentAssetsLookup xmlns="4873beb7-5857-4685-be1f-d57550cc96cc" xsi:nil="true"/>
+    <TPExecutable xmlns="4873beb7-5857-4685-be1f-d57550cc96cc" xsi:nil="true"/>
+    <EditorialTags xmlns="4873beb7-5857-4685-be1f-d57550cc96cc" xsi:nil="true"/>
+    <SubmitterId xmlns="4873beb7-5857-4685-be1f-d57550cc96cc" xsi:nil="true"/>
+    <ApprovalLog xmlns="4873beb7-5857-4685-be1f-d57550cc96cc" xsi:nil="true"/>
+    <AssetType xmlns="4873beb7-5857-4685-be1f-d57550cc96cc">TP</AssetType>
+    <BugNumber xmlns="4873beb7-5857-4685-be1f-d57550cc96cc" xsi:nil="true"/>
+    <CSXSubmissionDate xmlns="4873beb7-5857-4685-be1f-d57550cc96cc" xsi:nil="true"/>
+    <CSXUpdate xmlns="4873beb7-5857-4685-be1f-d57550cc96cc">false</CSXUpdate>
+    <Milestone xmlns="4873beb7-5857-4685-be1f-d57550cc96cc" xsi:nil="true"/>
+    <RecommendationsModifier xmlns="4873beb7-5857-4685-be1f-d57550cc96cc" xsi:nil="true"/>
+    <OriginAsset xmlns="4873beb7-5857-4685-be1f-d57550cc96cc" xsi:nil="true"/>
+    <TPComponent xmlns="4873beb7-5857-4685-be1f-d57550cc96cc" xsi:nil="true"/>
+    <AssetId xmlns="4873beb7-5857-4685-be1f-d57550cc96cc">TP102787989</AssetId>
+    <IntlLocPriority xmlns="4873beb7-5857-4685-be1f-d57550cc96cc" xsi:nil="true"/>
+    <PolicheckWords xmlns="4873beb7-5857-4685-be1f-d57550cc96cc" xsi:nil="true"/>
+    <TPLaunchHelpLink xmlns="4873beb7-5857-4685-be1f-d57550cc96cc" xsi:nil="true"/>
+    <TPApplication xmlns="4873beb7-5857-4685-be1f-d57550cc96cc" xsi:nil="true"/>
+    <CrawlForDependencies xmlns="4873beb7-5857-4685-be1f-d57550cc96cc">false</CrawlForDependencies>
+    <HandoffToMSDN xmlns="4873beb7-5857-4685-be1f-d57550cc96cc" xsi:nil="true"/>
+    <PlannedPubDate xmlns="4873beb7-5857-4685-be1f-d57550cc96cc" xsi:nil="true"/>
+    <IntlLangReviewer xmlns="4873beb7-5857-4685-be1f-d57550cc96cc" xsi:nil="true"/>
+    <TrustLevel xmlns="4873beb7-5857-4685-be1f-d57550cc96cc">1 Microsoft Managed Content</TrustLevel>
+    <LocLastLocAttemptVersionLookup xmlns="4873beb7-5857-4685-be1f-d57550cc96cc">694266</LocLastLocAttemptVersionLookup>
+    <LocProcessedForHandoffsLookup xmlns="4873beb7-5857-4685-be1f-d57550cc96cc" xsi:nil="true"/>
+    <IsSearchable xmlns="4873beb7-5857-4685-be1f-d57550cc96cc">true</IsSearchable>
+    <TemplateTemplateType xmlns="4873beb7-5857-4685-be1f-d57550cc96cc">PowerPoint Presentation Template</TemplateTemplateType>
+    <CampaignTagsTaxHTField0 xmlns="4873beb7-5857-4685-be1f-d57550cc96cc">
+      <Terms xmlns="http://schemas.microsoft.com/office/infopath/2007/PartnerControls"/>
+    </CampaignTagsTaxHTField0>
+    <TPNamespace xmlns="4873beb7-5857-4685-be1f-d57550cc96cc" xsi:nil="true"/>
+    <LocOverallPreviewStatusLookup xmlns="4873beb7-5857-4685-be1f-d57550cc96cc" xsi:nil="true"/>
+    <TaxCatchAll xmlns="4873beb7-5857-4685-be1f-d57550cc96cc"/>
+    <Markets xmlns="4873beb7-5857-4685-be1f-d57550cc96cc"/>
+    <UAProjectedTotalWords xmlns="4873beb7-5857-4685-be1f-d57550cc96cc" xsi:nil="true"/>
+    <IntlLangReview xmlns="4873beb7-5857-4685-be1f-d57550cc96cc" xsi:nil="true"/>
+    <OutputCachingOn xmlns="4873beb7-5857-4685-be1f-d57550cc96cc">false</OutputCachingOn>
+    <AverageRating xmlns="4873beb7-5857-4685-be1f-d57550cc96cc" xsi:nil="true"/>
+    <APAuthor xmlns="4873beb7-5857-4685-be1f-d57550cc96cc">
+      <UserInfo>
+        <DisplayName>REDMOND\kristaa</DisplayName>
+        <AccountId>136</AccountId>
+        <AccountType/>
+      </UserInfo>
+    </APAuthor>
+    <LocManualTestRequired xmlns="4873beb7-5857-4685-be1f-d57550cc96cc">false</LocManualTestRequired>
+    <TPCommandLine xmlns="4873beb7-5857-4685-be1f-d57550cc96cc" xsi:nil="true"/>
+    <TPAppVersion xmlns="4873beb7-5857-4685-be1f-d57550cc96cc" xsi:nil="true"/>
+    <EditorialStatus xmlns="4873beb7-5857-4685-be1f-d57550cc96cc">Complete</EditorialStatus>
+    <LastModifiedDateTime xmlns="4873beb7-5857-4685-be1f-d57550cc96cc" xsi:nil="true"/>
+    <ScenarioTagsTaxHTField0 xmlns="4873beb7-5857-4685-be1f-d57550cc96cc">
+      <Terms xmlns="http://schemas.microsoft.com/office/infopath/2007/PartnerControls"/>
+    </ScenarioTagsTaxHTField0>
+    <LocProcessedForMarketsLookup xmlns="4873beb7-5857-4685-be1f-d57550cc96cc" xsi:nil="true"/>
+    <TPLaunchHelpLinkType xmlns="4873beb7-5857-4685-be1f-d57550cc96cc">Template</TPLaunchHelpLinkType>
+    <OriginalRelease xmlns="4873beb7-5857-4685-be1f-d57550cc96cc">15</OriginalRelease>
+    <LocalizationTagsTaxHTField0 xmlns="4873beb7-5857-4685-be1f-d57550cc96cc">
+      <Terms xmlns="http://schemas.microsoft.com/office/infopath/2007/PartnerControls"/>
+    </LocalizationTagsTaxHTField0>
+    <UACurrentWords xmlns="4873beb7-5857-4685-be1f-d57550cc96cc" xsi:nil="true"/>
+    <ArtSampleDocs xmlns="4873beb7-5857-4685-be1f-d57550cc96cc" xsi:nil="true"/>
+    <UALocRecommendation xmlns="4873beb7-5857-4685-be1f-d57550cc96cc">Localize</UALocRecommendation>
+    <Manager xmlns="4873beb7-5857-4685-be1f-d57550cc96cc" xsi:nil="true"/>
+    <LocOverallHandbackStatusLookup xmlns="4873beb7-5857-4685-be1f-d57550cc96cc" xsi:nil="true"/>
+    <ShowIn xmlns="4873beb7-5857-4685-be1f-d57550cc96cc">Show everywhere</ShowIn>
+    <UANotes xmlns="4873beb7-5857-4685-be1f-d57550cc96cc" xsi:nil="true"/>
+    <InternalTagsTaxHTField0 xmlns="4873beb7-5857-4685-be1f-d57550cc96cc">
+      <Terms xmlns="http://schemas.microsoft.com/office/infopath/2007/PartnerControls"/>
+    </InternalTagsTaxHTField0>
+    <CSXHash xmlns="4873beb7-5857-4685-be1f-d57550cc96cc" xsi:nil="true"/>
+    <VoteCount xmlns="4873beb7-5857-4685-be1f-d57550cc96cc" xsi:nil="true"/>
+    <AssetExpire xmlns="4873beb7-5857-4685-be1f-d57550cc96cc">2029-05-12T07:00:00+00:00</AssetExpire>
+    <DSATActionTaken xmlns="4873beb7-5857-4685-be1f-d57550cc96cc" xsi:nil="true"/>
+    <CSXSubmissionMarket xmlns="4873beb7-5857-4685-be1f-d57550cc96cc" xsi:nil="true"/>
+    <LocMarketGroupTiers2 xmlns="4873beb7-5857-4685-be1f-d57550cc96cc" xsi:nil="true"/>
+  </documentManagement>
+</p:properties>
 </file>
 
 <file path=customXml/itemProps1.xml><?xml version="1.0" encoding="utf-8"?>
-<ds:datastoreItem xmlns:ds="http://schemas.openxmlformats.org/officeDocument/2006/customXml" ds:itemID="{60C67BEE-D13F-4BD2-98A5-34D8A0977F68}">
+<ds:datastoreItem xmlns:ds="http://schemas.openxmlformats.org/officeDocument/2006/customXml" ds:itemID="{3836F65B-1B07-41EE-A0E8-BC6EF3855225}">
   <ds:schemaRefs>
-    <ds:schemaRef ds:uri="http://schemas.microsoft.com/office/2006/documentManagement/types"/>
-    <ds:schemaRef ds:uri="http://schemas.openxmlformats.org/package/2006/metadata/core-properties"/>
-    <ds:schemaRef ds:uri="http://purl.org/dc/terms/"/>
-    <ds:schemaRef ds:uri="http://schemas.microsoft.com/office/infopath/2007/PartnerControls"/>
-    <ds:schemaRef ds:uri="http://purl.org/dc/dcmitype/"/>
-    <ds:schemaRef ds:uri="http://purl.org/dc/elements/1.1/"/>
-    <ds:schemaRef ds:uri="http://schemas.microsoft.com/office/2006/metadata/properties"/>
-    <ds:schemaRef ds:uri="4873beb7-5857-4685-be1f-d57550cc96cc"/>
-    <ds:schemaRef ds:uri="http://www.w3.org/XML/1998/namespace"/>
+    <ds:schemaRef ds:uri="http://schemas.microsoft.com/sharepoint/v3/contenttype/forms"/>
   </ds:schemaRefs>
 </ds:datastoreItem>
 </file>
@@ -19046,9 +22410,17 @@
 </file>
 
 <file path=customXml/itemProps3.xml><?xml version="1.0" encoding="utf-8"?>
-<ds:datastoreItem xmlns:ds="http://schemas.openxmlformats.org/officeDocument/2006/customXml" ds:itemID="{3836F65B-1B07-41EE-A0E8-BC6EF3855225}">
+<ds:datastoreItem xmlns:ds="http://schemas.openxmlformats.org/officeDocument/2006/customXml" ds:itemID="{60C67BEE-D13F-4BD2-98A5-34D8A0977F68}">
   <ds:schemaRefs>
-    <ds:schemaRef ds:uri="http://schemas.microsoft.com/sharepoint/v3/contenttype/forms"/>
+    <ds:schemaRef ds:uri="http://schemas.microsoft.com/office/2006/documentManagement/types"/>
+    <ds:schemaRef ds:uri="http://schemas.openxmlformats.org/package/2006/metadata/core-properties"/>
+    <ds:schemaRef ds:uri="http://purl.org/dc/terms/"/>
+    <ds:schemaRef ds:uri="http://schemas.microsoft.com/office/infopath/2007/PartnerControls"/>
+    <ds:schemaRef ds:uri="http://purl.org/dc/dcmitype/"/>
+    <ds:schemaRef ds:uri="http://purl.org/dc/elements/1.1/"/>
+    <ds:schemaRef ds:uri="http://schemas.microsoft.com/office/2006/metadata/properties"/>
+    <ds:schemaRef ds:uri="4873beb7-5857-4685-be1f-d57550cc96cc"/>
+    <ds:schemaRef ds:uri="http://www.w3.org/XML/1998/namespace"/>
   </ds:schemaRefs>
 </ds:datastoreItem>
 </file>